--- a/On Road PPT.pptx
+++ b/On Road PPT.pptx
@@ -2,12 +2,13 @@
 <file path=ppt/presentation.xml><?xml version="1.0" encoding="utf-8"?>
 <p:presentation xmlns:a="http://schemas.openxmlformats.org/drawingml/2006/main" xmlns:r="http://schemas.openxmlformats.org/officeDocument/2006/relationships" xmlns:p="http://schemas.openxmlformats.org/presentationml/2006/main" saveSubsetFonts="1">
   <p:sldMasterIdLst>
-    <p:sldMasterId id="2147483702" r:id="rId1"/>
+    <p:sldMasterId id="2147483726" r:id="rId1"/>
   </p:sldMasterIdLst>
   <p:sldIdLst>
     <p:sldId id="256" r:id="rId2"/>
     <p:sldId id="257" r:id="rId3"/>
     <p:sldId id="258" r:id="rId4"/>
+    <p:sldId id="259" r:id="rId5"/>
   </p:sldIdLst>
   <p:sldSz cx="12192000" cy="6858000"/>
   <p:notesSz cx="6858000" cy="9144000"/>
@@ -106,11 +107,16 @@
       </a:defRPr>
     </a:lvl9pPr>
   </p:defaultTextStyle>
+  <p:extLst>
+    <p:ext uri="{EFAFB233-063F-42B5-8137-9DF3F51BA10A}">
+      <p15:sldGuideLst xmlns:p15="http://schemas.microsoft.com/office/powerpoint/2012/main"/>
+    </p:ext>
+  </p:extLst>
 </p:presentation>
 </file>
 
 <file path=ppt/slideLayouts/slideLayout1.xml><?xml version="1.0" encoding="utf-8"?>
-<p:sldLayout xmlns:a="http://schemas.openxmlformats.org/drawingml/2006/main" xmlns:r="http://schemas.openxmlformats.org/officeDocument/2006/relationships" xmlns:p="http://schemas.openxmlformats.org/presentationml/2006/main" type="title" preserve="1">
+<p:sldLayout xmlns:a="http://schemas.openxmlformats.org/drawingml/2006/main" xmlns:r="http://schemas.openxmlformats.org/officeDocument/2006/relationships" xmlns:p="http://schemas.openxmlformats.org/presentationml/2006/main" showMasterSp="0" type="title" preserve="1">
   <p:cSld name="Title Slide">
     <p:spTree>
       <p:nvGrpSpPr>
@@ -126,259 +132,534 @@
           <a:chExt cx="0" cy="0"/>
         </a:xfrm>
       </p:grpSpPr>
-      <p:sp>
-        <p:nvSpPr>
-          <p:cNvPr id="7" name="Rectangle 6"/>
-          <p:cNvSpPr/>
-          <p:nvPr/>
-        </p:nvSpPr>
-        <p:spPr>
-          <a:xfrm>
-            <a:off x="920834" y="1346946"/>
-            <a:ext cx="10222992" cy="80683"/>
-          </a:xfrm>
-          <a:prstGeom prst="rect">
-            <a:avLst/>
-          </a:prstGeom>
-          <a:blipFill dpi="0" rotWithShape="1">
-            <a:blip r:embed="rId2">
-              <a:alphaModFix amt="85000"/>
-              <a:lum bright="70000" contrast="-70000"/>
-              <a:extLst>
-                <a:ext uri="{BEBA8EAE-BF5A-486C-A8C5-ECC9F3942E4B}">
-                  <a14:imgProps xmlns:a14="http://schemas.microsoft.com/office/drawing/2010/main">
-                    <a14:imgLayer r:embed="rId3">
-                      <a14:imgEffect>
-                        <a14:sharpenSoften amount="61000"/>
-                      </a14:imgEffect>
-                    </a14:imgLayer>
-                  </a14:imgProps>
-                </a:ext>
-                <a:ext uri="{28A0092B-C50C-407E-A947-70E740481C1C}">
-                  <a14:useLocalDpi xmlns:a14="http://schemas.microsoft.com/office/drawing/2010/main" val="0"/>
-                </a:ext>
-              </a:extLst>
-            </a:blip>
-            <a:srcRect/>
-            <a:tile tx="0" ty="-762000" sx="92000" sy="89000" flip="xy" algn="ctr"/>
-          </a:blipFill>
-          <a:ln>
-            <a:noFill/>
-          </a:ln>
-        </p:spPr>
-        <p:style>
-          <a:lnRef idx="2">
-            <a:schemeClr val="accent1">
-              <a:shade val="50000"/>
-            </a:schemeClr>
-          </a:lnRef>
-          <a:fillRef idx="1">
-            <a:schemeClr val="accent1"/>
-          </a:fillRef>
-          <a:effectRef idx="0">
-            <a:schemeClr val="accent1"/>
-          </a:effectRef>
-          <a:fontRef idx="minor">
-            <a:schemeClr val="lt1"/>
-          </a:fontRef>
-        </p:style>
-      </p:sp>
-      <p:sp>
-        <p:nvSpPr>
-          <p:cNvPr id="8" name="Rectangle 7"/>
-          <p:cNvSpPr/>
-          <p:nvPr/>
-        </p:nvSpPr>
-        <p:spPr>
-          <a:xfrm>
-            <a:off x="920834" y="4299696"/>
-            <a:ext cx="10222992" cy="80683"/>
-          </a:xfrm>
-          <a:prstGeom prst="rect">
-            <a:avLst/>
-          </a:prstGeom>
-          <a:blipFill dpi="0" rotWithShape="1">
-            <a:blip r:embed="rId2">
-              <a:alphaModFix amt="85000"/>
-              <a:lum bright="70000" contrast="-70000"/>
-              <a:extLst>
-                <a:ext uri="{BEBA8EAE-BF5A-486C-A8C5-ECC9F3942E4B}">
-                  <a14:imgProps xmlns:a14="http://schemas.microsoft.com/office/drawing/2010/main">
-                    <a14:imgLayer r:embed="rId3">
-                      <a14:imgEffect>
-                        <a14:sharpenSoften amount="61000"/>
-                      </a14:imgEffect>
-                    </a14:imgLayer>
-                  </a14:imgProps>
-                </a:ext>
-                <a:ext uri="{28A0092B-C50C-407E-A947-70E740481C1C}">
-                  <a14:useLocalDpi xmlns:a14="http://schemas.microsoft.com/office/drawing/2010/main" val="0"/>
-                </a:ext>
-              </a:extLst>
-            </a:blip>
-            <a:srcRect/>
-            <a:tile tx="0" ty="-717550" sx="92000" sy="89000" flip="xy" algn="ctr"/>
-          </a:blipFill>
-          <a:ln>
-            <a:noFill/>
-          </a:ln>
-        </p:spPr>
-        <p:style>
-          <a:lnRef idx="2">
-            <a:schemeClr val="accent1">
-              <a:shade val="50000"/>
-            </a:schemeClr>
-          </a:lnRef>
-          <a:fillRef idx="1">
-            <a:schemeClr val="accent1"/>
-          </a:fillRef>
-          <a:effectRef idx="0">
-            <a:schemeClr val="accent1"/>
-          </a:effectRef>
-          <a:fontRef idx="minor">
-            <a:schemeClr val="lt1"/>
-          </a:fontRef>
-        </p:style>
-      </p:sp>
-      <p:sp>
-        <p:nvSpPr>
-          <p:cNvPr id="9" name="Rectangle 8"/>
-          <p:cNvSpPr/>
-          <p:nvPr/>
-        </p:nvSpPr>
-        <p:spPr>
-          <a:xfrm>
-            <a:off x="920834" y="1484779"/>
-            <a:ext cx="10222992" cy="2743200"/>
-          </a:xfrm>
-          <a:prstGeom prst="rect">
-            <a:avLst/>
-          </a:prstGeom>
-          <a:blipFill dpi="0" rotWithShape="1">
-            <a:blip r:embed="rId2">
-              <a:alphaModFix amt="85000"/>
-              <a:lum bright="70000" contrast="-70000"/>
-              <a:extLst>
-                <a:ext uri="{BEBA8EAE-BF5A-486C-A8C5-ECC9F3942E4B}">
-                  <a14:imgProps xmlns:a14="http://schemas.microsoft.com/office/drawing/2010/main">
-                    <a14:imgLayer r:embed="rId3">
-                      <a14:imgEffect>
-                        <a14:sharpenSoften amount="61000"/>
-                      </a14:imgEffect>
-                    </a14:imgLayer>
-                  </a14:imgProps>
-                </a:ext>
-                <a:ext uri="{28A0092B-C50C-407E-A947-70E740481C1C}">
-                  <a14:useLocalDpi xmlns:a14="http://schemas.microsoft.com/office/drawing/2010/main" val="0"/>
-                </a:ext>
-              </a:extLst>
-            </a:blip>
-            <a:srcRect/>
-            <a:tile tx="0" ty="-704850" sx="92000" sy="89000" flip="xy" algn="ctr"/>
-          </a:blipFill>
-          <a:ln>
-            <a:noFill/>
-          </a:ln>
-        </p:spPr>
-        <p:style>
-          <a:lnRef idx="2">
-            <a:schemeClr val="accent1">
-              <a:shade val="50000"/>
-            </a:schemeClr>
-          </a:lnRef>
-          <a:fillRef idx="1">
-            <a:schemeClr val="accent1"/>
-          </a:fillRef>
-          <a:effectRef idx="0">
-            <a:schemeClr val="accent1"/>
-          </a:effectRef>
-          <a:fontRef idx="minor">
-            <a:schemeClr val="lt1"/>
-          </a:fontRef>
-        </p:style>
-      </p:sp>
       <p:grpSp>
         <p:nvGrpSpPr>
-          <p:cNvPr id="10" name="Group 9"/>
+          <p:cNvPr id="7" name="Group 6"/>
           <p:cNvGrpSpPr/>
           <p:nvPr/>
         </p:nvGrpSpPr>
         <p:grpSpPr>
           <a:xfrm>
-            <a:off x="9649215" y="4068923"/>
-            <a:ext cx="1080904" cy="1080902"/>
-            <a:chOff x="9685338" y="4460675"/>
-            <a:chExt cx="1080904" cy="1080902"/>
+            <a:off x="0" y="-8467"/>
+            <a:ext cx="12192000" cy="6866467"/>
+            <a:chOff x="0" y="-8467"/>
+            <a:chExt cx="12192000" cy="6866467"/>
           </a:xfrm>
         </p:grpSpPr>
+        <p:cxnSp>
+          <p:nvCxnSpPr>
+            <p:cNvPr id="32" name="Straight Connector 31"/>
+            <p:cNvCxnSpPr/>
+            <p:nvPr/>
+          </p:nvCxnSpPr>
+          <p:spPr>
+            <a:xfrm>
+              <a:off x="9371012" y="0"/>
+              <a:ext cx="1219200" cy="6858000"/>
+            </a:xfrm>
+            <a:prstGeom prst="line">
+              <a:avLst/>
+            </a:prstGeom>
+            <a:ln w="9525">
+              <a:solidFill>
+                <a:schemeClr val="bg1">
+                  <a:lumMod val="75000"/>
+                </a:schemeClr>
+              </a:solidFill>
+            </a:ln>
+          </p:spPr>
+          <p:style>
+            <a:lnRef idx="2">
+              <a:schemeClr val="accent1"/>
+            </a:lnRef>
+            <a:fillRef idx="0">
+              <a:schemeClr val="accent1"/>
+            </a:fillRef>
+            <a:effectRef idx="1">
+              <a:schemeClr val="accent1"/>
+            </a:effectRef>
+            <a:fontRef idx="minor">
+              <a:schemeClr val="tx1"/>
+            </a:fontRef>
+          </p:style>
+        </p:cxnSp>
+        <p:cxnSp>
+          <p:nvCxnSpPr>
+            <p:cNvPr id="21" name="Straight Connector 20"/>
+            <p:cNvCxnSpPr/>
+            <p:nvPr/>
+          </p:nvCxnSpPr>
+          <p:spPr>
+            <a:xfrm flipH="1">
+              <a:off x="7425267" y="3681413"/>
+              <a:ext cx="4763558" cy="3176587"/>
+            </a:xfrm>
+            <a:prstGeom prst="line">
+              <a:avLst/>
+            </a:prstGeom>
+            <a:ln w="9525">
+              <a:solidFill>
+                <a:schemeClr val="bg1">
+                  <a:lumMod val="85000"/>
+                </a:schemeClr>
+              </a:solidFill>
+            </a:ln>
+          </p:spPr>
+          <p:style>
+            <a:lnRef idx="2">
+              <a:schemeClr val="accent1"/>
+            </a:lnRef>
+            <a:fillRef idx="0">
+              <a:schemeClr val="accent1"/>
+            </a:fillRef>
+            <a:effectRef idx="1">
+              <a:schemeClr val="accent1"/>
+            </a:effectRef>
+            <a:fontRef idx="minor">
+              <a:schemeClr val="tx1"/>
+            </a:fontRef>
+          </p:style>
+        </p:cxnSp>
         <p:sp>
           <p:nvSpPr>
-            <p:cNvPr id="11" name="Oval 10"/>
+            <p:cNvPr id="24" name="Rectangle 23"/>
             <p:cNvSpPr/>
             <p:nvPr/>
           </p:nvSpPr>
           <p:spPr>
             <a:xfrm>
-              <a:off x="9685338" y="4460675"/>
-              <a:ext cx="1080904" cy="1080902"/>
+              <a:off x="9181476" y="-8467"/>
+              <a:ext cx="3007349" cy="6866467"/>
             </a:xfrm>
-            <a:prstGeom prst="ellipse">
+            <a:custGeom>
               <a:avLst/>
-            </a:prstGeom>
-            <a:blipFill dpi="0" rotWithShape="1">
-              <a:blip r:embed="rId4">
-                <a:duotone>
-                  <a:schemeClr val="accent1">
-                    <a:shade val="45000"/>
-                    <a:satMod val="135000"/>
-                  </a:schemeClr>
-                  <a:prstClr val="white"/>
-                </a:duotone>
-                <a:extLst>
-                  <a:ext uri="{BEBA8EAE-BF5A-486C-A8C5-ECC9F3942E4B}">
-                    <a14:imgProps xmlns:a14="http://schemas.microsoft.com/office/drawing/2010/main">
-                      <a14:imgLayer r:embed="rId5">
-                        <a14:imgEffect>
-                          <a14:saturation sat="95000"/>
-                        </a14:imgEffect>
-                      </a14:imgLayer>
-                    </a14:imgProps>
-                  </a:ext>
-                </a:extLst>
-              </a:blip>
-              <a:srcRect/>
-              <a:tile tx="0" ty="0" sx="85000" sy="85000" flip="none" algn="tl"/>
-            </a:blipFill>
-            <a:ln w="25400" cap="flat" cmpd="sng" algn="ctr">
+              <a:gdLst/>
+              <a:ahLst/>
+              <a:cxnLst/>
+              <a:rect l="l" t="t" r="r" b="b"/>
+              <a:pathLst>
+                <a:path w="3007349" h="6866467">
+                  <a:moveTo>
+                    <a:pt x="2045532" y="0"/>
+                  </a:moveTo>
+                  <a:lnTo>
+                    <a:pt x="3007349" y="0"/>
+                  </a:lnTo>
+                  <a:lnTo>
+                    <a:pt x="3007349" y="6866467"/>
+                  </a:lnTo>
+                  <a:lnTo>
+                    <a:pt x="0" y="6866467"/>
+                  </a:lnTo>
+                  <a:lnTo>
+                    <a:pt x="2045532" y="0"/>
+                  </a:lnTo>
+                  <a:close/>
+                </a:path>
+              </a:pathLst>
+            </a:custGeom>
+            <a:solidFill>
+              <a:schemeClr val="accent1">
+                <a:alpha val="30000"/>
+              </a:schemeClr>
+            </a:solidFill>
+            <a:ln>
               <a:noFill/>
-              <a:prstDash val="solid"/>
             </a:ln>
             <a:effectLst/>
           </p:spPr>
+          <p:style>
+            <a:lnRef idx="1">
+              <a:schemeClr val="accent1"/>
+            </a:lnRef>
+            <a:fillRef idx="3">
+              <a:schemeClr val="accent1"/>
+            </a:fillRef>
+            <a:effectRef idx="2">
+              <a:schemeClr val="accent1"/>
+            </a:effectRef>
+            <a:fontRef idx="minor">
+              <a:schemeClr val="lt1"/>
+            </a:fontRef>
+          </p:style>
         </p:sp>
         <p:sp>
           <p:nvSpPr>
-            <p:cNvPr id="12" name="Oval 11"/>
+            <p:cNvPr id="26" name="Rectangle 25"/>
             <p:cNvSpPr/>
             <p:nvPr/>
           </p:nvSpPr>
           <p:spPr>
             <a:xfrm>
-              <a:off x="9793429" y="4568765"/>
-              <a:ext cx="864723" cy="864722"/>
+              <a:off x="9603442" y="-8467"/>
+              <a:ext cx="2588558" cy="6866467"/>
             </a:xfrm>
-            <a:prstGeom prst="ellipse">
+            <a:custGeom>
               <a:avLst/>
-            </a:prstGeom>
-            <a:noFill/>
-            <a:ln w="25400" cap="flat" cmpd="sng" algn="ctr">
-              <a:solidFill>
-                <a:sysClr val="window" lastClr="FFFFFF"/>
-              </a:solidFill>
-              <a:prstDash val="solid"/>
+              <a:gdLst/>
+              <a:ahLst/>
+              <a:cxnLst/>
+              <a:rect l="l" t="t" r="r" b="b"/>
+              <a:pathLst>
+                <a:path w="2573311" h="6866467">
+                  <a:moveTo>
+                    <a:pt x="0" y="0"/>
+                  </a:moveTo>
+                  <a:lnTo>
+                    <a:pt x="2573311" y="0"/>
+                  </a:lnTo>
+                  <a:lnTo>
+                    <a:pt x="2573311" y="6866467"/>
+                  </a:lnTo>
+                  <a:lnTo>
+                    <a:pt x="1202336" y="6866467"/>
+                  </a:lnTo>
+                  <a:lnTo>
+                    <a:pt x="0" y="0"/>
+                  </a:lnTo>
+                  <a:close/>
+                </a:path>
+              </a:pathLst>
+            </a:custGeom>
+            <a:solidFill>
+              <a:schemeClr val="accent1">
+                <a:alpha val="20000"/>
+              </a:schemeClr>
+            </a:solidFill>
+            <a:ln>
+              <a:noFill/>
             </a:ln>
             <a:effectLst/>
           </p:spPr>
+          <p:style>
+            <a:lnRef idx="1">
+              <a:schemeClr val="accent1"/>
+            </a:lnRef>
+            <a:fillRef idx="3">
+              <a:schemeClr val="accent1"/>
+            </a:fillRef>
+            <a:effectRef idx="2">
+              <a:schemeClr val="accent1"/>
+            </a:effectRef>
+            <a:fontRef idx="minor">
+              <a:schemeClr val="lt1"/>
+            </a:fontRef>
+          </p:style>
+        </p:sp>
+        <p:sp>
+          <p:nvSpPr>
+            <p:cNvPr id="27" name="Isosceles Triangle 26"/>
+            <p:cNvSpPr/>
+            <p:nvPr/>
+          </p:nvSpPr>
+          <p:spPr>
+            <a:xfrm>
+              <a:off x="8932333" y="3048000"/>
+              <a:ext cx="3259667" cy="3810000"/>
+            </a:xfrm>
+            <a:prstGeom prst="triangle">
+              <a:avLst>
+                <a:gd name="adj" fmla="val 100000"/>
+              </a:avLst>
+            </a:prstGeom>
+            <a:solidFill>
+              <a:schemeClr val="accent2">
+                <a:alpha val="72000"/>
+              </a:schemeClr>
+            </a:solidFill>
+            <a:ln>
+              <a:noFill/>
+            </a:ln>
+            <a:effectLst/>
+          </p:spPr>
+          <p:style>
+            <a:lnRef idx="1">
+              <a:schemeClr val="accent1"/>
+            </a:lnRef>
+            <a:fillRef idx="3">
+              <a:schemeClr val="accent1"/>
+            </a:fillRef>
+            <a:effectRef idx="2">
+              <a:schemeClr val="accent1"/>
+            </a:effectRef>
+            <a:fontRef idx="minor">
+              <a:schemeClr val="lt1"/>
+            </a:fontRef>
+          </p:style>
+        </p:sp>
+        <p:sp>
+          <p:nvSpPr>
+            <p:cNvPr id="28" name="Rectangle 27"/>
+            <p:cNvSpPr/>
+            <p:nvPr/>
+          </p:nvSpPr>
+          <p:spPr>
+            <a:xfrm>
+              <a:off x="9334500" y="-8467"/>
+              <a:ext cx="2854326" cy="6866467"/>
+            </a:xfrm>
+            <a:custGeom>
+              <a:avLst/>
+              <a:gdLst/>
+              <a:ahLst/>
+              <a:cxnLst/>
+              <a:rect l="l" t="t" r="r" b="b"/>
+              <a:pathLst>
+                <a:path w="2858013" h="6866467">
+                  <a:moveTo>
+                    <a:pt x="0" y="0"/>
+                  </a:moveTo>
+                  <a:lnTo>
+                    <a:pt x="2858013" y="0"/>
+                  </a:lnTo>
+                  <a:lnTo>
+                    <a:pt x="2858013" y="6866467"/>
+                  </a:lnTo>
+                  <a:lnTo>
+                    <a:pt x="2473942" y="6866467"/>
+                  </a:lnTo>
+                  <a:lnTo>
+                    <a:pt x="0" y="0"/>
+                  </a:lnTo>
+                  <a:close/>
+                </a:path>
+              </a:pathLst>
+            </a:custGeom>
+            <a:solidFill>
+              <a:schemeClr val="accent2">
+                <a:lumMod val="75000"/>
+                <a:alpha val="70000"/>
+              </a:schemeClr>
+            </a:solidFill>
+            <a:ln>
+              <a:noFill/>
+            </a:ln>
+            <a:effectLst/>
+          </p:spPr>
+          <p:style>
+            <a:lnRef idx="1">
+              <a:schemeClr val="accent1"/>
+            </a:lnRef>
+            <a:fillRef idx="3">
+              <a:schemeClr val="accent1"/>
+            </a:fillRef>
+            <a:effectRef idx="2">
+              <a:schemeClr val="accent1"/>
+            </a:effectRef>
+            <a:fontRef idx="minor">
+              <a:schemeClr val="lt1"/>
+            </a:fontRef>
+          </p:style>
+        </p:sp>
+        <p:sp>
+          <p:nvSpPr>
+            <p:cNvPr id="29" name="Rectangle 28"/>
+            <p:cNvSpPr/>
+            <p:nvPr/>
+          </p:nvSpPr>
+          <p:spPr>
+            <a:xfrm>
+              <a:off x="10898730" y="-8467"/>
+              <a:ext cx="1290094" cy="6866467"/>
+            </a:xfrm>
+            <a:custGeom>
+              <a:avLst/>
+              <a:gdLst/>
+              <a:ahLst/>
+              <a:cxnLst/>
+              <a:rect l="l" t="t" r="r" b="b"/>
+              <a:pathLst>
+                <a:path w="1290094" h="6858000">
+                  <a:moveTo>
+                    <a:pt x="1019735" y="0"/>
+                  </a:moveTo>
+                  <a:lnTo>
+                    <a:pt x="1290094" y="0"/>
+                  </a:lnTo>
+                  <a:lnTo>
+                    <a:pt x="1290094" y="6858000"/>
+                  </a:lnTo>
+                  <a:lnTo>
+                    <a:pt x="0" y="6858000"/>
+                  </a:lnTo>
+                  <a:lnTo>
+                    <a:pt x="1019735" y="0"/>
+                  </a:lnTo>
+                  <a:close/>
+                </a:path>
+              </a:pathLst>
+            </a:custGeom>
+            <a:solidFill>
+              <a:schemeClr val="accent1">
+                <a:lumMod val="60000"/>
+                <a:lumOff val="40000"/>
+                <a:alpha val="70000"/>
+              </a:schemeClr>
+            </a:solidFill>
+            <a:ln>
+              <a:noFill/>
+            </a:ln>
+            <a:effectLst/>
+          </p:spPr>
+          <p:style>
+            <a:lnRef idx="1">
+              <a:schemeClr val="accent1"/>
+            </a:lnRef>
+            <a:fillRef idx="3">
+              <a:schemeClr val="accent1"/>
+            </a:fillRef>
+            <a:effectRef idx="2">
+              <a:schemeClr val="accent1"/>
+            </a:effectRef>
+            <a:fontRef idx="minor">
+              <a:schemeClr val="lt1"/>
+            </a:fontRef>
+          </p:style>
+        </p:sp>
+        <p:sp>
+          <p:nvSpPr>
+            <p:cNvPr id="30" name="Rectangle 29"/>
+            <p:cNvSpPr/>
+            <p:nvPr/>
+          </p:nvSpPr>
+          <p:spPr>
+            <a:xfrm>
+              <a:off x="10938999" y="-8467"/>
+              <a:ext cx="1249825" cy="6866467"/>
+            </a:xfrm>
+            <a:custGeom>
+              <a:avLst/>
+              <a:gdLst/>
+              <a:ahLst/>
+              <a:cxnLst/>
+              <a:rect l="l" t="t" r="r" b="b"/>
+              <a:pathLst>
+                <a:path w="1249825" h="6858000">
+                  <a:moveTo>
+                    <a:pt x="0" y="0"/>
+                  </a:moveTo>
+                  <a:lnTo>
+                    <a:pt x="1249825" y="0"/>
+                  </a:lnTo>
+                  <a:lnTo>
+                    <a:pt x="1249825" y="6858000"/>
+                  </a:lnTo>
+                  <a:lnTo>
+                    <a:pt x="1109382" y="6858000"/>
+                  </a:lnTo>
+                  <a:lnTo>
+                    <a:pt x="0" y="0"/>
+                  </a:lnTo>
+                  <a:close/>
+                </a:path>
+              </a:pathLst>
+            </a:custGeom>
+            <a:solidFill>
+              <a:schemeClr val="accent1">
+                <a:alpha val="65000"/>
+              </a:schemeClr>
+            </a:solidFill>
+            <a:ln>
+              <a:noFill/>
+            </a:ln>
+            <a:effectLst/>
+          </p:spPr>
+          <p:style>
+            <a:lnRef idx="1">
+              <a:schemeClr val="accent1"/>
+            </a:lnRef>
+            <a:fillRef idx="3">
+              <a:schemeClr val="accent1"/>
+            </a:fillRef>
+            <a:effectRef idx="2">
+              <a:schemeClr val="accent1"/>
+            </a:effectRef>
+            <a:fontRef idx="minor">
+              <a:schemeClr val="lt1"/>
+            </a:fontRef>
+          </p:style>
+        </p:sp>
+        <p:sp>
+          <p:nvSpPr>
+            <p:cNvPr id="31" name="Isosceles Triangle 30"/>
+            <p:cNvSpPr/>
+            <p:nvPr/>
+          </p:nvSpPr>
+          <p:spPr>
+            <a:xfrm>
+              <a:off x="10371666" y="3589867"/>
+              <a:ext cx="1817159" cy="3268133"/>
+            </a:xfrm>
+            <a:prstGeom prst="triangle">
+              <a:avLst>
+                <a:gd name="adj" fmla="val 100000"/>
+              </a:avLst>
+            </a:prstGeom>
+            <a:solidFill>
+              <a:schemeClr val="accent1">
+                <a:alpha val="80000"/>
+              </a:schemeClr>
+            </a:solidFill>
+            <a:ln>
+              <a:noFill/>
+            </a:ln>
+            <a:effectLst/>
+          </p:spPr>
+          <p:style>
+            <a:lnRef idx="1">
+              <a:schemeClr val="accent1"/>
+            </a:lnRef>
+            <a:fillRef idx="3">
+              <a:schemeClr val="accent1"/>
+            </a:fillRef>
+            <a:effectRef idx="2">
+              <a:schemeClr val="accent1"/>
+            </a:effectRef>
+            <a:fontRef idx="minor">
+              <a:schemeClr val="lt1"/>
+            </a:fontRef>
+          </p:style>
+        </p:sp>
+        <p:sp>
+          <p:nvSpPr>
+            <p:cNvPr id="19" name="Isosceles Triangle 18"/>
+            <p:cNvSpPr/>
+            <p:nvPr/>
+          </p:nvSpPr>
+          <p:spPr>
+            <a:xfrm rot="10800000">
+              <a:off x="0" y="0"/>
+              <a:ext cx="842596" cy="5666154"/>
+            </a:xfrm>
+            <a:prstGeom prst="triangle">
+              <a:avLst>
+                <a:gd name="adj" fmla="val 100000"/>
+              </a:avLst>
+            </a:prstGeom>
+            <a:solidFill>
+              <a:schemeClr val="accent1">
+                <a:alpha val="85000"/>
+              </a:schemeClr>
+            </a:solidFill>
+            <a:ln>
+              <a:noFill/>
+            </a:ln>
+            <a:effectLst/>
+          </p:spPr>
+          <p:style>
+            <a:lnRef idx="1">
+              <a:schemeClr val="accent1"/>
+            </a:lnRef>
+            <a:fillRef idx="3">
+              <a:schemeClr val="accent1"/>
+            </a:fillRef>
+            <a:effectRef idx="2">
+              <a:schemeClr val="accent1"/>
+            </a:effectRef>
+            <a:fontRef idx="minor">
+              <a:schemeClr val="lt1"/>
+            </a:fontRef>
+          </p:style>
         </p:sp>
       </p:grpSp>
       <p:sp>
@@ -393,25 +674,20 @@
         </p:nvSpPr>
         <p:spPr>
           <a:xfrm>
-            <a:off x="1051560" y="1432223"/>
-            <a:ext cx="9966960" cy="3035808"/>
+            <a:off x="1507067" y="2404534"/>
+            <a:ext cx="7766936" cy="1646302"/>
           </a:xfrm>
         </p:spPr>
         <p:txBody>
-          <a:bodyPr anchor="ctr">
+          <a:bodyPr anchor="b">
             <a:noAutofit/>
           </a:bodyPr>
           <a:lstStyle>
-            <a:lvl1pPr algn="l">
-              <a:lnSpc>
-                <a:spcPct val="80000"/>
-              </a:lnSpc>
-              <a:defRPr sz="9600" cap="all" baseline="0">
-                <a:blipFill dpi="0" rotWithShape="1">
-                  <a:blip r:embed="rId4"/>
-                  <a:srcRect/>
-                  <a:tile tx="6350" ty="-127000" sx="65000" sy="64000" flip="none" algn="tl"/>
-                </a:blipFill>
+            <a:lvl1pPr algn="r">
+              <a:defRPr sz="5400">
+                <a:solidFill>
+                  <a:schemeClr val="accent1"/>
+                </a:solidFill>
               </a:defRPr>
             </a:lvl1pPr>
           </a:lstStyle>
@@ -436,54 +712,103 @@
         </p:nvSpPr>
         <p:spPr>
           <a:xfrm>
-            <a:off x="1069848" y="4389120"/>
-            <a:ext cx="7891272" cy="1069848"/>
+            <a:off x="1507067" y="4050833"/>
+            <a:ext cx="7766936" cy="1096899"/>
           </a:xfrm>
         </p:spPr>
         <p:txBody>
-          <a:bodyPr>
-            <a:normAutofit/>
-          </a:bodyPr>
+          <a:bodyPr anchor="t"/>
           <a:lstStyle>
-            <a:lvl1pPr marL="0" indent="0" algn="l">
-              <a:buNone/>
-              <a:defRPr sz="2200">
-                <a:solidFill>
-                  <a:schemeClr val="tx1"/>
+            <a:lvl1pPr marL="0" indent="0" algn="r">
+              <a:buNone/>
+              <a:defRPr>
+                <a:solidFill>
+                  <a:schemeClr val="tx1">
+                    <a:lumMod val="50000"/>
+                    <a:lumOff val="50000"/>
+                  </a:schemeClr>
                 </a:solidFill>
               </a:defRPr>
             </a:lvl1pPr>
             <a:lvl2pPr marL="457200" indent="0" algn="ctr">
               <a:buNone/>
-              <a:defRPr sz="2200"/>
+              <a:defRPr>
+                <a:solidFill>
+                  <a:schemeClr val="tx1">
+                    <a:tint val="75000"/>
+                  </a:schemeClr>
+                </a:solidFill>
+              </a:defRPr>
             </a:lvl2pPr>
             <a:lvl3pPr marL="914400" indent="0" algn="ctr">
               <a:buNone/>
-              <a:defRPr sz="2200"/>
+              <a:defRPr>
+                <a:solidFill>
+                  <a:schemeClr val="tx1">
+                    <a:tint val="75000"/>
+                  </a:schemeClr>
+                </a:solidFill>
+              </a:defRPr>
             </a:lvl3pPr>
             <a:lvl4pPr marL="1371600" indent="0" algn="ctr">
               <a:buNone/>
-              <a:defRPr sz="2000"/>
+              <a:defRPr>
+                <a:solidFill>
+                  <a:schemeClr val="tx1">
+                    <a:tint val="75000"/>
+                  </a:schemeClr>
+                </a:solidFill>
+              </a:defRPr>
             </a:lvl4pPr>
             <a:lvl5pPr marL="1828800" indent="0" algn="ctr">
               <a:buNone/>
-              <a:defRPr sz="2000"/>
+              <a:defRPr>
+                <a:solidFill>
+                  <a:schemeClr val="tx1">
+                    <a:tint val="75000"/>
+                  </a:schemeClr>
+                </a:solidFill>
+              </a:defRPr>
             </a:lvl5pPr>
             <a:lvl6pPr marL="2286000" indent="0" algn="ctr">
               <a:buNone/>
-              <a:defRPr sz="2000"/>
+              <a:defRPr>
+                <a:solidFill>
+                  <a:schemeClr val="tx1">
+                    <a:tint val="75000"/>
+                  </a:schemeClr>
+                </a:solidFill>
+              </a:defRPr>
             </a:lvl6pPr>
             <a:lvl7pPr marL="2743200" indent="0" algn="ctr">
               <a:buNone/>
-              <a:defRPr sz="2000"/>
+              <a:defRPr>
+                <a:solidFill>
+                  <a:schemeClr val="tx1">
+                    <a:tint val="75000"/>
+                  </a:schemeClr>
+                </a:solidFill>
+              </a:defRPr>
             </a:lvl7pPr>
             <a:lvl8pPr marL="3200400" indent="0" algn="ctr">
               <a:buNone/>
-              <a:defRPr sz="2000"/>
+              <a:defRPr>
+                <a:solidFill>
+                  <a:schemeClr val="tx1">
+                    <a:tint val="75000"/>
+                  </a:schemeClr>
+                </a:solidFill>
+              </a:defRPr>
             </a:lvl8pPr>
             <a:lvl9pPr marL="3657600" indent="0" algn="ctr">
               <a:buNone/>
-              <a:defRPr sz="2000"/>
+              <a:defRPr>
+                <a:solidFill>
+                  <a:schemeClr val="tx1">
+                    <a:tint val="75000"/>
+                  </a:schemeClr>
+                </a:solidFill>
+              </a:defRPr>
             </a:lvl9pPr>
           </a:lstStyle>
           <a:p>
@@ -512,7 +837,7 @@
           <a:p>
             <a:fld id="{EE200CF6-9F19-4689-9131-46E2C2F9128E}" type="datetimeFigureOut">
               <a:rPr lang="en-IN" smtClean="0"/>
-              <a:t>07-04-2019</a:t>
+              <a:t>08-04-2019</a:t>
             </a:fld>
             <a:endParaRPr lang="en-IN"/>
           </a:p>
@@ -547,19 +872,10 @@
             <p:ph type="sldNum" sz="quarter" idx="12"/>
           </p:nvPr>
         </p:nvSpPr>
-        <p:spPr>
-          <a:xfrm>
-            <a:off x="9592733" y="4289334"/>
-            <a:ext cx="1193868" cy="640080"/>
-          </a:xfrm>
-        </p:spPr>
+        <p:spPr/>
         <p:txBody>
           <a:bodyPr/>
-          <a:lstStyle>
-            <a:lvl1pPr>
-              <a:defRPr sz="2800"/>
-            </a:lvl1pPr>
-          </a:lstStyle>
+          <a:lstStyle/>
           <a:p>
             <a:fld id="{CDD20E1D-48AA-4E82-AE41-A4B427EA4B7A}" type="slidenum">
               <a:rPr lang="en-IN" smtClean="0"/>
@@ -572,7 +888,7 @@
     </p:spTree>
     <p:extLst>
       <p:ext uri="{BB962C8B-B14F-4D97-AF65-F5344CB8AC3E}">
-        <p14:creationId xmlns:p14="http://schemas.microsoft.com/office/powerpoint/2010/main" val="2352246039"/>
+        <p14:creationId xmlns:p14="http://schemas.microsoft.com/office/powerpoint/2010/main" val="587809765"/>
       </p:ext>
     </p:extLst>
   </p:cSld>
@@ -583,6 +899,1619 @@
 </file>
 
 <file path=ppt/slideLayouts/slideLayout10.xml><?xml version="1.0" encoding="utf-8"?>
+<p:sldLayout xmlns:a="http://schemas.openxmlformats.org/drawingml/2006/main" xmlns:r="http://schemas.openxmlformats.org/officeDocument/2006/relationships" xmlns:p="http://schemas.openxmlformats.org/presentationml/2006/main" preserve="1">
+  <p:cSld name="Title and Caption">
+    <p:spTree>
+      <p:nvGrpSpPr>
+        <p:cNvPr id="1" name=""/>
+        <p:cNvGrpSpPr/>
+        <p:nvPr/>
+      </p:nvGrpSpPr>
+      <p:grpSpPr>
+        <a:xfrm>
+          <a:off x="0" y="0"/>
+          <a:ext cx="0" cy="0"/>
+          <a:chOff x="0" y="0"/>
+          <a:chExt cx="0" cy="0"/>
+        </a:xfrm>
+      </p:grpSpPr>
+      <p:sp>
+        <p:nvSpPr>
+          <p:cNvPr id="2" name="Title 1"/>
+          <p:cNvSpPr>
+            <a:spLocks noGrp="1"/>
+          </p:cNvSpPr>
+          <p:nvPr>
+            <p:ph type="title"/>
+          </p:nvPr>
+        </p:nvSpPr>
+        <p:spPr>
+          <a:xfrm>
+            <a:off x="677335" y="609600"/>
+            <a:ext cx="8596668" cy="3403600"/>
+          </a:xfrm>
+        </p:spPr>
+        <p:txBody>
+          <a:bodyPr anchor="ctr">
+            <a:normAutofit/>
+          </a:bodyPr>
+          <a:lstStyle>
+            <a:lvl1pPr algn="l">
+              <a:defRPr sz="4400" b="0" cap="none"/>
+            </a:lvl1pPr>
+          </a:lstStyle>
+          <a:p>
+            <a:r>
+              <a:rPr lang="en-US" smtClean="0"/>
+              <a:t>Click to edit Master title style</a:t>
+            </a:r>
+            <a:endParaRPr lang="en-US" dirty="0"/>
+          </a:p>
+        </p:txBody>
+      </p:sp>
+      <p:sp>
+        <p:nvSpPr>
+          <p:cNvPr id="3" name="Text Placeholder 2"/>
+          <p:cNvSpPr>
+            <a:spLocks noGrp="1"/>
+          </p:cNvSpPr>
+          <p:nvPr>
+            <p:ph type="body" idx="1"/>
+          </p:nvPr>
+        </p:nvSpPr>
+        <p:spPr>
+          <a:xfrm>
+            <a:off x="677335" y="4470400"/>
+            <a:ext cx="8596668" cy="1570962"/>
+          </a:xfrm>
+        </p:spPr>
+        <p:txBody>
+          <a:bodyPr anchor="ctr">
+            <a:normAutofit/>
+          </a:bodyPr>
+          <a:lstStyle>
+            <a:lvl1pPr marL="0" indent="0" algn="l">
+              <a:buNone/>
+              <a:defRPr sz="1800">
+                <a:solidFill>
+                  <a:schemeClr val="tx1">
+                    <a:lumMod val="75000"/>
+                    <a:lumOff val="25000"/>
+                  </a:schemeClr>
+                </a:solidFill>
+              </a:defRPr>
+            </a:lvl1pPr>
+            <a:lvl2pPr marL="457200" indent="0">
+              <a:buNone/>
+              <a:defRPr sz="1800">
+                <a:solidFill>
+                  <a:schemeClr val="tx1">
+                    <a:tint val="75000"/>
+                  </a:schemeClr>
+                </a:solidFill>
+              </a:defRPr>
+            </a:lvl2pPr>
+            <a:lvl3pPr marL="914400" indent="0">
+              <a:buNone/>
+              <a:defRPr sz="1600">
+                <a:solidFill>
+                  <a:schemeClr val="tx1">
+                    <a:tint val="75000"/>
+                  </a:schemeClr>
+                </a:solidFill>
+              </a:defRPr>
+            </a:lvl3pPr>
+            <a:lvl4pPr marL="1371600" indent="0">
+              <a:buNone/>
+              <a:defRPr sz="1400">
+                <a:solidFill>
+                  <a:schemeClr val="tx1">
+                    <a:tint val="75000"/>
+                  </a:schemeClr>
+                </a:solidFill>
+              </a:defRPr>
+            </a:lvl4pPr>
+            <a:lvl5pPr marL="1828800" indent="0">
+              <a:buNone/>
+              <a:defRPr sz="1400">
+                <a:solidFill>
+                  <a:schemeClr val="tx1">
+                    <a:tint val="75000"/>
+                  </a:schemeClr>
+                </a:solidFill>
+              </a:defRPr>
+            </a:lvl5pPr>
+            <a:lvl6pPr marL="2286000" indent="0">
+              <a:buNone/>
+              <a:defRPr sz="1400">
+                <a:solidFill>
+                  <a:schemeClr val="tx1">
+                    <a:tint val="75000"/>
+                  </a:schemeClr>
+                </a:solidFill>
+              </a:defRPr>
+            </a:lvl6pPr>
+            <a:lvl7pPr marL="2743200" indent="0">
+              <a:buNone/>
+              <a:defRPr sz="1400">
+                <a:solidFill>
+                  <a:schemeClr val="tx1">
+                    <a:tint val="75000"/>
+                  </a:schemeClr>
+                </a:solidFill>
+              </a:defRPr>
+            </a:lvl7pPr>
+            <a:lvl8pPr marL="3200400" indent="0">
+              <a:buNone/>
+              <a:defRPr sz="1400">
+                <a:solidFill>
+                  <a:schemeClr val="tx1">
+                    <a:tint val="75000"/>
+                  </a:schemeClr>
+                </a:solidFill>
+              </a:defRPr>
+            </a:lvl8pPr>
+            <a:lvl9pPr marL="3657600" indent="0">
+              <a:buNone/>
+              <a:defRPr sz="1400">
+                <a:solidFill>
+                  <a:schemeClr val="tx1">
+                    <a:tint val="75000"/>
+                  </a:schemeClr>
+                </a:solidFill>
+              </a:defRPr>
+            </a:lvl9pPr>
+          </a:lstStyle>
+          <a:p>
+            <a:pPr lvl="0"/>
+            <a:r>
+              <a:rPr lang="en-US" smtClean="0"/>
+              <a:t>Edit Master text styles</a:t>
+            </a:r>
+          </a:p>
+        </p:txBody>
+      </p:sp>
+      <p:sp>
+        <p:nvSpPr>
+          <p:cNvPr id="4" name="Date Placeholder 3"/>
+          <p:cNvSpPr>
+            <a:spLocks noGrp="1"/>
+          </p:cNvSpPr>
+          <p:nvPr>
+            <p:ph type="dt" sz="half" idx="10"/>
+          </p:nvPr>
+        </p:nvSpPr>
+        <p:spPr/>
+        <p:txBody>
+          <a:bodyPr/>
+          <a:lstStyle/>
+          <a:p>
+            <a:fld id="{EE200CF6-9F19-4689-9131-46E2C2F9128E}" type="datetimeFigureOut">
+              <a:rPr lang="en-IN" smtClean="0"/>
+              <a:t>08-04-2019</a:t>
+            </a:fld>
+            <a:endParaRPr lang="en-IN"/>
+          </a:p>
+        </p:txBody>
+      </p:sp>
+      <p:sp>
+        <p:nvSpPr>
+          <p:cNvPr id="5" name="Footer Placeholder 4"/>
+          <p:cNvSpPr>
+            <a:spLocks noGrp="1"/>
+          </p:cNvSpPr>
+          <p:nvPr>
+            <p:ph type="ftr" sz="quarter" idx="11"/>
+          </p:nvPr>
+        </p:nvSpPr>
+        <p:spPr/>
+        <p:txBody>
+          <a:bodyPr/>
+          <a:lstStyle/>
+          <a:p>
+            <a:endParaRPr lang="en-IN"/>
+          </a:p>
+        </p:txBody>
+      </p:sp>
+      <p:sp>
+        <p:nvSpPr>
+          <p:cNvPr id="6" name="Slide Number Placeholder 5"/>
+          <p:cNvSpPr>
+            <a:spLocks noGrp="1"/>
+          </p:cNvSpPr>
+          <p:nvPr>
+            <p:ph type="sldNum" sz="quarter" idx="12"/>
+          </p:nvPr>
+        </p:nvSpPr>
+        <p:spPr/>
+        <p:txBody>
+          <a:bodyPr/>
+          <a:lstStyle/>
+          <a:p>
+            <a:fld id="{CDD20E1D-48AA-4E82-AE41-A4B427EA4B7A}" type="slidenum">
+              <a:rPr lang="en-IN" smtClean="0"/>
+              <a:t>‹#›</a:t>
+            </a:fld>
+            <a:endParaRPr lang="en-IN"/>
+          </a:p>
+        </p:txBody>
+      </p:sp>
+    </p:spTree>
+    <p:extLst>
+      <p:ext uri="{BB962C8B-B14F-4D97-AF65-F5344CB8AC3E}">
+        <p14:creationId xmlns:p14="http://schemas.microsoft.com/office/powerpoint/2010/main" val="4028647678"/>
+      </p:ext>
+    </p:extLst>
+  </p:cSld>
+  <p:clrMapOvr>
+    <a:masterClrMapping/>
+  </p:clrMapOvr>
+</p:sldLayout>
+</file>
+
+<file path=ppt/slideLayouts/slideLayout11.xml><?xml version="1.0" encoding="utf-8"?>
+<p:sldLayout xmlns:a="http://schemas.openxmlformats.org/drawingml/2006/main" xmlns:r="http://schemas.openxmlformats.org/officeDocument/2006/relationships" xmlns:p="http://schemas.openxmlformats.org/presentationml/2006/main" preserve="1">
+  <p:cSld name="Quote with Caption">
+    <p:spTree>
+      <p:nvGrpSpPr>
+        <p:cNvPr id="1" name=""/>
+        <p:cNvGrpSpPr/>
+        <p:nvPr/>
+      </p:nvGrpSpPr>
+      <p:grpSpPr>
+        <a:xfrm>
+          <a:off x="0" y="0"/>
+          <a:ext cx="0" cy="0"/>
+          <a:chOff x="0" y="0"/>
+          <a:chExt cx="0" cy="0"/>
+        </a:xfrm>
+      </p:grpSpPr>
+      <p:sp>
+        <p:nvSpPr>
+          <p:cNvPr id="2" name="Title 1"/>
+          <p:cNvSpPr>
+            <a:spLocks noGrp="1"/>
+          </p:cNvSpPr>
+          <p:nvPr>
+            <p:ph type="title"/>
+          </p:nvPr>
+        </p:nvSpPr>
+        <p:spPr>
+          <a:xfrm>
+            <a:off x="931334" y="609600"/>
+            <a:ext cx="8094134" cy="3022600"/>
+          </a:xfrm>
+        </p:spPr>
+        <p:txBody>
+          <a:bodyPr anchor="ctr">
+            <a:normAutofit/>
+          </a:bodyPr>
+          <a:lstStyle>
+            <a:lvl1pPr algn="l">
+              <a:defRPr sz="4400" b="0" cap="none"/>
+            </a:lvl1pPr>
+          </a:lstStyle>
+          <a:p>
+            <a:r>
+              <a:rPr lang="en-US" smtClean="0"/>
+              <a:t>Click to edit Master title style</a:t>
+            </a:r>
+            <a:endParaRPr lang="en-US" dirty="0"/>
+          </a:p>
+        </p:txBody>
+      </p:sp>
+      <p:sp>
+        <p:nvSpPr>
+          <p:cNvPr id="23" name="Text Placeholder 9"/>
+          <p:cNvSpPr>
+            <a:spLocks noGrp="1"/>
+          </p:cNvSpPr>
+          <p:nvPr>
+            <p:ph type="body" sz="quarter" idx="13"/>
+          </p:nvPr>
+        </p:nvSpPr>
+        <p:spPr>
+          <a:xfrm>
+            <a:off x="1366139" y="3632200"/>
+            <a:ext cx="7224524" cy="381000"/>
+          </a:xfrm>
+        </p:spPr>
+        <p:txBody>
+          <a:bodyPr anchor="ctr">
+            <a:noAutofit/>
+          </a:bodyPr>
+          <a:lstStyle>
+            <a:lvl1pPr marL="0" indent="0">
+              <a:buFontTx/>
+              <a:buNone/>
+              <a:defRPr sz="1600">
+                <a:solidFill>
+                  <a:schemeClr val="tx1">
+                    <a:lumMod val="50000"/>
+                    <a:lumOff val="50000"/>
+                  </a:schemeClr>
+                </a:solidFill>
+              </a:defRPr>
+            </a:lvl1pPr>
+            <a:lvl2pPr marL="457200" indent="0">
+              <a:buFontTx/>
+              <a:buNone/>
+              <a:defRPr/>
+            </a:lvl2pPr>
+            <a:lvl3pPr marL="914400" indent="0">
+              <a:buFontTx/>
+              <a:buNone/>
+              <a:defRPr/>
+            </a:lvl3pPr>
+            <a:lvl4pPr marL="1371600" indent="0">
+              <a:buFontTx/>
+              <a:buNone/>
+              <a:defRPr/>
+            </a:lvl4pPr>
+            <a:lvl5pPr marL="1828800" indent="0">
+              <a:buFontTx/>
+              <a:buNone/>
+              <a:defRPr/>
+            </a:lvl5pPr>
+          </a:lstStyle>
+          <a:p>
+            <a:pPr lvl="0"/>
+            <a:r>
+              <a:rPr lang="en-US" smtClean="0"/>
+              <a:t>Edit Master text styles</a:t>
+            </a:r>
+          </a:p>
+        </p:txBody>
+      </p:sp>
+      <p:sp>
+        <p:nvSpPr>
+          <p:cNvPr id="3" name="Text Placeholder 2"/>
+          <p:cNvSpPr>
+            <a:spLocks noGrp="1"/>
+          </p:cNvSpPr>
+          <p:nvPr>
+            <p:ph type="body" idx="1"/>
+          </p:nvPr>
+        </p:nvSpPr>
+        <p:spPr>
+          <a:xfrm>
+            <a:off x="677335" y="4470400"/>
+            <a:ext cx="8596668" cy="1570962"/>
+          </a:xfrm>
+        </p:spPr>
+        <p:txBody>
+          <a:bodyPr anchor="ctr">
+            <a:normAutofit/>
+          </a:bodyPr>
+          <a:lstStyle>
+            <a:lvl1pPr marL="0" indent="0" algn="l">
+              <a:buNone/>
+              <a:defRPr sz="1800">
+                <a:solidFill>
+                  <a:schemeClr val="tx1">
+                    <a:lumMod val="75000"/>
+                    <a:lumOff val="25000"/>
+                  </a:schemeClr>
+                </a:solidFill>
+              </a:defRPr>
+            </a:lvl1pPr>
+            <a:lvl2pPr marL="457200" indent="0">
+              <a:buNone/>
+              <a:defRPr sz="1800">
+                <a:solidFill>
+                  <a:schemeClr val="tx1">
+                    <a:tint val="75000"/>
+                  </a:schemeClr>
+                </a:solidFill>
+              </a:defRPr>
+            </a:lvl2pPr>
+            <a:lvl3pPr marL="914400" indent="0">
+              <a:buNone/>
+              <a:defRPr sz="1600">
+                <a:solidFill>
+                  <a:schemeClr val="tx1">
+                    <a:tint val="75000"/>
+                  </a:schemeClr>
+                </a:solidFill>
+              </a:defRPr>
+            </a:lvl3pPr>
+            <a:lvl4pPr marL="1371600" indent="0">
+              <a:buNone/>
+              <a:defRPr sz="1400">
+                <a:solidFill>
+                  <a:schemeClr val="tx1">
+                    <a:tint val="75000"/>
+                  </a:schemeClr>
+                </a:solidFill>
+              </a:defRPr>
+            </a:lvl4pPr>
+            <a:lvl5pPr marL="1828800" indent="0">
+              <a:buNone/>
+              <a:defRPr sz="1400">
+                <a:solidFill>
+                  <a:schemeClr val="tx1">
+                    <a:tint val="75000"/>
+                  </a:schemeClr>
+                </a:solidFill>
+              </a:defRPr>
+            </a:lvl5pPr>
+            <a:lvl6pPr marL="2286000" indent="0">
+              <a:buNone/>
+              <a:defRPr sz="1400">
+                <a:solidFill>
+                  <a:schemeClr val="tx1">
+                    <a:tint val="75000"/>
+                  </a:schemeClr>
+                </a:solidFill>
+              </a:defRPr>
+            </a:lvl6pPr>
+            <a:lvl7pPr marL="2743200" indent="0">
+              <a:buNone/>
+              <a:defRPr sz="1400">
+                <a:solidFill>
+                  <a:schemeClr val="tx1">
+                    <a:tint val="75000"/>
+                  </a:schemeClr>
+                </a:solidFill>
+              </a:defRPr>
+            </a:lvl7pPr>
+            <a:lvl8pPr marL="3200400" indent="0">
+              <a:buNone/>
+              <a:defRPr sz="1400">
+                <a:solidFill>
+                  <a:schemeClr val="tx1">
+                    <a:tint val="75000"/>
+                  </a:schemeClr>
+                </a:solidFill>
+              </a:defRPr>
+            </a:lvl8pPr>
+            <a:lvl9pPr marL="3657600" indent="0">
+              <a:buNone/>
+              <a:defRPr sz="1400">
+                <a:solidFill>
+                  <a:schemeClr val="tx1">
+                    <a:tint val="75000"/>
+                  </a:schemeClr>
+                </a:solidFill>
+              </a:defRPr>
+            </a:lvl9pPr>
+          </a:lstStyle>
+          <a:p>
+            <a:pPr lvl="0"/>
+            <a:r>
+              <a:rPr lang="en-US" smtClean="0"/>
+              <a:t>Edit Master text styles</a:t>
+            </a:r>
+          </a:p>
+        </p:txBody>
+      </p:sp>
+      <p:sp>
+        <p:nvSpPr>
+          <p:cNvPr id="4" name="Date Placeholder 3"/>
+          <p:cNvSpPr>
+            <a:spLocks noGrp="1"/>
+          </p:cNvSpPr>
+          <p:nvPr>
+            <p:ph type="dt" sz="half" idx="10"/>
+          </p:nvPr>
+        </p:nvSpPr>
+        <p:spPr/>
+        <p:txBody>
+          <a:bodyPr/>
+          <a:lstStyle/>
+          <a:p>
+            <a:fld id="{EE200CF6-9F19-4689-9131-46E2C2F9128E}" type="datetimeFigureOut">
+              <a:rPr lang="en-IN" smtClean="0"/>
+              <a:t>08-04-2019</a:t>
+            </a:fld>
+            <a:endParaRPr lang="en-IN"/>
+          </a:p>
+        </p:txBody>
+      </p:sp>
+      <p:sp>
+        <p:nvSpPr>
+          <p:cNvPr id="5" name="Footer Placeholder 4"/>
+          <p:cNvSpPr>
+            <a:spLocks noGrp="1"/>
+          </p:cNvSpPr>
+          <p:nvPr>
+            <p:ph type="ftr" sz="quarter" idx="11"/>
+          </p:nvPr>
+        </p:nvSpPr>
+        <p:spPr/>
+        <p:txBody>
+          <a:bodyPr/>
+          <a:lstStyle/>
+          <a:p>
+            <a:endParaRPr lang="en-IN"/>
+          </a:p>
+        </p:txBody>
+      </p:sp>
+      <p:sp>
+        <p:nvSpPr>
+          <p:cNvPr id="6" name="Slide Number Placeholder 5"/>
+          <p:cNvSpPr>
+            <a:spLocks noGrp="1"/>
+          </p:cNvSpPr>
+          <p:nvPr>
+            <p:ph type="sldNum" sz="quarter" idx="12"/>
+          </p:nvPr>
+        </p:nvSpPr>
+        <p:spPr/>
+        <p:txBody>
+          <a:bodyPr/>
+          <a:lstStyle/>
+          <a:p>
+            <a:fld id="{CDD20E1D-48AA-4E82-AE41-A4B427EA4B7A}" type="slidenum">
+              <a:rPr lang="en-IN" smtClean="0"/>
+              <a:t>‹#›</a:t>
+            </a:fld>
+            <a:endParaRPr lang="en-IN"/>
+          </a:p>
+        </p:txBody>
+      </p:sp>
+      <p:sp>
+        <p:nvSpPr>
+          <p:cNvPr id="20" name="TextBox 19"/>
+          <p:cNvSpPr txBox="1"/>
+          <p:nvPr/>
+        </p:nvSpPr>
+        <p:spPr>
+          <a:xfrm>
+            <a:off x="541870" y="790378"/>
+            <a:ext cx="609600" cy="584776"/>
+          </a:xfrm>
+          <a:prstGeom prst="rect">
+            <a:avLst/>
+          </a:prstGeom>
+        </p:spPr>
+        <p:txBody>
+          <a:bodyPr vert="horz" lIns="91440" tIns="45720" rIns="91440" bIns="45720" rtlCol="0" anchor="ctr">
+            <a:noAutofit/>
+          </a:bodyPr>
+          <a:lstStyle/>
+          <a:p>
+            <a:pPr lvl="0"/>
+            <a:r>
+              <a:rPr lang="en-US" sz="8000" baseline="0" dirty="0">
+                <a:ln w="3175" cmpd="sng">
+                  <a:noFill/>
+                </a:ln>
+                <a:solidFill>
+                  <a:schemeClr val="accent1">
+                    <a:lumMod val="60000"/>
+                    <a:lumOff val="40000"/>
+                  </a:schemeClr>
+                </a:solidFill>
+                <a:effectLst/>
+                <a:latin typeface="Arial"/>
+              </a:rPr>
+              <a:t>“</a:t>
+            </a:r>
+          </a:p>
+        </p:txBody>
+      </p:sp>
+      <p:sp>
+        <p:nvSpPr>
+          <p:cNvPr id="22" name="TextBox 21"/>
+          <p:cNvSpPr txBox="1"/>
+          <p:nvPr/>
+        </p:nvSpPr>
+        <p:spPr>
+          <a:xfrm>
+            <a:off x="8893011" y="2886556"/>
+            <a:ext cx="609600" cy="584776"/>
+          </a:xfrm>
+          <a:prstGeom prst="rect">
+            <a:avLst/>
+          </a:prstGeom>
+        </p:spPr>
+        <p:txBody>
+          <a:bodyPr vert="horz" lIns="91440" tIns="45720" rIns="91440" bIns="45720" rtlCol="0" anchor="ctr">
+            <a:noAutofit/>
+          </a:bodyPr>
+          <a:lstStyle/>
+          <a:p>
+            <a:pPr lvl="0"/>
+            <a:r>
+              <a:rPr lang="en-US" sz="8000" baseline="0" dirty="0">
+                <a:ln w="3175" cmpd="sng">
+                  <a:noFill/>
+                </a:ln>
+                <a:solidFill>
+                  <a:schemeClr val="accent1">
+                    <a:lumMod val="60000"/>
+                    <a:lumOff val="40000"/>
+                  </a:schemeClr>
+                </a:solidFill>
+                <a:latin typeface="Arial"/>
+              </a:rPr>
+              <a:t>”</a:t>
+            </a:r>
+            <a:endParaRPr lang="en-US" dirty="0">
+              <a:solidFill>
+                <a:schemeClr val="accent1">
+                  <a:lumMod val="60000"/>
+                  <a:lumOff val="40000"/>
+                </a:schemeClr>
+              </a:solidFill>
+              <a:latin typeface="Arial"/>
+            </a:endParaRPr>
+          </a:p>
+        </p:txBody>
+      </p:sp>
+    </p:spTree>
+    <p:extLst>
+      <p:ext uri="{BB962C8B-B14F-4D97-AF65-F5344CB8AC3E}">
+        <p14:creationId xmlns:p14="http://schemas.microsoft.com/office/powerpoint/2010/main" val="2973202743"/>
+      </p:ext>
+    </p:extLst>
+  </p:cSld>
+  <p:clrMapOvr>
+    <a:masterClrMapping/>
+  </p:clrMapOvr>
+</p:sldLayout>
+</file>
+
+<file path=ppt/slideLayouts/slideLayout12.xml><?xml version="1.0" encoding="utf-8"?>
+<p:sldLayout xmlns:a="http://schemas.openxmlformats.org/drawingml/2006/main" xmlns:r="http://schemas.openxmlformats.org/officeDocument/2006/relationships" xmlns:p="http://schemas.openxmlformats.org/presentationml/2006/main" preserve="1">
+  <p:cSld name="Name Card">
+    <p:spTree>
+      <p:nvGrpSpPr>
+        <p:cNvPr id="1" name=""/>
+        <p:cNvGrpSpPr/>
+        <p:nvPr/>
+      </p:nvGrpSpPr>
+      <p:grpSpPr>
+        <a:xfrm>
+          <a:off x="0" y="0"/>
+          <a:ext cx="0" cy="0"/>
+          <a:chOff x="0" y="0"/>
+          <a:chExt cx="0" cy="0"/>
+        </a:xfrm>
+      </p:grpSpPr>
+      <p:sp>
+        <p:nvSpPr>
+          <p:cNvPr id="2" name="Title 1"/>
+          <p:cNvSpPr>
+            <a:spLocks noGrp="1"/>
+          </p:cNvSpPr>
+          <p:nvPr>
+            <p:ph type="title"/>
+          </p:nvPr>
+        </p:nvSpPr>
+        <p:spPr>
+          <a:xfrm>
+            <a:off x="677335" y="1931988"/>
+            <a:ext cx="8596668" cy="2595460"/>
+          </a:xfrm>
+        </p:spPr>
+        <p:txBody>
+          <a:bodyPr anchor="b">
+            <a:normAutofit/>
+          </a:bodyPr>
+          <a:lstStyle>
+            <a:lvl1pPr algn="l">
+              <a:defRPr sz="4400" b="0" cap="none"/>
+            </a:lvl1pPr>
+          </a:lstStyle>
+          <a:p>
+            <a:r>
+              <a:rPr lang="en-US" smtClean="0"/>
+              <a:t>Click to edit Master title style</a:t>
+            </a:r>
+            <a:endParaRPr lang="en-US" dirty="0"/>
+          </a:p>
+        </p:txBody>
+      </p:sp>
+      <p:sp>
+        <p:nvSpPr>
+          <p:cNvPr id="3" name="Text Placeholder 2"/>
+          <p:cNvSpPr>
+            <a:spLocks noGrp="1"/>
+          </p:cNvSpPr>
+          <p:nvPr>
+            <p:ph type="body" idx="1"/>
+          </p:nvPr>
+        </p:nvSpPr>
+        <p:spPr>
+          <a:xfrm>
+            <a:off x="677335" y="4527448"/>
+            <a:ext cx="8596668" cy="1513914"/>
+          </a:xfrm>
+        </p:spPr>
+        <p:txBody>
+          <a:bodyPr anchor="t">
+            <a:normAutofit/>
+          </a:bodyPr>
+          <a:lstStyle>
+            <a:lvl1pPr marL="0" indent="0" algn="l">
+              <a:buNone/>
+              <a:defRPr sz="1800">
+                <a:solidFill>
+                  <a:schemeClr val="tx1">
+                    <a:lumMod val="75000"/>
+                    <a:lumOff val="25000"/>
+                  </a:schemeClr>
+                </a:solidFill>
+              </a:defRPr>
+            </a:lvl1pPr>
+            <a:lvl2pPr marL="457200" indent="0">
+              <a:buNone/>
+              <a:defRPr sz="1800">
+                <a:solidFill>
+                  <a:schemeClr val="tx1">
+                    <a:tint val="75000"/>
+                  </a:schemeClr>
+                </a:solidFill>
+              </a:defRPr>
+            </a:lvl2pPr>
+            <a:lvl3pPr marL="914400" indent="0">
+              <a:buNone/>
+              <a:defRPr sz="1600">
+                <a:solidFill>
+                  <a:schemeClr val="tx1">
+                    <a:tint val="75000"/>
+                  </a:schemeClr>
+                </a:solidFill>
+              </a:defRPr>
+            </a:lvl3pPr>
+            <a:lvl4pPr marL="1371600" indent="0">
+              <a:buNone/>
+              <a:defRPr sz="1400">
+                <a:solidFill>
+                  <a:schemeClr val="tx1">
+                    <a:tint val="75000"/>
+                  </a:schemeClr>
+                </a:solidFill>
+              </a:defRPr>
+            </a:lvl4pPr>
+            <a:lvl5pPr marL="1828800" indent="0">
+              <a:buNone/>
+              <a:defRPr sz="1400">
+                <a:solidFill>
+                  <a:schemeClr val="tx1">
+                    <a:tint val="75000"/>
+                  </a:schemeClr>
+                </a:solidFill>
+              </a:defRPr>
+            </a:lvl5pPr>
+            <a:lvl6pPr marL="2286000" indent="0">
+              <a:buNone/>
+              <a:defRPr sz="1400">
+                <a:solidFill>
+                  <a:schemeClr val="tx1">
+                    <a:tint val="75000"/>
+                  </a:schemeClr>
+                </a:solidFill>
+              </a:defRPr>
+            </a:lvl6pPr>
+            <a:lvl7pPr marL="2743200" indent="0">
+              <a:buNone/>
+              <a:defRPr sz="1400">
+                <a:solidFill>
+                  <a:schemeClr val="tx1">
+                    <a:tint val="75000"/>
+                  </a:schemeClr>
+                </a:solidFill>
+              </a:defRPr>
+            </a:lvl7pPr>
+            <a:lvl8pPr marL="3200400" indent="0">
+              <a:buNone/>
+              <a:defRPr sz="1400">
+                <a:solidFill>
+                  <a:schemeClr val="tx1">
+                    <a:tint val="75000"/>
+                  </a:schemeClr>
+                </a:solidFill>
+              </a:defRPr>
+            </a:lvl8pPr>
+            <a:lvl9pPr marL="3657600" indent="0">
+              <a:buNone/>
+              <a:defRPr sz="1400">
+                <a:solidFill>
+                  <a:schemeClr val="tx1">
+                    <a:tint val="75000"/>
+                  </a:schemeClr>
+                </a:solidFill>
+              </a:defRPr>
+            </a:lvl9pPr>
+          </a:lstStyle>
+          <a:p>
+            <a:pPr lvl="0"/>
+            <a:r>
+              <a:rPr lang="en-US" smtClean="0"/>
+              <a:t>Edit Master text styles</a:t>
+            </a:r>
+          </a:p>
+        </p:txBody>
+      </p:sp>
+      <p:sp>
+        <p:nvSpPr>
+          <p:cNvPr id="4" name="Date Placeholder 3"/>
+          <p:cNvSpPr>
+            <a:spLocks noGrp="1"/>
+          </p:cNvSpPr>
+          <p:nvPr>
+            <p:ph type="dt" sz="half" idx="10"/>
+          </p:nvPr>
+        </p:nvSpPr>
+        <p:spPr/>
+        <p:txBody>
+          <a:bodyPr/>
+          <a:lstStyle/>
+          <a:p>
+            <a:fld id="{EE200CF6-9F19-4689-9131-46E2C2F9128E}" type="datetimeFigureOut">
+              <a:rPr lang="en-IN" smtClean="0"/>
+              <a:t>08-04-2019</a:t>
+            </a:fld>
+            <a:endParaRPr lang="en-IN"/>
+          </a:p>
+        </p:txBody>
+      </p:sp>
+      <p:sp>
+        <p:nvSpPr>
+          <p:cNvPr id="5" name="Footer Placeholder 4"/>
+          <p:cNvSpPr>
+            <a:spLocks noGrp="1"/>
+          </p:cNvSpPr>
+          <p:nvPr>
+            <p:ph type="ftr" sz="quarter" idx="11"/>
+          </p:nvPr>
+        </p:nvSpPr>
+        <p:spPr/>
+        <p:txBody>
+          <a:bodyPr/>
+          <a:lstStyle/>
+          <a:p>
+            <a:endParaRPr lang="en-IN"/>
+          </a:p>
+        </p:txBody>
+      </p:sp>
+      <p:sp>
+        <p:nvSpPr>
+          <p:cNvPr id="6" name="Slide Number Placeholder 5"/>
+          <p:cNvSpPr>
+            <a:spLocks noGrp="1"/>
+          </p:cNvSpPr>
+          <p:nvPr>
+            <p:ph type="sldNum" sz="quarter" idx="12"/>
+          </p:nvPr>
+        </p:nvSpPr>
+        <p:spPr/>
+        <p:txBody>
+          <a:bodyPr/>
+          <a:lstStyle/>
+          <a:p>
+            <a:fld id="{CDD20E1D-48AA-4E82-AE41-A4B427EA4B7A}" type="slidenum">
+              <a:rPr lang="en-IN" smtClean="0"/>
+              <a:t>‹#›</a:t>
+            </a:fld>
+            <a:endParaRPr lang="en-IN"/>
+          </a:p>
+        </p:txBody>
+      </p:sp>
+    </p:spTree>
+    <p:extLst>
+      <p:ext uri="{BB962C8B-B14F-4D97-AF65-F5344CB8AC3E}">
+        <p14:creationId xmlns:p14="http://schemas.microsoft.com/office/powerpoint/2010/main" val="1563329555"/>
+      </p:ext>
+    </p:extLst>
+  </p:cSld>
+  <p:clrMapOvr>
+    <a:masterClrMapping/>
+  </p:clrMapOvr>
+</p:sldLayout>
+</file>
+
+<file path=ppt/slideLayouts/slideLayout13.xml><?xml version="1.0" encoding="utf-8"?>
+<p:sldLayout xmlns:a="http://schemas.openxmlformats.org/drawingml/2006/main" xmlns:r="http://schemas.openxmlformats.org/officeDocument/2006/relationships" xmlns:p="http://schemas.openxmlformats.org/presentationml/2006/main" preserve="1">
+  <p:cSld name="Quote Name Card">
+    <p:spTree>
+      <p:nvGrpSpPr>
+        <p:cNvPr id="1" name=""/>
+        <p:cNvGrpSpPr/>
+        <p:nvPr/>
+      </p:nvGrpSpPr>
+      <p:grpSpPr>
+        <a:xfrm>
+          <a:off x="0" y="0"/>
+          <a:ext cx="0" cy="0"/>
+          <a:chOff x="0" y="0"/>
+          <a:chExt cx="0" cy="0"/>
+        </a:xfrm>
+      </p:grpSpPr>
+      <p:sp>
+        <p:nvSpPr>
+          <p:cNvPr id="2" name="Title 1"/>
+          <p:cNvSpPr>
+            <a:spLocks noGrp="1"/>
+          </p:cNvSpPr>
+          <p:nvPr>
+            <p:ph type="title"/>
+          </p:nvPr>
+        </p:nvSpPr>
+        <p:spPr>
+          <a:xfrm>
+            <a:off x="931334" y="609600"/>
+            <a:ext cx="8094134" cy="3022600"/>
+          </a:xfrm>
+        </p:spPr>
+        <p:txBody>
+          <a:bodyPr anchor="ctr">
+            <a:normAutofit/>
+          </a:bodyPr>
+          <a:lstStyle>
+            <a:lvl1pPr algn="l">
+              <a:defRPr sz="4400" b="0" cap="none"/>
+            </a:lvl1pPr>
+          </a:lstStyle>
+          <a:p>
+            <a:r>
+              <a:rPr lang="en-US" smtClean="0"/>
+              <a:t>Click to edit Master title style</a:t>
+            </a:r>
+            <a:endParaRPr lang="en-US" dirty="0"/>
+          </a:p>
+        </p:txBody>
+      </p:sp>
+      <p:sp>
+        <p:nvSpPr>
+          <p:cNvPr id="23" name="Text Placeholder 9"/>
+          <p:cNvSpPr>
+            <a:spLocks noGrp="1"/>
+          </p:cNvSpPr>
+          <p:nvPr>
+            <p:ph type="body" sz="quarter" idx="13"/>
+          </p:nvPr>
+        </p:nvSpPr>
+        <p:spPr>
+          <a:xfrm>
+            <a:off x="677332" y="4013200"/>
+            <a:ext cx="8596669" cy="514248"/>
+          </a:xfrm>
+        </p:spPr>
+        <p:txBody>
+          <a:bodyPr anchor="b">
+            <a:noAutofit/>
+          </a:bodyPr>
+          <a:lstStyle>
+            <a:lvl1pPr marL="0" indent="0">
+              <a:buFontTx/>
+              <a:buNone/>
+              <a:defRPr sz="2400">
+                <a:solidFill>
+                  <a:schemeClr val="tx1">
+                    <a:lumMod val="75000"/>
+                    <a:lumOff val="25000"/>
+                  </a:schemeClr>
+                </a:solidFill>
+              </a:defRPr>
+            </a:lvl1pPr>
+            <a:lvl2pPr marL="457200" indent="0">
+              <a:buFontTx/>
+              <a:buNone/>
+              <a:defRPr/>
+            </a:lvl2pPr>
+            <a:lvl3pPr marL="914400" indent="0">
+              <a:buFontTx/>
+              <a:buNone/>
+              <a:defRPr/>
+            </a:lvl3pPr>
+            <a:lvl4pPr marL="1371600" indent="0">
+              <a:buFontTx/>
+              <a:buNone/>
+              <a:defRPr/>
+            </a:lvl4pPr>
+            <a:lvl5pPr marL="1828800" indent="0">
+              <a:buFontTx/>
+              <a:buNone/>
+              <a:defRPr/>
+            </a:lvl5pPr>
+          </a:lstStyle>
+          <a:p>
+            <a:pPr lvl="0"/>
+            <a:r>
+              <a:rPr lang="en-US" smtClean="0"/>
+              <a:t>Edit Master text styles</a:t>
+            </a:r>
+          </a:p>
+        </p:txBody>
+      </p:sp>
+      <p:sp>
+        <p:nvSpPr>
+          <p:cNvPr id="3" name="Text Placeholder 2"/>
+          <p:cNvSpPr>
+            <a:spLocks noGrp="1"/>
+          </p:cNvSpPr>
+          <p:nvPr>
+            <p:ph type="body" idx="1"/>
+          </p:nvPr>
+        </p:nvSpPr>
+        <p:spPr>
+          <a:xfrm>
+            <a:off x="677335" y="4527448"/>
+            <a:ext cx="8596668" cy="1513914"/>
+          </a:xfrm>
+        </p:spPr>
+        <p:txBody>
+          <a:bodyPr anchor="t">
+            <a:normAutofit/>
+          </a:bodyPr>
+          <a:lstStyle>
+            <a:lvl1pPr marL="0" indent="0" algn="l">
+              <a:buNone/>
+              <a:defRPr sz="1800">
+                <a:solidFill>
+                  <a:schemeClr val="tx1">
+                    <a:lumMod val="50000"/>
+                    <a:lumOff val="50000"/>
+                  </a:schemeClr>
+                </a:solidFill>
+              </a:defRPr>
+            </a:lvl1pPr>
+            <a:lvl2pPr marL="457200" indent="0">
+              <a:buNone/>
+              <a:defRPr sz="1800">
+                <a:solidFill>
+                  <a:schemeClr val="tx1">
+                    <a:tint val="75000"/>
+                  </a:schemeClr>
+                </a:solidFill>
+              </a:defRPr>
+            </a:lvl2pPr>
+            <a:lvl3pPr marL="914400" indent="0">
+              <a:buNone/>
+              <a:defRPr sz="1600">
+                <a:solidFill>
+                  <a:schemeClr val="tx1">
+                    <a:tint val="75000"/>
+                  </a:schemeClr>
+                </a:solidFill>
+              </a:defRPr>
+            </a:lvl3pPr>
+            <a:lvl4pPr marL="1371600" indent="0">
+              <a:buNone/>
+              <a:defRPr sz="1400">
+                <a:solidFill>
+                  <a:schemeClr val="tx1">
+                    <a:tint val="75000"/>
+                  </a:schemeClr>
+                </a:solidFill>
+              </a:defRPr>
+            </a:lvl4pPr>
+            <a:lvl5pPr marL="1828800" indent="0">
+              <a:buNone/>
+              <a:defRPr sz="1400">
+                <a:solidFill>
+                  <a:schemeClr val="tx1">
+                    <a:tint val="75000"/>
+                  </a:schemeClr>
+                </a:solidFill>
+              </a:defRPr>
+            </a:lvl5pPr>
+            <a:lvl6pPr marL="2286000" indent="0">
+              <a:buNone/>
+              <a:defRPr sz="1400">
+                <a:solidFill>
+                  <a:schemeClr val="tx1">
+                    <a:tint val="75000"/>
+                  </a:schemeClr>
+                </a:solidFill>
+              </a:defRPr>
+            </a:lvl6pPr>
+            <a:lvl7pPr marL="2743200" indent="0">
+              <a:buNone/>
+              <a:defRPr sz="1400">
+                <a:solidFill>
+                  <a:schemeClr val="tx1">
+                    <a:tint val="75000"/>
+                  </a:schemeClr>
+                </a:solidFill>
+              </a:defRPr>
+            </a:lvl7pPr>
+            <a:lvl8pPr marL="3200400" indent="0">
+              <a:buNone/>
+              <a:defRPr sz="1400">
+                <a:solidFill>
+                  <a:schemeClr val="tx1">
+                    <a:tint val="75000"/>
+                  </a:schemeClr>
+                </a:solidFill>
+              </a:defRPr>
+            </a:lvl8pPr>
+            <a:lvl9pPr marL="3657600" indent="0">
+              <a:buNone/>
+              <a:defRPr sz="1400">
+                <a:solidFill>
+                  <a:schemeClr val="tx1">
+                    <a:tint val="75000"/>
+                  </a:schemeClr>
+                </a:solidFill>
+              </a:defRPr>
+            </a:lvl9pPr>
+          </a:lstStyle>
+          <a:p>
+            <a:pPr lvl="0"/>
+            <a:r>
+              <a:rPr lang="en-US" smtClean="0"/>
+              <a:t>Edit Master text styles</a:t>
+            </a:r>
+          </a:p>
+        </p:txBody>
+      </p:sp>
+      <p:sp>
+        <p:nvSpPr>
+          <p:cNvPr id="4" name="Date Placeholder 3"/>
+          <p:cNvSpPr>
+            <a:spLocks noGrp="1"/>
+          </p:cNvSpPr>
+          <p:nvPr>
+            <p:ph type="dt" sz="half" idx="10"/>
+          </p:nvPr>
+        </p:nvSpPr>
+        <p:spPr/>
+        <p:txBody>
+          <a:bodyPr/>
+          <a:lstStyle/>
+          <a:p>
+            <a:fld id="{EE200CF6-9F19-4689-9131-46E2C2F9128E}" type="datetimeFigureOut">
+              <a:rPr lang="en-IN" smtClean="0"/>
+              <a:t>08-04-2019</a:t>
+            </a:fld>
+            <a:endParaRPr lang="en-IN"/>
+          </a:p>
+        </p:txBody>
+      </p:sp>
+      <p:sp>
+        <p:nvSpPr>
+          <p:cNvPr id="5" name="Footer Placeholder 4"/>
+          <p:cNvSpPr>
+            <a:spLocks noGrp="1"/>
+          </p:cNvSpPr>
+          <p:nvPr>
+            <p:ph type="ftr" sz="quarter" idx="11"/>
+          </p:nvPr>
+        </p:nvSpPr>
+        <p:spPr/>
+        <p:txBody>
+          <a:bodyPr/>
+          <a:lstStyle/>
+          <a:p>
+            <a:endParaRPr lang="en-IN"/>
+          </a:p>
+        </p:txBody>
+      </p:sp>
+      <p:sp>
+        <p:nvSpPr>
+          <p:cNvPr id="6" name="Slide Number Placeholder 5"/>
+          <p:cNvSpPr>
+            <a:spLocks noGrp="1"/>
+          </p:cNvSpPr>
+          <p:nvPr>
+            <p:ph type="sldNum" sz="quarter" idx="12"/>
+          </p:nvPr>
+        </p:nvSpPr>
+        <p:spPr/>
+        <p:txBody>
+          <a:bodyPr/>
+          <a:lstStyle/>
+          <a:p>
+            <a:fld id="{CDD20E1D-48AA-4E82-AE41-A4B427EA4B7A}" type="slidenum">
+              <a:rPr lang="en-IN" smtClean="0"/>
+              <a:t>‹#›</a:t>
+            </a:fld>
+            <a:endParaRPr lang="en-IN"/>
+          </a:p>
+        </p:txBody>
+      </p:sp>
+      <p:sp>
+        <p:nvSpPr>
+          <p:cNvPr id="24" name="TextBox 23"/>
+          <p:cNvSpPr txBox="1"/>
+          <p:nvPr/>
+        </p:nvSpPr>
+        <p:spPr>
+          <a:xfrm>
+            <a:off x="541870" y="790378"/>
+            <a:ext cx="609600" cy="584776"/>
+          </a:xfrm>
+          <a:prstGeom prst="rect">
+            <a:avLst/>
+          </a:prstGeom>
+        </p:spPr>
+        <p:txBody>
+          <a:bodyPr vert="horz" lIns="91440" tIns="45720" rIns="91440" bIns="45720" rtlCol="0" anchor="ctr">
+            <a:noAutofit/>
+          </a:bodyPr>
+          <a:lstStyle/>
+          <a:p>
+            <a:pPr lvl="0"/>
+            <a:r>
+              <a:rPr lang="en-US" sz="8000" baseline="0" dirty="0">
+                <a:ln w="3175" cmpd="sng">
+                  <a:noFill/>
+                </a:ln>
+                <a:solidFill>
+                  <a:schemeClr val="accent1">
+                    <a:lumMod val="60000"/>
+                    <a:lumOff val="40000"/>
+                  </a:schemeClr>
+                </a:solidFill>
+                <a:effectLst/>
+                <a:latin typeface="Arial"/>
+              </a:rPr>
+              <a:t>“</a:t>
+            </a:r>
+          </a:p>
+        </p:txBody>
+      </p:sp>
+      <p:sp>
+        <p:nvSpPr>
+          <p:cNvPr id="25" name="TextBox 24"/>
+          <p:cNvSpPr txBox="1"/>
+          <p:nvPr/>
+        </p:nvSpPr>
+        <p:spPr>
+          <a:xfrm>
+            <a:off x="8893011" y="2886556"/>
+            <a:ext cx="609600" cy="584776"/>
+          </a:xfrm>
+          <a:prstGeom prst="rect">
+            <a:avLst/>
+          </a:prstGeom>
+        </p:spPr>
+        <p:txBody>
+          <a:bodyPr vert="horz" lIns="91440" tIns="45720" rIns="91440" bIns="45720" rtlCol="0" anchor="ctr">
+            <a:noAutofit/>
+          </a:bodyPr>
+          <a:lstStyle/>
+          <a:p>
+            <a:pPr lvl="0"/>
+            <a:r>
+              <a:rPr lang="en-US" sz="8000" baseline="0" dirty="0">
+                <a:ln w="3175" cmpd="sng">
+                  <a:noFill/>
+                </a:ln>
+                <a:solidFill>
+                  <a:schemeClr val="accent1">
+                    <a:lumMod val="60000"/>
+                    <a:lumOff val="40000"/>
+                  </a:schemeClr>
+                </a:solidFill>
+                <a:effectLst/>
+                <a:latin typeface="Arial"/>
+              </a:rPr>
+              <a:t>”</a:t>
+            </a:r>
+          </a:p>
+        </p:txBody>
+      </p:sp>
+    </p:spTree>
+    <p:extLst>
+      <p:ext uri="{BB962C8B-B14F-4D97-AF65-F5344CB8AC3E}">
+        <p14:creationId xmlns:p14="http://schemas.microsoft.com/office/powerpoint/2010/main" val="2051240138"/>
+      </p:ext>
+    </p:extLst>
+  </p:cSld>
+  <p:clrMapOvr>
+    <a:masterClrMapping/>
+  </p:clrMapOvr>
+</p:sldLayout>
+</file>
+
+<file path=ppt/slideLayouts/slideLayout14.xml><?xml version="1.0" encoding="utf-8"?>
+<p:sldLayout xmlns:a="http://schemas.openxmlformats.org/drawingml/2006/main" xmlns:r="http://schemas.openxmlformats.org/officeDocument/2006/relationships" xmlns:p="http://schemas.openxmlformats.org/presentationml/2006/main" preserve="1">
+  <p:cSld name="True or False">
+    <p:spTree>
+      <p:nvGrpSpPr>
+        <p:cNvPr id="1" name=""/>
+        <p:cNvGrpSpPr/>
+        <p:nvPr/>
+      </p:nvGrpSpPr>
+      <p:grpSpPr>
+        <a:xfrm>
+          <a:off x="0" y="0"/>
+          <a:ext cx="0" cy="0"/>
+          <a:chOff x="0" y="0"/>
+          <a:chExt cx="0" cy="0"/>
+        </a:xfrm>
+      </p:grpSpPr>
+      <p:sp>
+        <p:nvSpPr>
+          <p:cNvPr id="2" name="Title 1"/>
+          <p:cNvSpPr>
+            <a:spLocks noGrp="1"/>
+          </p:cNvSpPr>
+          <p:nvPr>
+            <p:ph type="title"/>
+          </p:nvPr>
+        </p:nvSpPr>
+        <p:spPr>
+          <a:xfrm>
+            <a:off x="685799" y="609600"/>
+            <a:ext cx="8588203" cy="3022600"/>
+          </a:xfrm>
+        </p:spPr>
+        <p:txBody>
+          <a:bodyPr anchor="ctr">
+            <a:normAutofit/>
+          </a:bodyPr>
+          <a:lstStyle>
+            <a:lvl1pPr algn="l">
+              <a:defRPr sz="4400" b="0" cap="none"/>
+            </a:lvl1pPr>
+          </a:lstStyle>
+          <a:p>
+            <a:r>
+              <a:rPr lang="en-US" smtClean="0"/>
+              <a:t>Click to edit Master title style</a:t>
+            </a:r>
+            <a:endParaRPr lang="en-US" dirty="0"/>
+          </a:p>
+        </p:txBody>
+      </p:sp>
+      <p:sp>
+        <p:nvSpPr>
+          <p:cNvPr id="23" name="Text Placeholder 9"/>
+          <p:cNvSpPr>
+            <a:spLocks noGrp="1"/>
+          </p:cNvSpPr>
+          <p:nvPr>
+            <p:ph type="body" sz="quarter" idx="13"/>
+          </p:nvPr>
+        </p:nvSpPr>
+        <p:spPr>
+          <a:xfrm>
+            <a:off x="677332" y="4013200"/>
+            <a:ext cx="8596669" cy="514248"/>
+          </a:xfrm>
+        </p:spPr>
+        <p:txBody>
+          <a:bodyPr anchor="b">
+            <a:noAutofit/>
+          </a:bodyPr>
+          <a:lstStyle>
+            <a:lvl1pPr marL="0" indent="0">
+              <a:buFontTx/>
+              <a:buNone/>
+              <a:defRPr sz="2400">
+                <a:solidFill>
+                  <a:schemeClr val="accent1"/>
+                </a:solidFill>
+              </a:defRPr>
+            </a:lvl1pPr>
+            <a:lvl2pPr marL="457200" indent="0">
+              <a:buFontTx/>
+              <a:buNone/>
+              <a:defRPr/>
+            </a:lvl2pPr>
+            <a:lvl3pPr marL="914400" indent="0">
+              <a:buFontTx/>
+              <a:buNone/>
+              <a:defRPr/>
+            </a:lvl3pPr>
+            <a:lvl4pPr marL="1371600" indent="0">
+              <a:buFontTx/>
+              <a:buNone/>
+              <a:defRPr/>
+            </a:lvl4pPr>
+            <a:lvl5pPr marL="1828800" indent="0">
+              <a:buFontTx/>
+              <a:buNone/>
+              <a:defRPr/>
+            </a:lvl5pPr>
+          </a:lstStyle>
+          <a:p>
+            <a:pPr lvl="0"/>
+            <a:r>
+              <a:rPr lang="en-US" smtClean="0"/>
+              <a:t>Edit Master text styles</a:t>
+            </a:r>
+          </a:p>
+        </p:txBody>
+      </p:sp>
+      <p:sp>
+        <p:nvSpPr>
+          <p:cNvPr id="3" name="Text Placeholder 2"/>
+          <p:cNvSpPr>
+            <a:spLocks noGrp="1"/>
+          </p:cNvSpPr>
+          <p:nvPr>
+            <p:ph type="body" idx="1"/>
+          </p:nvPr>
+        </p:nvSpPr>
+        <p:spPr>
+          <a:xfrm>
+            <a:off x="677335" y="4527448"/>
+            <a:ext cx="8596668" cy="1513914"/>
+          </a:xfrm>
+        </p:spPr>
+        <p:txBody>
+          <a:bodyPr anchor="t">
+            <a:normAutofit/>
+          </a:bodyPr>
+          <a:lstStyle>
+            <a:lvl1pPr marL="0" indent="0" algn="l">
+              <a:buNone/>
+              <a:defRPr sz="1800">
+                <a:solidFill>
+                  <a:schemeClr val="tx1">
+                    <a:lumMod val="50000"/>
+                    <a:lumOff val="50000"/>
+                  </a:schemeClr>
+                </a:solidFill>
+              </a:defRPr>
+            </a:lvl1pPr>
+            <a:lvl2pPr marL="457200" indent="0">
+              <a:buNone/>
+              <a:defRPr sz="1800">
+                <a:solidFill>
+                  <a:schemeClr val="tx1">
+                    <a:tint val="75000"/>
+                  </a:schemeClr>
+                </a:solidFill>
+              </a:defRPr>
+            </a:lvl2pPr>
+            <a:lvl3pPr marL="914400" indent="0">
+              <a:buNone/>
+              <a:defRPr sz="1600">
+                <a:solidFill>
+                  <a:schemeClr val="tx1">
+                    <a:tint val="75000"/>
+                  </a:schemeClr>
+                </a:solidFill>
+              </a:defRPr>
+            </a:lvl3pPr>
+            <a:lvl4pPr marL="1371600" indent="0">
+              <a:buNone/>
+              <a:defRPr sz="1400">
+                <a:solidFill>
+                  <a:schemeClr val="tx1">
+                    <a:tint val="75000"/>
+                  </a:schemeClr>
+                </a:solidFill>
+              </a:defRPr>
+            </a:lvl4pPr>
+            <a:lvl5pPr marL="1828800" indent="0">
+              <a:buNone/>
+              <a:defRPr sz="1400">
+                <a:solidFill>
+                  <a:schemeClr val="tx1">
+                    <a:tint val="75000"/>
+                  </a:schemeClr>
+                </a:solidFill>
+              </a:defRPr>
+            </a:lvl5pPr>
+            <a:lvl6pPr marL="2286000" indent="0">
+              <a:buNone/>
+              <a:defRPr sz="1400">
+                <a:solidFill>
+                  <a:schemeClr val="tx1">
+                    <a:tint val="75000"/>
+                  </a:schemeClr>
+                </a:solidFill>
+              </a:defRPr>
+            </a:lvl6pPr>
+            <a:lvl7pPr marL="2743200" indent="0">
+              <a:buNone/>
+              <a:defRPr sz="1400">
+                <a:solidFill>
+                  <a:schemeClr val="tx1">
+                    <a:tint val="75000"/>
+                  </a:schemeClr>
+                </a:solidFill>
+              </a:defRPr>
+            </a:lvl7pPr>
+            <a:lvl8pPr marL="3200400" indent="0">
+              <a:buNone/>
+              <a:defRPr sz="1400">
+                <a:solidFill>
+                  <a:schemeClr val="tx1">
+                    <a:tint val="75000"/>
+                  </a:schemeClr>
+                </a:solidFill>
+              </a:defRPr>
+            </a:lvl8pPr>
+            <a:lvl9pPr marL="3657600" indent="0">
+              <a:buNone/>
+              <a:defRPr sz="1400">
+                <a:solidFill>
+                  <a:schemeClr val="tx1">
+                    <a:tint val="75000"/>
+                  </a:schemeClr>
+                </a:solidFill>
+              </a:defRPr>
+            </a:lvl9pPr>
+          </a:lstStyle>
+          <a:p>
+            <a:pPr lvl="0"/>
+            <a:r>
+              <a:rPr lang="en-US" smtClean="0"/>
+              <a:t>Edit Master text styles</a:t>
+            </a:r>
+          </a:p>
+        </p:txBody>
+      </p:sp>
+      <p:sp>
+        <p:nvSpPr>
+          <p:cNvPr id="4" name="Date Placeholder 3"/>
+          <p:cNvSpPr>
+            <a:spLocks noGrp="1"/>
+          </p:cNvSpPr>
+          <p:nvPr>
+            <p:ph type="dt" sz="half" idx="10"/>
+          </p:nvPr>
+        </p:nvSpPr>
+        <p:spPr/>
+        <p:txBody>
+          <a:bodyPr/>
+          <a:lstStyle/>
+          <a:p>
+            <a:fld id="{EE200CF6-9F19-4689-9131-46E2C2F9128E}" type="datetimeFigureOut">
+              <a:rPr lang="en-IN" smtClean="0"/>
+              <a:t>08-04-2019</a:t>
+            </a:fld>
+            <a:endParaRPr lang="en-IN"/>
+          </a:p>
+        </p:txBody>
+      </p:sp>
+      <p:sp>
+        <p:nvSpPr>
+          <p:cNvPr id="5" name="Footer Placeholder 4"/>
+          <p:cNvSpPr>
+            <a:spLocks noGrp="1"/>
+          </p:cNvSpPr>
+          <p:nvPr>
+            <p:ph type="ftr" sz="quarter" idx="11"/>
+          </p:nvPr>
+        </p:nvSpPr>
+        <p:spPr/>
+        <p:txBody>
+          <a:bodyPr/>
+          <a:lstStyle/>
+          <a:p>
+            <a:endParaRPr lang="en-IN"/>
+          </a:p>
+        </p:txBody>
+      </p:sp>
+      <p:sp>
+        <p:nvSpPr>
+          <p:cNvPr id="6" name="Slide Number Placeholder 5"/>
+          <p:cNvSpPr>
+            <a:spLocks noGrp="1"/>
+          </p:cNvSpPr>
+          <p:nvPr>
+            <p:ph type="sldNum" sz="quarter" idx="12"/>
+          </p:nvPr>
+        </p:nvSpPr>
+        <p:spPr/>
+        <p:txBody>
+          <a:bodyPr/>
+          <a:lstStyle/>
+          <a:p>
+            <a:fld id="{CDD20E1D-48AA-4E82-AE41-A4B427EA4B7A}" type="slidenum">
+              <a:rPr lang="en-IN" smtClean="0"/>
+              <a:t>‹#›</a:t>
+            </a:fld>
+            <a:endParaRPr lang="en-IN"/>
+          </a:p>
+        </p:txBody>
+      </p:sp>
+    </p:spTree>
+    <p:extLst>
+      <p:ext uri="{BB962C8B-B14F-4D97-AF65-F5344CB8AC3E}">
+        <p14:creationId xmlns:p14="http://schemas.microsoft.com/office/powerpoint/2010/main" val="2459146681"/>
+      </p:ext>
+    </p:extLst>
+  </p:cSld>
+  <p:clrMapOvr>
+    <a:masterClrMapping/>
+  </p:clrMapOvr>
+</p:sldLayout>
+</file>
+
+<file path=ppt/slideLayouts/slideLayout15.xml><?xml version="1.0" encoding="utf-8"?>
 <p:sldLayout xmlns:a="http://schemas.openxmlformats.org/drawingml/2006/main" xmlns:r="http://schemas.openxmlformats.org/officeDocument/2006/relationships" xmlns:p="http://schemas.openxmlformats.org/presentationml/2006/main" type="vertTx" preserve="1">
   <p:cSld name="Title and Vertical Text">
     <p:spTree>
@@ -691,7 +2620,7 @@
           <a:p>
             <a:fld id="{EE200CF6-9F19-4689-9131-46E2C2F9128E}" type="datetimeFigureOut">
               <a:rPr lang="en-IN" smtClean="0"/>
-              <a:t>07-04-2019</a:t>
+              <a:t>08-04-2019</a:t>
             </a:fld>
             <a:endParaRPr lang="en-IN"/>
           </a:p>
@@ -742,7 +2671,7 @@
     </p:spTree>
     <p:extLst>
       <p:ext uri="{BB962C8B-B14F-4D97-AF65-F5344CB8AC3E}">
-        <p14:creationId xmlns:p14="http://schemas.microsoft.com/office/powerpoint/2010/main" val="218796340"/>
+        <p14:creationId xmlns:p14="http://schemas.microsoft.com/office/powerpoint/2010/main" val="1785521025"/>
       </p:ext>
     </p:extLst>
   </p:cSld>
@@ -752,7 +2681,7 @@
 </p:sldLayout>
 </file>
 
-<file path=ppt/slideLayouts/slideLayout11.xml><?xml version="1.0" encoding="utf-8"?>
+<file path=ppt/slideLayouts/slideLayout16.xml><?xml version="1.0" encoding="utf-8"?>
 <p:sldLayout xmlns:a="http://schemas.openxmlformats.org/drawingml/2006/main" xmlns:r="http://schemas.openxmlformats.org/officeDocument/2006/relationships" xmlns:p="http://schemas.openxmlformats.org/presentationml/2006/main" type="vertTitleAndTx" preserve="1">
   <p:cSld name="Vertical Title and Text">
     <p:spTree>
@@ -781,12 +2710,12 @@
         </p:nvSpPr>
         <p:spPr>
           <a:xfrm>
-            <a:off x="8724900" y="533400"/>
-            <a:ext cx="2552700" cy="5638800"/>
+            <a:off x="7967673" y="609599"/>
+            <a:ext cx="1304743" cy="5251451"/>
           </a:xfrm>
         </p:spPr>
         <p:txBody>
-          <a:bodyPr vert="eaVert"/>
+          <a:bodyPr vert="eaVert" anchor="ctr"/>
           <a:lstStyle/>
           <a:p>
             <a:r>
@@ -809,8 +2738,8 @@
         </p:nvSpPr>
         <p:spPr>
           <a:xfrm>
-            <a:off x="1066800" y="533400"/>
-            <a:ext cx="7505700" cy="5638800"/>
+            <a:off x="677335" y="609600"/>
+            <a:ext cx="7060150" cy="5251450"/>
           </a:xfrm>
         </p:spPr>
         <p:txBody>
@@ -871,7 +2800,7 @@
           <a:p>
             <a:fld id="{EE200CF6-9F19-4689-9131-46E2C2F9128E}" type="datetimeFigureOut">
               <a:rPr lang="en-IN" smtClean="0"/>
-              <a:t>07-04-2019</a:t>
+              <a:t>08-04-2019</a:t>
             </a:fld>
             <a:endParaRPr lang="en-IN"/>
           </a:p>
@@ -922,7 +2851,7 @@
     </p:spTree>
     <p:extLst>
       <p:ext uri="{BB962C8B-B14F-4D97-AF65-F5344CB8AC3E}">
-        <p14:creationId xmlns:p14="http://schemas.microsoft.com/office/powerpoint/2010/main" val="3656482594"/>
+        <p14:creationId xmlns:p14="http://schemas.microsoft.com/office/powerpoint/2010/main" val="3661909773"/>
       </p:ext>
     </p:extLst>
   </p:cSld>
@@ -961,8 +2890,14 @@
         </p:nvSpPr>
         <p:spPr/>
         <p:txBody>
-          <a:bodyPr/>
-          <a:lstStyle/>
+          <a:bodyPr>
+            <a:normAutofit/>
+          </a:bodyPr>
+          <a:lstStyle>
+            <a:lvl1pPr>
+              <a:defRPr sz="3600"/>
+            </a:lvl1pPr>
+          </a:lstStyle>
           <a:p>
             <a:r>
               <a:rPr lang="en-US" smtClean="0"/>
@@ -1041,7 +2976,7 @@
           <a:p>
             <a:fld id="{EE200CF6-9F19-4689-9131-46E2C2F9128E}" type="datetimeFigureOut">
               <a:rPr lang="en-IN" smtClean="0"/>
-              <a:t>07-04-2019</a:t>
+              <a:t>08-04-2019</a:t>
             </a:fld>
             <a:endParaRPr lang="en-IN"/>
           </a:p>
@@ -1092,7 +3027,7 @@
     </p:spTree>
     <p:extLst>
       <p:ext uri="{BB962C8B-B14F-4D97-AF65-F5344CB8AC3E}">
-        <p14:creationId xmlns:p14="http://schemas.microsoft.com/office/powerpoint/2010/main" val="1895228753"/>
+        <p14:creationId xmlns:p14="http://schemas.microsoft.com/office/powerpoint/2010/main" val="438027845"/>
       </p:ext>
     </p:extLst>
   </p:cSld>
@@ -1121,124 +3056,63 @@
       </p:grpSpPr>
       <p:sp>
         <p:nvSpPr>
-          <p:cNvPr id="7" name="Rectangle 6"/>
-          <p:cNvSpPr/>
-          <p:nvPr/>
+          <p:cNvPr id="2" name="Title 1"/>
+          <p:cNvSpPr>
+            <a:spLocks noGrp="1"/>
+          </p:cNvSpPr>
+          <p:nvPr>
+            <p:ph type="title"/>
+          </p:nvPr>
         </p:nvSpPr>
         <p:spPr>
           <a:xfrm>
-            <a:off x="0" y="4917989"/>
-            <a:ext cx="12192000" cy="1940010"/>
+            <a:off x="677335" y="2700867"/>
+            <a:ext cx="8596668" cy="1826581"/>
           </a:xfrm>
-          <a:prstGeom prst="rect">
-            <a:avLst/>
-          </a:prstGeom>
-          <a:blipFill dpi="0" rotWithShape="1">
-            <a:blip r:embed="rId2">
-              <a:alphaModFix amt="85000"/>
-              <a:lum bright="70000" contrast="-70000"/>
-              <a:extLst>
-                <a:ext uri="{BEBA8EAE-BF5A-486C-A8C5-ECC9F3942E4B}">
-                  <a14:imgProps xmlns:a14="http://schemas.microsoft.com/office/drawing/2010/main">
-                    <a14:imgLayer r:embed="rId3">
-                      <a14:imgEffect>
-                        <a14:sharpenSoften amount="61000"/>
-                      </a14:imgEffect>
-                    </a14:imgLayer>
-                  </a14:imgProps>
-                </a:ext>
-                <a:ext uri="{28A0092B-C50C-407E-A947-70E740481C1C}">
-                  <a14:useLocalDpi xmlns:a14="http://schemas.microsoft.com/office/drawing/2010/main" val="0"/>
-                </a:ext>
-              </a:extLst>
-            </a:blip>
-            <a:srcRect/>
-            <a:tile tx="0" ty="-704850" sx="92000" sy="89000" flip="xy" algn="ctr"/>
-          </a:blipFill>
-          <a:ln>
-            <a:noFill/>
-          </a:ln>
         </p:spPr>
-        <p:style>
-          <a:lnRef idx="2">
-            <a:schemeClr val="accent1">
-              <a:shade val="50000"/>
-            </a:schemeClr>
-          </a:lnRef>
-          <a:fillRef idx="1">
-            <a:schemeClr val="accent1"/>
-          </a:fillRef>
-          <a:effectRef idx="0">
-            <a:schemeClr val="accent1"/>
-          </a:effectRef>
-          <a:fontRef idx="minor">
-            <a:schemeClr val="lt1"/>
-          </a:fontRef>
-        </p:style>
-      </p:sp>
-      <p:sp>
-        <p:nvSpPr>
-          <p:cNvPr id="2" name="Title 1"/>
-          <p:cNvSpPr>
-            <a:spLocks noGrp="1"/>
-          </p:cNvSpPr>
-          <p:nvPr>
-            <p:ph type="title"/>
+        <p:txBody>
+          <a:bodyPr anchor="b"/>
+          <a:lstStyle>
+            <a:lvl1pPr algn="l">
+              <a:defRPr sz="4000" b="0" cap="none"/>
+            </a:lvl1pPr>
+          </a:lstStyle>
+          <a:p>
+            <a:r>
+              <a:rPr lang="en-US" smtClean="0"/>
+              <a:t>Click to edit Master title style</a:t>
+            </a:r>
+            <a:endParaRPr lang="en-US" dirty="0"/>
+          </a:p>
+        </p:txBody>
+      </p:sp>
+      <p:sp>
+        <p:nvSpPr>
+          <p:cNvPr id="3" name="Text Placeholder 2"/>
+          <p:cNvSpPr>
+            <a:spLocks noGrp="1"/>
+          </p:cNvSpPr>
+          <p:nvPr>
+            <p:ph type="body" idx="1"/>
           </p:nvPr>
         </p:nvSpPr>
         <p:spPr>
           <a:xfrm>
-            <a:off x="2167128" y="1225296"/>
-            <a:ext cx="9281160" cy="3520440"/>
+            <a:off x="677335" y="4527448"/>
+            <a:ext cx="8596668" cy="860400"/>
           </a:xfrm>
         </p:spPr>
         <p:txBody>
-          <a:bodyPr anchor="ctr">
-            <a:normAutofit/>
-          </a:bodyPr>
+          <a:bodyPr anchor="t"/>
           <a:lstStyle>
-            <a:lvl1pPr>
-              <a:lnSpc>
-                <a:spcPct val="80000"/>
-              </a:lnSpc>
-              <a:defRPr sz="8000" b="0"/>
-            </a:lvl1pPr>
-          </a:lstStyle>
-          <a:p>
-            <a:r>
-              <a:rPr lang="en-US" smtClean="0"/>
-              <a:t>Click to edit Master title style</a:t>
-            </a:r>
-            <a:endParaRPr lang="en-US" dirty="0"/>
-          </a:p>
-        </p:txBody>
-      </p:sp>
-      <p:sp>
-        <p:nvSpPr>
-          <p:cNvPr id="3" name="Text Placeholder 2"/>
-          <p:cNvSpPr>
-            <a:spLocks noGrp="1"/>
-          </p:cNvSpPr>
-          <p:nvPr>
-            <p:ph type="body" idx="1"/>
-          </p:nvPr>
-        </p:nvSpPr>
-        <p:spPr>
-          <a:xfrm>
-            <a:off x="2165774" y="5020056"/>
-            <a:ext cx="9052560" cy="1066800"/>
-          </a:xfrm>
-        </p:spPr>
-        <p:txBody>
-          <a:bodyPr anchor="t">
-            <a:normAutofit/>
-          </a:bodyPr>
-          <a:lstStyle>
-            <a:lvl1pPr marL="0" indent="0">
+            <a:lvl1pPr marL="0" indent="0" algn="l">
               <a:buNone/>
               <a:defRPr sz="2000">
                 <a:solidFill>
-                  <a:schemeClr val="tx1"/>
+                  <a:schemeClr val="tx1">
+                    <a:lumMod val="50000"/>
+                    <a:lumOff val="50000"/>
+                  </a:schemeClr>
                 </a:solidFill>
               </a:defRPr>
             </a:lvl1pPr>
@@ -1342,19 +3216,14 @@
             <p:ph type="dt" sz="half" idx="10"/>
           </p:nvPr>
         </p:nvSpPr>
-        <p:spPr>
-          <a:xfrm>
-            <a:off x="8593667" y="6272784"/>
-            <a:ext cx="2644309" cy="365125"/>
-          </a:xfrm>
-        </p:spPr>
+        <p:spPr/>
         <p:txBody>
           <a:bodyPr/>
           <a:lstStyle/>
           <a:p>
             <a:fld id="{EE200CF6-9F19-4689-9131-46E2C2F9128E}" type="datetimeFigureOut">
               <a:rPr lang="en-IN" smtClean="0"/>
-              <a:t>07-04-2019</a:t>
+              <a:t>08-04-2019</a:t>
             </a:fld>
             <a:endParaRPr lang="en-IN"/>
           </a:p>
@@ -1370,12 +3239,7 @@
             <p:ph type="ftr" sz="quarter" idx="11"/>
           </p:nvPr>
         </p:nvSpPr>
-        <p:spPr>
-          <a:xfrm>
-            <a:off x="2182708" y="6272784"/>
-            <a:ext cx="6327648" cy="365125"/>
-          </a:xfrm>
-        </p:spPr>
+        <p:spPr/>
         <p:txBody>
           <a:bodyPr/>
           <a:lstStyle/>
@@ -1384,90 +3248,6 @@
           </a:p>
         </p:txBody>
       </p:sp>
-      <p:grpSp>
-        <p:nvGrpSpPr>
-          <p:cNvPr id="8" name="Group 7"/>
-          <p:cNvGrpSpPr/>
-          <p:nvPr/>
-        </p:nvGrpSpPr>
-        <p:grpSpPr>
-          <a:xfrm>
-            <a:off x="897399" y="2325848"/>
-            <a:ext cx="1080904" cy="1080902"/>
-            <a:chOff x="9685338" y="4460675"/>
-            <a:chExt cx="1080904" cy="1080902"/>
-          </a:xfrm>
-        </p:grpSpPr>
-        <p:sp>
-          <p:nvSpPr>
-            <p:cNvPr id="9" name="Oval 8"/>
-            <p:cNvSpPr/>
-            <p:nvPr/>
-          </p:nvSpPr>
-          <p:spPr>
-            <a:xfrm>
-              <a:off x="9685338" y="4460675"/>
-              <a:ext cx="1080904" cy="1080902"/>
-            </a:xfrm>
-            <a:prstGeom prst="ellipse">
-              <a:avLst/>
-            </a:prstGeom>
-            <a:blipFill dpi="0" rotWithShape="1">
-              <a:blip r:embed="rId4">
-                <a:duotone>
-                  <a:schemeClr val="accent1">
-                    <a:shade val="45000"/>
-                    <a:satMod val="135000"/>
-                  </a:schemeClr>
-                  <a:prstClr val="white"/>
-                </a:duotone>
-                <a:extLst>
-                  <a:ext uri="{BEBA8EAE-BF5A-486C-A8C5-ECC9F3942E4B}">
-                    <a14:imgProps xmlns:a14="http://schemas.microsoft.com/office/drawing/2010/main">
-                      <a14:imgLayer r:embed="rId5">
-                        <a14:imgEffect>
-                          <a14:saturation sat="95000"/>
-                        </a14:imgEffect>
-                      </a14:imgLayer>
-                    </a14:imgProps>
-                  </a:ext>
-                </a:extLst>
-              </a:blip>
-              <a:srcRect/>
-              <a:tile tx="0" ty="0" sx="85000" sy="85000" flip="none" algn="tl"/>
-            </a:blipFill>
-            <a:ln w="25400" cap="flat" cmpd="sng" algn="ctr">
-              <a:noFill/>
-              <a:prstDash val="solid"/>
-            </a:ln>
-            <a:effectLst/>
-          </p:spPr>
-        </p:sp>
-        <p:sp>
-          <p:nvSpPr>
-            <p:cNvPr id="10" name="Oval 9"/>
-            <p:cNvSpPr/>
-            <p:nvPr/>
-          </p:nvSpPr>
-          <p:spPr>
-            <a:xfrm>
-              <a:off x="9793429" y="4568765"/>
-              <a:ext cx="864723" cy="864722"/>
-            </a:xfrm>
-            <a:prstGeom prst="ellipse">
-              <a:avLst/>
-            </a:prstGeom>
-            <a:noFill/>
-            <a:ln w="25400" cap="flat" cmpd="sng" algn="ctr">
-              <a:solidFill>
-                <a:sysClr val="window" lastClr="FFFFFF"/>
-              </a:solidFill>
-              <a:prstDash val="solid"/>
-            </a:ln>
-            <a:effectLst/>
-          </p:spPr>
-        </p:sp>
-      </p:grpSp>
       <p:sp>
         <p:nvSpPr>
           <p:cNvPr id="6" name="Slide Number Placeholder 5"/>
@@ -1478,19 +3258,10 @@
             <p:ph type="sldNum" sz="quarter" idx="12"/>
           </p:nvPr>
         </p:nvSpPr>
-        <p:spPr>
-          <a:xfrm>
-            <a:off x="843702" y="2506133"/>
-            <a:ext cx="1188298" cy="720332"/>
-          </a:xfrm>
-        </p:spPr>
+        <p:spPr/>
         <p:txBody>
           <a:bodyPr/>
-          <a:lstStyle>
-            <a:lvl1pPr>
-              <a:defRPr sz="2800"/>
-            </a:lvl1pPr>
-          </a:lstStyle>
+          <a:lstStyle/>
           <a:p>
             <a:fld id="{CDD20E1D-48AA-4E82-AE41-A4B427EA4B7A}" type="slidenum">
               <a:rPr lang="en-IN" smtClean="0"/>
@@ -1503,7 +3274,7 @@
     </p:spTree>
     <p:extLst>
       <p:ext uri="{BB962C8B-B14F-4D97-AF65-F5344CB8AC3E}">
-        <p14:creationId xmlns:p14="http://schemas.microsoft.com/office/powerpoint/2010/main" val="3123476092"/>
+        <p14:creationId xmlns:p14="http://schemas.microsoft.com/office/powerpoint/2010/main" val="111251405"/>
       </p:ext>
     </p:extLst>
   </p:cSld>
@@ -1565,41 +3336,13 @@
         </p:nvSpPr>
         <p:spPr>
           <a:xfrm>
-            <a:off x="1069848" y="2194560"/>
-            <a:ext cx="4754880" cy="3977640"/>
+            <a:off x="677334" y="2160589"/>
+            <a:ext cx="4184035" cy="3880772"/>
           </a:xfrm>
         </p:spPr>
         <p:txBody>
           <a:bodyPr/>
-          <a:lstStyle>
-            <a:lvl1pPr>
-              <a:defRPr sz="2000"/>
-            </a:lvl1pPr>
-            <a:lvl2pPr>
-              <a:defRPr sz="1800"/>
-            </a:lvl2pPr>
-            <a:lvl3pPr>
-              <a:defRPr sz="1600"/>
-            </a:lvl3pPr>
-            <a:lvl4pPr>
-              <a:defRPr sz="1600"/>
-            </a:lvl4pPr>
-            <a:lvl5pPr>
-              <a:defRPr sz="1600"/>
-            </a:lvl5pPr>
-            <a:lvl6pPr>
-              <a:defRPr sz="1600"/>
-            </a:lvl6pPr>
-            <a:lvl7pPr>
-              <a:defRPr sz="1600"/>
-            </a:lvl7pPr>
-            <a:lvl8pPr>
-              <a:defRPr sz="1600"/>
-            </a:lvl8pPr>
-            <a:lvl9pPr>
-              <a:defRPr sz="1600"/>
-            </a:lvl9pPr>
-          </a:lstStyle>
+          <a:lstStyle/>
           <a:p>
             <a:pPr lvl="0"/>
             <a:r>
@@ -1650,41 +3393,13 @@
         </p:nvSpPr>
         <p:spPr>
           <a:xfrm>
-            <a:off x="6364224" y="2194560"/>
-            <a:ext cx="4754880" cy="3977640"/>
+            <a:off x="5089970" y="2160589"/>
+            <a:ext cx="4184034" cy="3880773"/>
           </a:xfrm>
         </p:spPr>
         <p:txBody>
           <a:bodyPr/>
-          <a:lstStyle>
-            <a:lvl1pPr>
-              <a:defRPr sz="2000"/>
-            </a:lvl1pPr>
-            <a:lvl2pPr>
-              <a:defRPr sz="1800"/>
-            </a:lvl2pPr>
-            <a:lvl3pPr>
-              <a:defRPr sz="1600"/>
-            </a:lvl3pPr>
-            <a:lvl4pPr>
-              <a:defRPr sz="1600"/>
-            </a:lvl4pPr>
-            <a:lvl5pPr>
-              <a:defRPr sz="1600"/>
-            </a:lvl5pPr>
-            <a:lvl6pPr>
-              <a:defRPr sz="1600"/>
-            </a:lvl6pPr>
-            <a:lvl7pPr>
-              <a:defRPr sz="1600"/>
-            </a:lvl7pPr>
-            <a:lvl8pPr>
-              <a:defRPr sz="1600"/>
-            </a:lvl8pPr>
-            <a:lvl9pPr>
-              <a:defRPr sz="1600"/>
-            </a:lvl9pPr>
-          </a:lstStyle>
+          <a:lstStyle/>
           <a:p>
             <a:pPr lvl="0"/>
             <a:r>
@@ -1740,7 +3455,7 @@
           <a:p>
             <a:fld id="{EE200CF6-9F19-4689-9131-46E2C2F9128E}" type="datetimeFigureOut">
               <a:rPr lang="en-IN" smtClean="0"/>
-              <a:t>07-04-2019</a:t>
+              <a:t>08-04-2019</a:t>
             </a:fld>
             <a:endParaRPr lang="en-IN"/>
           </a:p>
@@ -1791,7 +3506,7 @@
     </p:spTree>
     <p:extLst>
       <p:ext uri="{BB962C8B-B14F-4D97-AF65-F5344CB8AC3E}">
-        <p14:creationId xmlns:p14="http://schemas.microsoft.com/office/powerpoint/2010/main" val="1360103177"/>
+        <p14:creationId xmlns:p14="http://schemas.microsoft.com/office/powerpoint/2010/main" val="1404773349"/>
       </p:ext>
     </p:extLst>
   </p:cSld>
@@ -1820,7 +3535,7 @@
       </p:grpSpPr>
       <p:sp>
         <p:nvSpPr>
-          <p:cNvPr id="10" name="Title 9"/>
+          <p:cNvPr id="2" name="Title 1"/>
           <p:cNvSpPr>
             <a:spLocks noGrp="1"/>
           </p:cNvSpPr>
@@ -1831,7 +3546,11 @@
         <p:spPr/>
         <p:txBody>
           <a:bodyPr/>
-          <a:lstStyle/>
+          <a:lstStyle>
+            <a:lvl1pPr>
+              <a:defRPr/>
+            </a:lvl1pPr>
+          </a:lstStyle>
           <a:p>
             <a:r>
               <a:rPr lang="en-US" smtClean="0"/>
@@ -1853,24 +3572,18 @@
         </p:nvSpPr>
         <p:spPr>
           <a:xfrm>
-            <a:off x="1066800" y="2048256"/>
-            <a:ext cx="4754880" cy="640080"/>
+            <a:off x="675745" y="2160983"/>
+            <a:ext cx="4185623" cy="576262"/>
           </a:xfrm>
         </p:spPr>
         <p:txBody>
-          <a:bodyPr anchor="ctr">
-            <a:normAutofit/>
+          <a:bodyPr anchor="b">
+            <a:noAutofit/>
           </a:bodyPr>
           <a:lstStyle>
             <a:lvl1pPr marL="0" indent="0">
               <a:buNone/>
-              <a:defRPr sz="2000" b="1">
-                <a:solidFill>
-                  <a:schemeClr val="accent1">
-                    <a:lumMod val="75000"/>
-                  </a:schemeClr>
-                </a:solidFill>
-              </a:defRPr>
+              <a:defRPr sz="2400" b="0"/>
             </a:lvl1pPr>
             <a:lvl2pPr marL="457200" indent="0">
               <a:buNone/>
@@ -1926,41 +3639,15 @@
         </p:nvSpPr>
         <p:spPr>
           <a:xfrm>
-            <a:off x="1069848" y="2743200"/>
-            <a:ext cx="4754880" cy="3291840"/>
+            <a:off x="675745" y="2737245"/>
+            <a:ext cx="4185623" cy="3304117"/>
           </a:xfrm>
         </p:spPr>
         <p:txBody>
-          <a:bodyPr/>
-          <a:lstStyle>
-            <a:lvl1pPr>
-              <a:defRPr sz="2000"/>
-            </a:lvl1pPr>
-            <a:lvl2pPr>
-              <a:defRPr sz="1800"/>
-            </a:lvl2pPr>
-            <a:lvl3pPr>
-              <a:defRPr sz="1600"/>
-            </a:lvl3pPr>
-            <a:lvl4pPr>
-              <a:defRPr sz="1600"/>
-            </a:lvl4pPr>
-            <a:lvl5pPr>
-              <a:defRPr sz="1600"/>
-            </a:lvl5pPr>
-            <a:lvl6pPr>
-              <a:defRPr sz="1600"/>
-            </a:lvl6pPr>
-            <a:lvl7pPr>
-              <a:defRPr sz="1600"/>
-            </a:lvl7pPr>
-            <a:lvl8pPr>
-              <a:defRPr sz="1600"/>
-            </a:lvl8pPr>
-            <a:lvl9pPr>
-              <a:defRPr sz="1600"/>
-            </a:lvl9pPr>
-          </a:lstStyle>
+          <a:bodyPr>
+            <a:normAutofit/>
+          </a:bodyPr>
+          <a:lstStyle/>
           <a:p>
             <a:pPr lvl="0"/>
             <a:r>
@@ -2011,24 +3698,18 @@
         </p:nvSpPr>
         <p:spPr>
           <a:xfrm>
-            <a:off x="6364224" y="2048256"/>
-            <a:ext cx="4754880" cy="640080"/>
+            <a:off x="5088383" y="2160983"/>
+            <a:ext cx="4185618" cy="576262"/>
           </a:xfrm>
         </p:spPr>
         <p:txBody>
-          <a:bodyPr anchor="ctr">
-            <a:normAutofit/>
+          <a:bodyPr anchor="b">
+            <a:noAutofit/>
           </a:bodyPr>
           <a:lstStyle>
             <a:lvl1pPr marL="0" indent="0">
               <a:buNone/>
-              <a:defRPr sz="2000" b="1">
-                <a:solidFill>
-                  <a:schemeClr val="accent1">
-                    <a:lumMod val="75000"/>
-                  </a:schemeClr>
-                </a:solidFill>
-              </a:defRPr>
+              <a:defRPr sz="2400" b="0"/>
             </a:lvl1pPr>
             <a:lvl2pPr marL="457200" indent="0">
               <a:buNone/>
@@ -2084,41 +3765,15 @@
         </p:nvSpPr>
         <p:spPr>
           <a:xfrm>
-            <a:off x="6364224" y="2743200"/>
-            <a:ext cx="4754880" cy="3291840"/>
+            <a:off x="5088384" y="2737245"/>
+            <a:ext cx="4185617" cy="3304117"/>
           </a:xfrm>
         </p:spPr>
         <p:txBody>
-          <a:bodyPr/>
-          <a:lstStyle>
-            <a:lvl1pPr>
-              <a:defRPr sz="2000"/>
-            </a:lvl1pPr>
-            <a:lvl2pPr>
-              <a:defRPr sz="1800"/>
-            </a:lvl2pPr>
-            <a:lvl3pPr>
-              <a:defRPr sz="1600"/>
-            </a:lvl3pPr>
-            <a:lvl4pPr>
-              <a:defRPr sz="1600"/>
-            </a:lvl4pPr>
-            <a:lvl5pPr>
-              <a:defRPr sz="1600"/>
-            </a:lvl5pPr>
-            <a:lvl6pPr>
-              <a:defRPr sz="1600"/>
-            </a:lvl6pPr>
-            <a:lvl7pPr>
-              <a:defRPr sz="1600"/>
-            </a:lvl7pPr>
-            <a:lvl8pPr>
-              <a:defRPr sz="1600"/>
-            </a:lvl8pPr>
-            <a:lvl9pPr>
-              <a:defRPr sz="1600"/>
-            </a:lvl9pPr>
-          </a:lstStyle>
+          <a:bodyPr>
+            <a:normAutofit/>
+          </a:bodyPr>
+          <a:lstStyle/>
           <a:p>
             <a:pPr lvl="0"/>
             <a:r>
@@ -2174,7 +3829,7 @@
           <a:p>
             <a:fld id="{EE200CF6-9F19-4689-9131-46E2C2F9128E}" type="datetimeFigureOut">
               <a:rPr lang="en-IN" smtClean="0"/>
-              <a:t>07-04-2019</a:t>
+              <a:t>08-04-2019</a:t>
             </a:fld>
             <a:endParaRPr lang="en-IN"/>
           </a:p>
@@ -2225,7 +3880,7 @@
     </p:spTree>
     <p:extLst>
       <p:ext uri="{BB962C8B-B14F-4D97-AF65-F5344CB8AC3E}">
-        <p14:creationId xmlns:p14="http://schemas.microsoft.com/office/powerpoint/2010/main" val="1906066904"/>
+        <p14:creationId xmlns:p14="http://schemas.microsoft.com/office/powerpoint/2010/main" val="2233920730"/>
       </p:ext>
     </p:extLst>
   </p:cSld>
@@ -2254,7 +3909,7 @@
       </p:grpSpPr>
       <p:sp>
         <p:nvSpPr>
-          <p:cNvPr id="6" name="Title 5"/>
+          <p:cNvPr id="2" name="Title 1"/>
           <p:cNvSpPr>
             <a:spLocks noGrp="1"/>
           </p:cNvSpPr>
@@ -2262,7 +3917,12 @@
             <p:ph type="title"/>
           </p:nvPr>
         </p:nvSpPr>
-        <p:spPr/>
+        <p:spPr>
+          <a:xfrm>
+            <a:off x="677334" y="609600"/>
+            <a:ext cx="8596668" cy="1320800"/>
+          </a:xfrm>
+        </p:spPr>
         <p:txBody>
           <a:bodyPr/>
           <a:lstStyle/>
@@ -2292,7 +3952,7 @@
           <a:p>
             <a:fld id="{EE200CF6-9F19-4689-9131-46E2C2F9128E}" type="datetimeFigureOut">
               <a:rPr lang="en-IN" smtClean="0"/>
-              <a:t>07-04-2019</a:t>
+              <a:t>08-04-2019</a:t>
             </a:fld>
             <a:endParaRPr lang="en-IN"/>
           </a:p>
@@ -2343,7 +4003,7 @@
     </p:spTree>
     <p:extLst>
       <p:ext uri="{BB962C8B-B14F-4D97-AF65-F5344CB8AC3E}">
-        <p14:creationId xmlns:p14="http://schemas.microsoft.com/office/powerpoint/2010/main" val="3125006383"/>
+        <p14:creationId xmlns:p14="http://schemas.microsoft.com/office/powerpoint/2010/main" val="3003321888"/>
       </p:ext>
     </p:extLst>
   </p:cSld>
@@ -2387,7 +4047,7 @@
           <a:p>
             <a:fld id="{EE200CF6-9F19-4689-9131-46E2C2F9128E}" type="datetimeFigureOut">
               <a:rPr lang="en-IN" smtClean="0"/>
-              <a:t>07-04-2019</a:t>
+              <a:t>08-04-2019</a:t>
             </a:fld>
             <a:endParaRPr lang="en-IN"/>
           </a:p>
@@ -2438,7 +4098,7 @@
     </p:spTree>
     <p:extLst>
       <p:ext uri="{BB962C8B-B14F-4D97-AF65-F5344CB8AC3E}">
-        <p14:creationId xmlns:p14="http://schemas.microsoft.com/office/powerpoint/2010/main" val="3199140367"/>
+        <p14:creationId xmlns:p14="http://schemas.microsoft.com/office/powerpoint/2010/main" val="3312720008"/>
       </p:ext>
     </p:extLst>
   </p:cSld>
@@ -2467,75 +4127,18 @@
       </p:grpSpPr>
       <p:sp>
         <p:nvSpPr>
-          <p:cNvPr id="8" name="Rectangle 7"/>
-          <p:cNvSpPr/>
-          <p:nvPr/>
+          <p:cNvPr id="2" name="Title 1"/>
+          <p:cNvSpPr>
+            <a:spLocks noGrp="1"/>
+          </p:cNvSpPr>
+          <p:nvPr>
+            <p:ph type="title"/>
+          </p:nvPr>
         </p:nvSpPr>
         <p:spPr>
           <a:xfrm>
-            <a:off x="8303740" y="0"/>
-            <a:ext cx="3888259" cy="6857999"/>
-          </a:xfrm>
-          <a:prstGeom prst="rect">
-            <a:avLst/>
-          </a:prstGeom>
-          <a:blipFill dpi="0" rotWithShape="1">
-            <a:blip r:embed="rId2">
-              <a:alphaModFix amt="60000"/>
-              <a:lum bright="70000" contrast="-70000"/>
-              <a:extLst>
-                <a:ext uri="{BEBA8EAE-BF5A-486C-A8C5-ECC9F3942E4B}">
-                  <a14:imgProps xmlns:a14="http://schemas.microsoft.com/office/drawing/2010/main">
-                    <a14:imgLayer r:embed="rId3">
-                      <a14:imgEffect>
-                        <a14:sharpenSoften amount="61000"/>
-                      </a14:imgEffect>
-                    </a14:imgLayer>
-                  </a14:imgProps>
-                </a:ext>
-                <a:ext uri="{28A0092B-C50C-407E-A947-70E740481C1C}">
-                  <a14:useLocalDpi xmlns:a14="http://schemas.microsoft.com/office/drawing/2010/main" val="0"/>
-                </a:ext>
-              </a:extLst>
-            </a:blip>
-            <a:srcRect/>
-            <a:tile tx="0" ty="-704850" sx="92000" sy="89000" flip="xy" algn="ctr"/>
-          </a:blipFill>
-          <a:ln>
-            <a:noFill/>
-          </a:ln>
-        </p:spPr>
-        <p:style>
-          <a:lnRef idx="2">
-            <a:schemeClr val="accent1">
-              <a:shade val="50000"/>
-            </a:schemeClr>
-          </a:lnRef>
-          <a:fillRef idx="1">
-            <a:schemeClr val="accent1"/>
-          </a:fillRef>
-          <a:effectRef idx="0">
-            <a:schemeClr val="accent1"/>
-          </a:effectRef>
-          <a:fontRef idx="minor">
-            <a:schemeClr val="lt1"/>
-          </a:fontRef>
-        </p:style>
-      </p:sp>
-      <p:sp>
-        <p:nvSpPr>
-          <p:cNvPr id="2" name="Title 1"/>
-          <p:cNvSpPr>
-            <a:spLocks noGrp="1"/>
-          </p:cNvSpPr>
-          <p:nvPr>
-            <p:ph type="title"/>
-          </p:nvPr>
-        </p:nvSpPr>
-        <p:spPr>
-          <a:xfrm>
-            <a:off x="8549640" y="685800"/>
-            <a:ext cx="3200400" cy="1737360"/>
+            <a:off x="677334" y="1498604"/>
+            <a:ext cx="3854528" cy="1278466"/>
           </a:xfrm>
         </p:spPr>
         <p:txBody>
@@ -2544,7 +4147,7 @@
           </a:bodyPr>
           <a:lstStyle>
             <a:lvl1pPr>
-              <a:defRPr sz="3200" b="1"/>
+              <a:defRPr sz="2000"/>
             </a:lvl1pPr>
           </a:lstStyle>
           <a:p>
@@ -2568,41 +4171,15 @@
         </p:nvSpPr>
         <p:spPr>
           <a:xfrm>
-            <a:off x="838200" y="685800"/>
-            <a:ext cx="6711696" cy="5020056"/>
+            <a:off x="4760461" y="514924"/>
+            <a:ext cx="4513541" cy="5526437"/>
           </a:xfrm>
         </p:spPr>
         <p:txBody>
-          <a:bodyPr/>
-          <a:lstStyle>
-            <a:lvl1pPr>
-              <a:defRPr sz="2000"/>
-            </a:lvl1pPr>
-            <a:lvl2pPr>
-              <a:defRPr sz="1800"/>
-            </a:lvl2pPr>
-            <a:lvl3pPr>
-              <a:defRPr sz="1600"/>
-            </a:lvl3pPr>
-            <a:lvl4pPr>
-              <a:defRPr sz="1600"/>
-            </a:lvl4pPr>
-            <a:lvl5pPr>
-              <a:defRPr sz="1600"/>
-            </a:lvl5pPr>
-            <a:lvl6pPr>
-              <a:defRPr sz="1600"/>
-            </a:lvl6pPr>
-            <a:lvl7pPr>
-              <a:defRPr sz="1600"/>
-            </a:lvl7pPr>
-            <a:lvl8pPr>
-              <a:defRPr sz="1600"/>
-            </a:lvl8pPr>
-            <a:lvl9pPr>
-              <a:defRPr sz="1600"/>
-            </a:lvl9pPr>
-          </a:lstStyle>
+          <a:bodyPr>
+            <a:normAutofit/>
+          </a:bodyPr>
+          <a:lstStyle/>
           <a:p>
             <a:pPr lvl="0"/>
             <a:r>
@@ -2653,8 +4230,8 @@
         </p:nvSpPr>
         <p:spPr>
           <a:xfrm>
-            <a:off x="8549640" y="2423160"/>
-            <a:ext cx="3200400" cy="3291840"/>
+            <a:off x="677334" y="2777069"/>
+            <a:ext cx="3854528" cy="2584449"/>
           </a:xfrm>
         </p:spPr>
         <p:txBody>
@@ -2663,52 +4240,40 @@
           </a:bodyPr>
           <a:lstStyle>
             <a:lvl1pPr marL="0" indent="0">
-              <a:lnSpc>
-                <a:spcPct val="100000"/>
-              </a:lnSpc>
-              <a:spcBef>
-                <a:spcPts val="1000"/>
-              </a:spcBef>
-              <a:buNone/>
-              <a:defRPr sz="1400">
-                <a:solidFill>
-                  <a:schemeClr val="accent1">
-                    <a:lumMod val="75000"/>
-                  </a:schemeClr>
-                </a:solidFill>
-              </a:defRPr>
+              <a:buNone/>
+              <a:defRPr sz="1400"/>
             </a:lvl1pPr>
-            <a:lvl2pPr marL="457200" indent="0">
+            <a:lvl2pPr marL="457063" indent="0">
+              <a:buNone/>
+              <a:defRPr sz="1400"/>
+            </a:lvl2pPr>
+            <a:lvl3pPr marL="914126" indent="0">
               <a:buNone/>
               <a:defRPr sz="1200"/>
-            </a:lvl2pPr>
-            <a:lvl3pPr marL="914400" indent="0">
+            </a:lvl3pPr>
+            <a:lvl4pPr marL="1371189" indent="0">
               <a:buNone/>
               <a:defRPr sz="1000"/>
-            </a:lvl3pPr>
-            <a:lvl4pPr marL="1371600" indent="0">
-              <a:buNone/>
-              <a:defRPr sz="900"/>
             </a:lvl4pPr>
-            <a:lvl5pPr marL="1828800" indent="0">
-              <a:buNone/>
-              <a:defRPr sz="900"/>
+            <a:lvl5pPr marL="1828251" indent="0">
+              <a:buNone/>
+              <a:defRPr sz="1000"/>
             </a:lvl5pPr>
-            <a:lvl6pPr marL="2286000" indent="0">
-              <a:buNone/>
-              <a:defRPr sz="900"/>
+            <a:lvl6pPr marL="2285314" indent="0">
+              <a:buNone/>
+              <a:defRPr sz="1000"/>
             </a:lvl6pPr>
-            <a:lvl7pPr marL="2743200" indent="0">
-              <a:buNone/>
-              <a:defRPr sz="900"/>
+            <a:lvl7pPr marL="2742377" indent="0">
+              <a:buNone/>
+              <a:defRPr sz="1000"/>
             </a:lvl7pPr>
-            <a:lvl8pPr marL="3200400" indent="0">
-              <a:buNone/>
-              <a:defRPr sz="900"/>
+            <a:lvl8pPr marL="3199440" indent="0">
+              <a:buNone/>
+              <a:defRPr sz="1000"/>
             </a:lvl8pPr>
-            <a:lvl9pPr marL="3657600" indent="0">
-              <a:buNone/>
-              <a:defRPr sz="900"/>
+            <a:lvl9pPr marL="3656503" indent="0">
+              <a:buNone/>
+              <a:defRPr sz="1000"/>
             </a:lvl9pPr>
           </a:lstStyle>
           <a:p>
@@ -2737,7 +4302,7 @@
           <a:p>
             <a:fld id="{EE200CF6-9F19-4689-9131-46E2C2F9128E}" type="datetimeFigureOut">
               <a:rPr lang="en-IN" smtClean="0"/>
-              <a:t>07-04-2019</a:t>
+              <a:t>08-04-2019</a:t>
             </a:fld>
             <a:endParaRPr lang="en-IN"/>
           </a:p>
@@ -2762,95 +4327,6 @@
           </a:p>
         </p:txBody>
       </p:sp>
-      <p:grpSp>
-        <p:nvGrpSpPr>
-          <p:cNvPr id="9" name="Group 8"/>
-          <p:cNvGrpSpPr>
-            <a:grpSpLocks noChangeAspect="1"/>
-          </p:cNvGrpSpPr>
-          <p:nvPr/>
-        </p:nvGrpSpPr>
-        <p:grpSpPr>
-          <a:xfrm>
-            <a:off x="11401725" y="6229681"/>
-            <a:ext cx="457200" cy="457200"/>
-            <a:chOff x="11361456" y="6195813"/>
-            <a:chExt cx="548640" cy="548640"/>
-          </a:xfrm>
-        </p:grpSpPr>
-        <p:sp>
-          <p:nvSpPr>
-            <p:cNvPr id="10" name="Oval 9"/>
-            <p:cNvSpPr/>
-            <p:nvPr/>
-          </p:nvSpPr>
-          <p:spPr>
-            <a:xfrm>
-              <a:off x="11361456" y="6195813"/>
-              <a:ext cx="548640" cy="548640"/>
-            </a:xfrm>
-            <a:prstGeom prst="ellipse">
-              <a:avLst/>
-            </a:prstGeom>
-            <a:blipFill dpi="0" rotWithShape="1">
-              <a:blip r:embed="rId4">
-                <a:duotone>
-                  <a:schemeClr val="accent1">
-                    <a:shade val="45000"/>
-                    <a:satMod val="135000"/>
-                  </a:schemeClr>
-                  <a:prstClr val="white"/>
-                </a:duotone>
-                <a:extLst>
-                  <a:ext uri="{BEBA8EAE-BF5A-486C-A8C5-ECC9F3942E4B}">
-                    <a14:imgProps xmlns:a14="http://schemas.microsoft.com/office/drawing/2010/main">
-                      <a14:imgLayer r:embed="rId5">
-                        <a14:imgEffect>
-                          <a14:saturation sat="95000"/>
-                        </a14:imgEffect>
-                        <a14:imgEffect>
-                          <a14:brightnessContrast bright="-40000" contrast="20000"/>
-                        </a14:imgEffect>
-                      </a14:imgLayer>
-                    </a14:imgProps>
-                  </a:ext>
-                </a:extLst>
-              </a:blip>
-              <a:srcRect/>
-              <a:tile tx="50800" ty="0" sx="85000" sy="85000" flip="none" algn="tl"/>
-            </a:blipFill>
-            <a:ln w="25400" cap="flat" cmpd="sng" algn="ctr">
-              <a:noFill/>
-              <a:prstDash val="solid"/>
-            </a:ln>
-            <a:effectLst/>
-          </p:spPr>
-        </p:sp>
-        <p:sp>
-          <p:nvSpPr>
-            <p:cNvPr id="11" name="Oval 10"/>
-            <p:cNvSpPr/>
-            <p:nvPr/>
-          </p:nvSpPr>
-          <p:spPr>
-            <a:xfrm>
-              <a:off x="11396488" y="6230844"/>
-              <a:ext cx="478576" cy="478578"/>
-            </a:xfrm>
-            <a:prstGeom prst="ellipse">
-              <a:avLst/>
-            </a:prstGeom>
-            <a:noFill/>
-            <a:ln w="12700" cap="flat" cmpd="sng" algn="ctr">
-              <a:solidFill>
-                <a:sysClr val="window" lastClr="FFFFFF"/>
-              </a:solidFill>
-              <a:prstDash val="solid"/>
-            </a:ln>
-            <a:effectLst/>
-          </p:spPr>
-        </p:sp>
-      </p:grpSp>
       <p:sp>
         <p:nvSpPr>
           <p:cNvPr id="7" name="Slide Number Placeholder 6"/>
@@ -2877,7 +4353,7 @@
     </p:spTree>
     <p:extLst>
       <p:ext uri="{BB962C8B-B14F-4D97-AF65-F5344CB8AC3E}">
-        <p14:creationId xmlns:p14="http://schemas.microsoft.com/office/powerpoint/2010/main" val="1512983412"/>
+        <p14:creationId xmlns:p14="http://schemas.microsoft.com/office/powerpoint/2010/main" val="2880770393"/>
       </p:ext>
     </p:extLst>
   </p:cSld>
@@ -2906,75 +4382,18 @@
       </p:grpSpPr>
       <p:sp>
         <p:nvSpPr>
-          <p:cNvPr id="11" name="Rectangle 10"/>
-          <p:cNvSpPr/>
-          <p:nvPr/>
+          <p:cNvPr id="2" name="Title 1"/>
+          <p:cNvSpPr>
+            <a:spLocks noGrp="1"/>
+          </p:cNvSpPr>
+          <p:nvPr>
+            <p:ph type="title"/>
+          </p:nvPr>
         </p:nvSpPr>
         <p:spPr>
           <a:xfrm>
-            <a:off x="8303740" y="0"/>
-            <a:ext cx="3888259" cy="6857999"/>
-          </a:xfrm>
-          <a:prstGeom prst="rect">
-            <a:avLst/>
-          </a:prstGeom>
-          <a:blipFill dpi="0" rotWithShape="1">
-            <a:blip r:embed="rId2">
-              <a:alphaModFix amt="60000"/>
-              <a:lum bright="70000" contrast="-70000"/>
-              <a:extLst>
-                <a:ext uri="{BEBA8EAE-BF5A-486C-A8C5-ECC9F3942E4B}">
-                  <a14:imgProps xmlns:a14="http://schemas.microsoft.com/office/drawing/2010/main">
-                    <a14:imgLayer r:embed="rId3">
-                      <a14:imgEffect>
-                        <a14:sharpenSoften amount="61000"/>
-                      </a14:imgEffect>
-                    </a14:imgLayer>
-                  </a14:imgProps>
-                </a:ext>
-                <a:ext uri="{28A0092B-C50C-407E-A947-70E740481C1C}">
-                  <a14:useLocalDpi xmlns:a14="http://schemas.microsoft.com/office/drawing/2010/main" val="0"/>
-                </a:ext>
-              </a:extLst>
-            </a:blip>
-            <a:srcRect/>
-            <a:tile tx="0" ty="-704850" sx="92000" sy="89000" flip="xy" algn="ctr"/>
-          </a:blipFill>
-          <a:ln>
-            <a:noFill/>
-          </a:ln>
-        </p:spPr>
-        <p:style>
-          <a:lnRef idx="2">
-            <a:schemeClr val="accent1">
-              <a:shade val="50000"/>
-            </a:schemeClr>
-          </a:lnRef>
-          <a:fillRef idx="1">
-            <a:schemeClr val="accent1"/>
-          </a:fillRef>
-          <a:effectRef idx="0">
-            <a:schemeClr val="accent1"/>
-          </a:effectRef>
-          <a:fontRef idx="minor">
-            <a:schemeClr val="lt1"/>
-          </a:fontRef>
-        </p:style>
-      </p:sp>
-      <p:sp>
-        <p:nvSpPr>
-          <p:cNvPr id="2" name="Title 1"/>
-          <p:cNvSpPr>
-            <a:spLocks noGrp="1"/>
-          </p:cNvSpPr>
-          <p:nvPr>
-            <p:ph type="title"/>
-          </p:nvPr>
-        </p:nvSpPr>
-        <p:spPr>
-          <a:xfrm>
-            <a:off x="8549640" y="685800"/>
-            <a:ext cx="3200400" cy="1737360"/>
+            <a:off x="677334" y="4800600"/>
+            <a:ext cx="8596667" cy="566738"/>
           </a:xfrm>
         </p:spPr>
         <p:txBody>
@@ -2982,8 +4401,8 @@
             <a:normAutofit/>
           </a:bodyPr>
           <a:lstStyle>
-            <a:lvl1pPr>
-              <a:defRPr sz="3200" b="1"/>
+            <a:lvl1pPr algn="l">
+              <a:defRPr sz="2400" b="0"/>
             </a:lvl1pPr>
           </a:lstStyle>
           <a:p>
@@ -3007,54 +4426,50 @@
         </p:nvSpPr>
         <p:spPr>
           <a:xfrm>
-            <a:off x="0" y="0"/>
-            <a:ext cx="8303740" cy="6858000"/>
+            <a:off x="677334" y="609600"/>
+            <a:ext cx="8596668" cy="3845718"/>
           </a:xfrm>
-          <a:solidFill>
-            <a:schemeClr val="tx2">
-              <a:lumMod val="20000"/>
-              <a:lumOff val="80000"/>
-            </a:schemeClr>
-          </a:solidFill>
         </p:spPr>
         <p:txBody>
-          <a:bodyPr anchor="t"/>
+          <a:bodyPr anchor="t">
+            <a:normAutofit/>
+          </a:bodyPr>
           <a:lstStyle>
-            <a:lvl1pPr marL="0" indent="0">
-              <a:buNone/>
-              <a:defRPr sz="3200"/>
+            <a:lvl1pPr marL="0" indent="0" algn="ctr">
+              <a:buNone/>
+              <a:defRPr sz="1600"/>
             </a:lvl1pPr>
             <a:lvl2pPr marL="457200" indent="0">
               <a:buNone/>
-              <a:defRPr sz="2800"/>
+              <a:defRPr sz="1600"/>
             </a:lvl2pPr>
             <a:lvl3pPr marL="914400" indent="0">
               <a:buNone/>
-              <a:defRPr sz="2400"/>
+              <a:defRPr sz="1600"/>
             </a:lvl3pPr>
             <a:lvl4pPr marL="1371600" indent="0">
               <a:buNone/>
-              <a:defRPr sz="2000"/>
+              <a:defRPr sz="1600"/>
             </a:lvl4pPr>
             <a:lvl5pPr marL="1828800" indent="0">
               <a:buNone/>
-              <a:defRPr sz="2000"/>
+              <a:defRPr sz="1600"/>
             </a:lvl5pPr>
             <a:lvl6pPr marL="2286000" indent="0">
               <a:buNone/>
-              <a:defRPr sz="2000"/>
+              <a:defRPr sz="1600"/>
             </a:lvl6pPr>
             <a:lvl7pPr marL="2743200" indent="0">
               <a:buNone/>
-              <a:defRPr sz="2000"/>
+              <a:defRPr sz="1600"/>
             </a:lvl7pPr>
             <a:lvl8pPr marL="3200400" indent="0">
               <a:buNone/>
-              <a:defRPr sz="2000"/>
+              <a:defRPr sz="1600"/>
             </a:lvl8pPr>
             <a:lvl9pPr marL="3657600" indent="0">
               <a:buNone/>
-              <a:defRPr sz="2000"/>
+              <a:defRPr sz="1600"/>
             </a:lvl9pPr>
           </a:lstStyle>
           <a:p>
@@ -3078,8 +4493,8 @@
         </p:nvSpPr>
         <p:spPr>
           <a:xfrm>
-            <a:off x="8549640" y="2423160"/>
-            <a:ext cx="3200400" cy="3291840"/>
+            <a:off x="677334" y="5367338"/>
+            <a:ext cx="8596667" cy="674024"/>
           </a:xfrm>
         </p:spPr>
         <p:txBody>
@@ -3088,20 +4503,8 @@
           </a:bodyPr>
           <a:lstStyle>
             <a:lvl1pPr marL="0" indent="0">
-              <a:lnSpc>
-                <a:spcPct val="100000"/>
-              </a:lnSpc>
-              <a:spcBef>
-                <a:spcPts val="1000"/>
-              </a:spcBef>
-              <a:buNone/>
-              <a:defRPr sz="1400">
-                <a:solidFill>
-                  <a:schemeClr val="accent1">
-                    <a:lumMod val="75000"/>
-                  </a:schemeClr>
-                </a:solidFill>
-              </a:defRPr>
+              <a:buNone/>
+              <a:defRPr sz="1200"/>
             </a:lvl1pPr>
             <a:lvl2pPr marL="457200" indent="0">
               <a:buNone/>
@@ -3162,101 +4565,31 @@
           <a:p>
             <a:fld id="{EE200CF6-9F19-4689-9131-46E2C2F9128E}" type="datetimeFigureOut">
               <a:rPr lang="en-IN" smtClean="0"/>
-              <a:t>07-04-2019</a:t>
+              <a:t>08-04-2019</a:t>
             </a:fld>
             <a:endParaRPr lang="en-IN"/>
           </a:p>
         </p:txBody>
       </p:sp>
-      <p:grpSp>
-        <p:nvGrpSpPr>
-          <p:cNvPr id="8" name="Group 7"/>
-          <p:cNvGrpSpPr>
-            <a:grpSpLocks noChangeAspect="1"/>
-          </p:cNvGrpSpPr>
-          <p:nvPr/>
-        </p:nvGrpSpPr>
-        <p:grpSpPr>
-          <a:xfrm>
-            <a:off x="11401725" y="6229681"/>
-            <a:ext cx="457200" cy="457200"/>
-            <a:chOff x="11361456" y="6195813"/>
-            <a:chExt cx="548640" cy="548640"/>
-          </a:xfrm>
-        </p:grpSpPr>
-        <p:sp>
-          <p:nvSpPr>
-            <p:cNvPr id="9" name="Oval 8"/>
-            <p:cNvSpPr/>
-            <p:nvPr/>
-          </p:nvSpPr>
-          <p:spPr>
-            <a:xfrm>
-              <a:off x="11361456" y="6195813"/>
-              <a:ext cx="548640" cy="548640"/>
-            </a:xfrm>
-            <a:prstGeom prst="ellipse">
-              <a:avLst/>
-            </a:prstGeom>
-            <a:blipFill dpi="0" rotWithShape="1">
-              <a:blip r:embed="rId4">
-                <a:duotone>
-                  <a:schemeClr val="accent1">
-                    <a:shade val="45000"/>
-                    <a:satMod val="135000"/>
-                  </a:schemeClr>
-                  <a:prstClr val="white"/>
-                </a:duotone>
-                <a:extLst>
-                  <a:ext uri="{BEBA8EAE-BF5A-486C-A8C5-ECC9F3942E4B}">
-                    <a14:imgProps xmlns:a14="http://schemas.microsoft.com/office/drawing/2010/main">
-                      <a14:imgLayer r:embed="rId5">
-                        <a14:imgEffect>
-                          <a14:saturation sat="95000"/>
-                        </a14:imgEffect>
-                        <a14:imgEffect>
-                          <a14:brightnessContrast bright="-40000" contrast="20000"/>
-                        </a14:imgEffect>
-                      </a14:imgLayer>
-                    </a14:imgProps>
-                  </a:ext>
-                </a:extLst>
-              </a:blip>
-              <a:srcRect/>
-              <a:tile tx="50800" ty="0" sx="85000" sy="85000" flip="none" algn="tl"/>
-            </a:blipFill>
-            <a:ln w="25400" cap="flat" cmpd="sng" algn="ctr">
-              <a:noFill/>
-              <a:prstDash val="solid"/>
-            </a:ln>
-            <a:effectLst/>
-          </p:spPr>
-        </p:sp>
-        <p:sp>
-          <p:nvSpPr>
-            <p:cNvPr id="10" name="Oval 9"/>
-            <p:cNvSpPr/>
-            <p:nvPr/>
-          </p:nvSpPr>
-          <p:spPr>
-            <a:xfrm>
-              <a:off x="11396488" y="6230844"/>
-              <a:ext cx="478576" cy="478578"/>
-            </a:xfrm>
-            <a:prstGeom prst="ellipse">
-              <a:avLst/>
-            </a:prstGeom>
-            <a:noFill/>
-            <a:ln w="12700" cap="flat" cmpd="sng" algn="ctr">
-              <a:solidFill>
-                <a:sysClr val="window" lastClr="FFFFFF"/>
-              </a:solidFill>
-              <a:prstDash val="solid"/>
-            </a:ln>
-            <a:effectLst/>
-          </p:spPr>
-        </p:sp>
-      </p:grpSp>
+      <p:sp>
+        <p:nvSpPr>
+          <p:cNvPr id="6" name="Footer Placeholder 5"/>
+          <p:cNvSpPr>
+            <a:spLocks noGrp="1"/>
+          </p:cNvSpPr>
+          <p:nvPr>
+            <p:ph type="ftr" sz="quarter" idx="11"/>
+          </p:nvPr>
+        </p:nvSpPr>
+        <p:spPr/>
+        <p:txBody>
+          <a:bodyPr/>
+          <a:lstStyle/>
+          <a:p>
+            <a:endParaRPr lang="en-US"/>
+          </a:p>
+        </p:txBody>
+      </p:sp>
       <p:sp>
         <p:nvSpPr>
           <p:cNvPr id="7" name="Slide Number Placeholder 6"/>
@@ -3283,7 +4616,7 @@
     </p:spTree>
     <p:extLst>
       <p:ext uri="{BB962C8B-B14F-4D97-AF65-F5344CB8AC3E}">
-        <p14:creationId xmlns:p14="http://schemas.microsoft.com/office/powerpoint/2010/main" val="1572367506"/>
+        <p14:creationId xmlns:p14="http://schemas.microsoft.com/office/powerpoint/2010/main" val="1871905835"/>
       </p:ext>
     </p:extLst>
   </p:cSld>
@@ -3297,14 +4630,9 @@
 <p:sldMaster xmlns:a="http://schemas.openxmlformats.org/drawingml/2006/main" xmlns:r="http://schemas.openxmlformats.org/officeDocument/2006/relationships" xmlns:p="http://schemas.openxmlformats.org/presentationml/2006/main">
   <p:cSld>
     <p:bg>
-      <p:bgPr>
-        <a:solidFill>
-          <a:schemeClr val="accent1">
-            <a:lumMod val="75000"/>
-          </a:schemeClr>
-        </a:solidFill>
-        <a:effectLst/>
-      </p:bgPr>
+      <p:bgRef idx="1001">
+        <a:schemeClr val="bg1"/>
+      </p:bgRef>
     </p:bg>
     <p:spTree>
       <p:nvGrpSpPr>
@@ -3320,6 +4648,536 @@
           <a:chExt cx="0" cy="0"/>
         </a:xfrm>
       </p:grpSpPr>
+      <p:grpSp>
+        <p:nvGrpSpPr>
+          <p:cNvPr id="7" name="Group 6"/>
+          <p:cNvGrpSpPr/>
+          <p:nvPr/>
+        </p:nvGrpSpPr>
+        <p:grpSpPr>
+          <a:xfrm>
+            <a:off x="0" y="-8467"/>
+            <a:ext cx="12192000" cy="6866467"/>
+            <a:chOff x="0" y="-8467"/>
+            <a:chExt cx="12192000" cy="6866467"/>
+          </a:xfrm>
+        </p:grpSpPr>
+        <p:cxnSp>
+          <p:nvCxnSpPr>
+            <p:cNvPr id="20" name="Straight Connector 19"/>
+            <p:cNvCxnSpPr/>
+            <p:nvPr/>
+          </p:nvCxnSpPr>
+          <p:spPr>
+            <a:xfrm>
+              <a:off x="9371012" y="0"/>
+              <a:ext cx="1219200" cy="6858000"/>
+            </a:xfrm>
+            <a:prstGeom prst="line">
+              <a:avLst/>
+            </a:prstGeom>
+            <a:ln w="9525">
+              <a:solidFill>
+                <a:schemeClr val="bg1">
+                  <a:lumMod val="75000"/>
+                </a:schemeClr>
+              </a:solidFill>
+            </a:ln>
+          </p:spPr>
+          <p:style>
+            <a:lnRef idx="2">
+              <a:schemeClr val="accent1"/>
+            </a:lnRef>
+            <a:fillRef idx="0">
+              <a:schemeClr val="accent1"/>
+            </a:fillRef>
+            <a:effectRef idx="1">
+              <a:schemeClr val="accent1"/>
+            </a:effectRef>
+            <a:fontRef idx="minor">
+              <a:schemeClr val="tx1"/>
+            </a:fontRef>
+          </p:style>
+        </p:cxnSp>
+        <p:cxnSp>
+          <p:nvCxnSpPr>
+            <p:cNvPr id="21" name="Straight Connector 20"/>
+            <p:cNvCxnSpPr/>
+            <p:nvPr/>
+          </p:nvCxnSpPr>
+          <p:spPr>
+            <a:xfrm flipH="1">
+              <a:off x="7425267" y="3681413"/>
+              <a:ext cx="4763558" cy="3176587"/>
+            </a:xfrm>
+            <a:prstGeom prst="line">
+              <a:avLst/>
+            </a:prstGeom>
+            <a:ln w="9525">
+              <a:solidFill>
+                <a:schemeClr val="bg1">
+                  <a:lumMod val="85000"/>
+                </a:schemeClr>
+              </a:solidFill>
+            </a:ln>
+          </p:spPr>
+          <p:style>
+            <a:lnRef idx="2">
+              <a:schemeClr val="accent1"/>
+            </a:lnRef>
+            <a:fillRef idx="0">
+              <a:schemeClr val="accent1"/>
+            </a:fillRef>
+            <a:effectRef idx="1">
+              <a:schemeClr val="accent1"/>
+            </a:effectRef>
+            <a:fontRef idx="minor">
+              <a:schemeClr val="tx1"/>
+            </a:fontRef>
+          </p:style>
+        </p:cxnSp>
+        <p:sp>
+          <p:nvSpPr>
+            <p:cNvPr id="22" name="Rectangle 23"/>
+            <p:cNvSpPr/>
+            <p:nvPr/>
+          </p:nvSpPr>
+          <p:spPr>
+            <a:xfrm>
+              <a:off x="9181476" y="-8467"/>
+              <a:ext cx="3007349" cy="6866467"/>
+            </a:xfrm>
+            <a:custGeom>
+              <a:avLst/>
+              <a:gdLst/>
+              <a:ahLst/>
+              <a:cxnLst/>
+              <a:rect l="l" t="t" r="r" b="b"/>
+              <a:pathLst>
+                <a:path w="3007349" h="6866467">
+                  <a:moveTo>
+                    <a:pt x="2045532" y="0"/>
+                  </a:moveTo>
+                  <a:lnTo>
+                    <a:pt x="3007349" y="0"/>
+                  </a:lnTo>
+                  <a:lnTo>
+                    <a:pt x="3007349" y="6866467"/>
+                  </a:lnTo>
+                  <a:lnTo>
+                    <a:pt x="0" y="6866467"/>
+                  </a:lnTo>
+                  <a:lnTo>
+                    <a:pt x="2045532" y="0"/>
+                  </a:lnTo>
+                  <a:close/>
+                </a:path>
+              </a:pathLst>
+            </a:custGeom>
+            <a:solidFill>
+              <a:schemeClr val="accent1">
+                <a:alpha val="30000"/>
+              </a:schemeClr>
+            </a:solidFill>
+            <a:ln>
+              <a:noFill/>
+            </a:ln>
+            <a:effectLst/>
+          </p:spPr>
+          <p:style>
+            <a:lnRef idx="1">
+              <a:schemeClr val="accent1"/>
+            </a:lnRef>
+            <a:fillRef idx="3">
+              <a:schemeClr val="accent1"/>
+            </a:fillRef>
+            <a:effectRef idx="2">
+              <a:schemeClr val="accent1"/>
+            </a:effectRef>
+            <a:fontRef idx="minor">
+              <a:schemeClr val="lt1"/>
+            </a:fontRef>
+          </p:style>
+        </p:sp>
+        <p:sp>
+          <p:nvSpPr>
+            <p:cNvPr id="23" name="Rectangle 25"/>
+            <p:cNvSpPr/>
+            <p:nvPr/>
+          </p:nvSpPr>
+          <p:spPr>
+            <a:xfrm>
+              <a:off x="9603442" y="-8467"/>
+              <a:ext cx="2588558" cy="6866467"/>
+            </a:xfrm>
+            <a:custGeom>
+              <a:avLst/>
+              <a:gdLst/>
+              <a:ahLst/>
+              <a:cxnLst/>
+              <a:rect l="l" t="t" r="r" b="b"/>
+              <a:pathLst>
+                <a:path w="2573311" h="6866467">
+                  <a:moveTo>
+                    <a:pt x="0" y="0"/>
+                  </a:moveTo>
+                  <a:lnTo>
+                    <a:pt x="2573311" y="0"/>
+                  </a:lnTo>
+                  <a:lnTo>
+                    <a:pt x="2573311" y="6866467"/>
+                  </a:lnTo>
+                  <a:lnTo>
+                    <a:pt x="1202336" y="6866467"/>
+                  </a:lnTo>
+                  <a:lnTo>
+                    <a:pt x="0" y="0"/>
+                  </a:lnTo>
+                  <a:close/>
+                </a:path>
+              </a:pathLst>
+            </a:custGeom>
+            <a:solidFill>
+              <a:schemeClr val="accent1">
+                <a:alpha val="20000"/>
+              </a:schemeClr>
+            </a:solidFill>
+            <a:ln>
+              <a:noFill/>
+            </a:ln>
+            <a:effectLst/>
+          </p:spPr>
+          <p:style>
+            <a:lnRef idx="1">
+              <a:schemeClr val="accent1"/>
+            </a:lnRef>
+            <a:fillRef idx="3">
+              <a:schemeClr val="accent1"/>
+            </a:fillRef>
+            <a:effectRef idx="2">
+              <a:schemeClr val="accent1"/>
+            </a:effectRef>
+            <a:fontRef idx="minor">
+              <a:schemeClr val="lt1"/>
+            </a:fontRef>
+          </p:style>
+        </p:sp>
+        <p:sp>
+          <p:nvSpPr>
+            <p:cNvPr id="24" name="Isosceles Triangle 23"/>
+            <p:cNvSpPr/>
+            <p:nvPr/>
+          </p:nvSpPr>
+          <p:spPr>
+            <a:xfrm>
+              <a:off x="8932333" y="3048000"/>
+              <a:ext cx="3259667" cy="3810000"/>
+            </a:xfrm>
+            <a:prstGeom prst="triangle">
+              <a:avLst>
+                <a:gd name="adj" fmla="val 100000"/>
+              </a:avLst>
+            </a:prstGeom>
+            <a:solidFill>
+              <a:schemeClr val="accent2">
+                <a:alpha val="72000"/>
+              </a:schemeClr>
+            </a:solidFill>
+            <a:ln>
+              <a:noFill/>
+            </a:ln>
+            <a:effectLst/>
+          </p:spPr>
+          <p:style>
+            <a:lnRef idx="1">
+              <a:schemeClr val="accent1"/>
+            </a:lnRef>
+            <a:fillRef idx="3">
+              <a:schemeClr val="accent1"/>
+            </a:fillRef>
+            <a:effectRef idx="2">
+              <a:schemeClr val="accent1"/>
+            </a:effectRef>
+            <a:fontRef idx="minor">
+              <a:schemeClr val="lt1"/>
+            </a:fontRef>
+          </p:style>
+        </p:sp>
+        <p:sp>
+          <p:nvSpPr>
+            <p:cNvPr id="25" name="Rectangle 27"/>
+            <p:cNvSpPr/>
+            <p:nvPr/>
+          </p:nvSpPr>
+          <p:spPr>
+            <a:xfrm>
+              <a:off x="9334500" y="-8467"/>
+              <a:ext cx="2854326" cy="6866467"/>
+            </a:xfrm>
+            <a:custGeom>
+              <a:avLst/>
+              <a:gdLst/>
+              <a:ahLst/>
+              <a:cxnLst/>
+              <a:rect l="l" t="t" r="r" b="b"/>
+              <a:pathLst>
+                <a:path w="2858013" h="6866467">
+                  <a:moveTo>
+                    <a:pt x="0" y="0"/>
+                  </a:moveTo>
+                  <a:lnTo>
+                    <a:pt x="2858013" y="0"/>
+                  </a:lnTo>
+                  <a:lnTo>
+                    <a:pt x="2858013" y="6866467"/>
+                  </a:lnTo>
+                  <a:lnTo>
+                    <a:pt x="2473942" y="6866467"/>
+                  </a:lnTo>
+                  <a:lnTo>
+                    <a:pt x="0" y="0"/>
+                  </a:lnTo>
+                  <a:close/>
+                </a:path>
+              </a:pathLst>
+            </a:custGeom>
+            <a:solidFill>
+              <a:schemeClr val="accent2">
+                <a:lumMod val="75000"/>
+                <a:alpha val="70000"/>
+              </a:schemeClr>
+            </a:solidFill>
+            <a:ln>
+              <a:noFill/>
+            </a:ln>
+            <a:effectLst/>
+          </p:spPr>
+          <p:style>
+            <a:lnRef idx="1">
+              <a:schemeClr val="accent1"/>
+            </a:lnRef>
+            <a:fillRef idx="3">
+              <a:schemeClr val="accent1"/>
+            </a:fillRef>
+            <a:effectRef idx="2">
+              <a:schemeClr val="accent1"/>
+            </a:effectRef>
+            <a:fontRef idx="minor">
+              <a:schemeClr val="lt1"/>
+            </a:fontRef>
+          </p:style>
+        </p:sp>
+        <p:sp>
+          <p:nvSpPr>
+            <p:cNvPr id="26" name="Rectangle 28"/>
+            <p:cNvSpPr/>
+            <p:nvPr/>
+          </p:nvSpPr>
+          <p:spPr>
+            <a:xfrm>
+              <a:off x="10898730" y="-8467"/>
+              <a:ext cx="1290094" cy="6866467"/>
+            </a:xfrm>
+            <a:custGeom>
+              <a:avLst/>
+              <a:gdLst/>
+              <a:ahLst/>
+              <a:cxnLst/>
+              <a:rect l="l" t="t" r="r" b="b"/>
+              <a:pathLst>
+                <a:path w="1290094" h="6858000">
+                  <a:moveTo>
+                    <a:pt x="1019735" y="0"/>
+                  </a:moveTo>
+                  <a:lnTo>
+                    <a:pt x="1290094" y="0"/>
+                  </a:lnTo>
+                  <a:lnTo>
+                    <a:pt x="1290094" y="6858000"/>
+                  </a:lnTo>
+                  <a:lnTo>
+                    <a:pt x="0" y="6858000"/>
+                  </a:lnTo>
+                  <a:lnTo>
+                    <a:pt x="1019735" y="0"/>
+                  </a:lnTo>
+                  <a:close/>
+                </a:path>
+              </a:pathLst>
+            </a:custGeom>
+            <a:solidFill>
+              <a:schemeClr val="accent1">
+                <a:lumMod val="60000"/>
+                <a:lumOff val="40000"/>
+                <a:alpha val="70000"/>
+              </a:schemeClr>
+            </a:solidFill>
+            <a:ln>
+              <a:noFill/>
+            </a:ln>
+            <a:effectLst/>
+          </p:spPr>
+          <p:style>
+            <a:lnRef idx="1">
+              <a:schemeClr val="accent1"/>
+            </a:lnRef>
+            <a:fillRef idx="3">
+              <a:schemeClr val="accent1"/>
+            </a:fillRef>
+            <a:effectRef idx="2">
+              <a:schemeClr val="accent1"/>
+            </a:effectRef>
+            <a:fontRef idx="minor">
+              <a:schemeClr val="lt1"/>
+            </a:fontRef>
+          </p:style>
+        </p:sp>
+        <p:sp>
+          <p:nvSpPr>
+            <p:cNvPr id="27" name="Rectangle 29"/>
+            <p:cNvSpPr/>
+            <p:nvPr/>
+          </p:nvSpPr>
+          <p:spPr>
+            <a:xfrm>
+              <a:off x="10938999" y="-8467"/>
+              <a:ext cx="1249825" cy="6866467"/>
+            </a:xfrm>
+            <a:custGeom>
+              <a:avLst/>
+              <a:gdLst/>
+              <a:ahLst/>
+              <a:cxnLst/>
+              <a:rect l="l" t="t" r="r" b="b"/>
+              <a:pathLst>
+                <a:path w="1249825" h="6858000">
+                  <a:moveTo>
+                    <a:pt x="0" y="0"/>
+                  </a:moveTo>
+                  <a:lnTo>
+                    <a:pt x="1249825" y="0"/>
+                  </a:lnTo>
+                  <a:lnTo>
+                    <a:pt x="1249825" y="6858000"/>
+                  </a:lnTo>
+                  <a:lnTo>
+                    <a:pt x="1109382" y="6858000"/>
+                  </a:lnTo>
+                  <a:lnTo>
+                    <a:pt x="0" y="0"/>
+                  </a:lnTo>
+                  <a:close/>
+                </a:path>
+              </a:pathLst>
+            </a:custGeom>
+            <a:solidFill>
+              <a:schemeClr val="accent1">
+                <a:alpha val="65000"/>
+              </a:schemeClr>
+            </a:solidFill>
+            <a:ln>
+              <a:noFill/>
+            </a:ln>
+            <a:effectLst/>
+          </p:spPr>
+          <p:style>
+            <a:lnRef idx="1">
+              <a:schemeClr val="accent1"/>
+            </a:lnRef>
+            <a:fillRef idx="3">
+              <a:schemeClr val="accent1"/>
+            </a:fillRef>
+            <a:effectRef idx="2">
+              <a:schemeClr val="accent1"/>
+            </a:effectRef>
+            <a:fontRef idx="minor">
+              <a:schemeClr val="lt1"/>
+            </a:fontRef>
+          </p:style>
+        </p:sp>
+        <p:sp>
+          <p:nvSpPr>
+            <p:cNvPr id="28" name="Isosceles Triangle 27"/>
+            <p:cNvSpPr/>
+            <p:nvPr/>
+          </p:nvSpPr>
+          <p:spPr>
+            <a:xfrm>
+              <a:off x="10371666" y="3589867"/>
+              <a:ext cx="1817159" cy="3268133"/>
+            </a:xfrm>
+            <a:prstGeom prst="triangle">
+              <a:avLst>
+                <a:gd name="adj" fmla="val 100000"/>
+              </a:avLst>
+            </a:prstGeom>
+            <a:solidFill>
+              <a:schemeClr val="accent1">
+                <a:alpha val="80000"/>
+              </a:schemeClr>
+            </a:solidFill>
+            <a:ln>
+              <a:noFill/>
+            </a:ln>
+            <a:effectLst/>
+          </p:spPr>
+          <p:style>
+            <a:lnRef idx="1">
+              <a:schemeClr val="accent1"/>
+            </a:lnRef>
+            <a:fillRef idx="3">
+              <a:schemeClr val="accent1"/>
+            </a:fillRef>
+            <a:effectRef idx="2">
+              <a:schemeClr val="accent1"/>
+            </a:effectRef>
+            <a:fontRef idx="minor">
+              <a:schemeClr val="lt1"/>
+            </a:fontRef>
+          </p:style>
+        </p:sp>
+        <p:sp>
+          <p:nvSpPr>
+            <p:cNvPr id="29" name="Isosceles Triangle 28"/>
+            <p:cNvSpPr/>
+            <p:nvPr/>
+          </p:nvSpPr>
+          <p:spPr>
+            <a:xfrm>
+              <a:off x="0" y="4013200"/>
+              <a:ext cx="448733" cy="2844800"/>
+            </a:xfrm>
+            <a:prstGeom prst="triangle">
+              <a:avLst>
+                <a:gd name="adj" fmla="val 0"/>
+              </a:avLst>
+            </a:prstGeom>
+            <a:solidFill>
+              <a:schemeClr val="accent1">
+                <a:alpha val="85000"/>
+              </a:schemeClr>
+            </a:solidFill>
+            <a:ln>
+              <a:noFill/>
+            </a:ln>
+            <a:effectLst/>
+          </p:spPr>
+          <p:style>
+            <a:lnRef idx="1">
+              <a:schemeClr val="accent1"/>
+            </a:lnRef>
+            <a:fillRef idx="3">
+              <a:schemeClr val="accent1"/>
+            </a:fillRef>
+            <a:effectRef idx="2">
+              <a:schemeClr val="accent1"/>
+            </a:effectRef>
+            <a:fontRef idx="minor">
+              <a:schemeClr val="lt1"/>
+            </a:fontRef>
+          </p:style>
+        </p:sp>
+      </p:grpSp>
       <p:sp>
         <p:nvSpPr>
           <p:cNvPr id="2" name="Title Placeholder 1"/>
@@ -3332,15 +5190,15 @@
         </p:nvSpPr>
         <p:spPr>
           <a:xfrm>
-            <a:off x="1069848" y="484632"/>
-            <a:ext cx="10058400" cy="1609344"/>
+            <a:off x="677334" y="609600"/>
+            <a:ext cx="8596668" cy="1320800"/>
           </a:xfrm>
           <a:prstGeom prst="rect">
             <a:avLst/>
           </a:prstGeom>
         </p:spPr>
         <p:txBody>
-          <a:bodyPr vert="horz" lIns="91440" tIns="45720" rIns="91440" bIns="45720" rtlCol="0" anchor="ctr">
+          <a:bodyPr vert="horz" lIns="91440" tIns="45720" rIns="91440" bIns="45720" rtlCol="0" anchor="t">
             <a:normAutofit/>
           </a:bodyPr>
           <a:lstStyle/>
@@ -3365,8 +5223,8 @@
         </p:nvSpPr>
         <p:spPr>
           <a:xfrm>
-            <a:off x="1069848" y="2121408"/>
-            <a:ext cx="10058400" cy="4050792"/>
+            <a:off x="677334" y="2160589"/>
+            <a:ext cx="8596668" cy="3880773"/>
           </a:xfrm>
           <a:prstGeom prst="rect">
             <a:avLst/>
@@ -3427,8 +5285,8 @@
         </p:nvSpPr>
         <p:spPr>
           <a:xfrm>
-            <a:off x="7964424" y="6272784"/>
-            <a:ext cx="3273552" cy="365125"/>
+            <a:off x="7205133" y="6041362"/>
+            <a:ext cx="911939" cy="365125"/>
           </a:xfrm>
           <a:prstGeom prst="rect">
             <a:avLst/>
@@ -3438,9 +5296,11 @@
           <a:bodyPr vert="horz" lIns="91440" tIns="45720" rIns="91440" bIns="45720" rtlCol="0" anchor="ctr"/>
           <a:lstStyle>
             <a:lvl1pPr algn="r">
-              <a:defRPr sz="1100">
-                <a:solidFill>
-                  <a:schemeClr val="tx2"/>
+              <a:defRPr sz="900">
+                <a:solidFill>
+                  <a:schemeClr val="tx1">
+                    <a:tint val="75000"/>
+                  </a:schemeClr>
                 </a:solidFill>
               </a:defRPr>
             </a:lvl1pPr>
@@ -3448,7 +5308,7 @@
           <a:p>
             <a:fld id="{EE200CF6-9F19-4689-9131-46E2C2F9128E}" type="datetimeFigureOut">
               <a:rPr lang="en-IN" smtClean="0"/>
-              <a:t>07-04-2019</a:t>
+              <a:t>08-04-2019</a:t>
             </a:fld>
             <a:endParaRPr lang="en-IN"/>
           </a:p>
@@ -3466,8 +5326,8 @@
         </p:nvSpPr>
         <p:spPr>
           <a:xfrm>
-            <a:off x="1088136" y="6272784"/>
-            <a:ext cx="6327648" cy="365125"/>
+            <a:off x="677334" y="6041362"/>
+            <a:ext cx="6297612" cy="365125"/>
           </a:xfrm>
           <a:prstGeom prst="rect">
             <a:avLst/>
@@ -3477,9 +5337,11 @@
           <a:bodyPr vert="horz" lIns="91440" tIns="45720" rIns="91440" bIns="45720" rtlCol="0" anchor="ctr"/>
           <a:lstStyle>
             <a:lvl1pPr algn="l">
-              <a:defRPr sz="1100">
-                <a:solidFill>
-                  <a:schemeClr val="tx2"/>
+              <a:defRPr sz="900">
+                <a:solidFill>
+                  <a:schemeClr val="tx1">
+                    <a:tint val="75000"/>
+                  </a:schemeClr>
                 </a:solidFill>
               </a:defRPr>
             </a:lvl1pPr>
@@ -3489,95 +5351,6 @@
           </a:p>
         </p:txBody>
       </p:sp>
-      <p:grpSp>
-        <p:nvGrpSpPr>
-          <p:cNvPr id="7" name="Group 6"/>
-          <p:cNvGrpSpPr>
-            <a:grpSpLocks noChangeAspect="1"/>
-          </p:cNvGrpSpPr>
-          <p:nvPr/>
-        </p:nvGrpSpPr>
-        <p:grpSpPr>
-          <a:xfrm>
-            <a:off x="11401725" y="6229681"/>
-            <a:ext cx="457200" cy="457200"/>
-            <a:chOff x="11361456" y="6195813"/>
-            <a:chExt cx="548640" cy="548640"/>
-          </a:xfrm>
-        </p:grpSpPr>
-        <p:sp>
-          <p:nvSpPr>
-            <p:cNvPr id="8" name="Oval 7"/>
-            <p:cNvSpPr/>
-            <p:nvPr/>
-          </p:nvSpPr>
-          <p:spPr>
-            <a:xfrm>
-              <a:off x="11361456" y="6195813"/>
-              <a:ext cx="548640" cy="548640"/>
-            </a:xfrm>
-            <a:prstGeom prst="ellipse">
-              <a:avLst/>
-            </a:prstGeom>
-            <a:blipFill dpi="0" rotWithShape="1">
-              <a:blip r:embed="rId13">
-                <a:duotone>
-                  <a:schemeClr val="accent1">
-                    <a:shade val="45000"/>
-                    <a:satMod val="135000"/>
-                  </a:schemeClr>
-                  <a:prstClr val="white"/>
-                </a:duotone>
-                <a:extLst>
-                  <a:ext uri="{BEBA8EAE-BF5A-486C-A8C5-ECC9F3942E4B}">
-                    <a14:imgProps xmlns:a14="http://schemas.microsoft.com/office/drawing/2010/main">
-                      <a14:imgLayer r:embed="rId14">
-                        <a14:imgEffect>
-                          <a14:saturation sat="95000"/>
-                        </a14:imgEffect>
-                        <a14:imgEffect>
-                          <a14:brightnessContrast bright="-40000" contrast="20000"/>
-                        </a14:imgEffect>
-                      </a14:imgLayer>
-                    </a14:imgProps>
-                  </a:ext>
-                </a:extLst>
-              </a:blip>
-              <a:srcRect/>
-              <a:tile tx="50800" ty="0" sx="85000" sy="85000" flip="none" algn="tl"/>
-            </a:blipFill>
-            <a:ln w="25400" cap="flat" cmpd="sng" algn="ctr">
-              <a:noFill/>
-              <a:prstDash val="solid"/>
-            </a:ln>
-            <a:effectLst/>
-          </p:spPr>
-        </p:sp>
-        <p:sp>
-          <p:nvSpPr>
-            <p:cNvPr id="9" name="Oval 8"/>
-            <p:cNvSpPr/>
-            <p:nvPr/>
-          </p:nvSpPr>
-          <p:spPr>
-            <a:xfrm>
-              <a:off x="11396488" y="6230844"/>
-              <a:ext cx="478576" cy="478578"/>
-            </a:xfrm>
-            <a:prstGeom prst="ellipse">
-              <a:avLst/>
-            </a:prstGeom>
-            <a:noFill/>
-            <a:ln w="12700" cap="flat" cmpd="sng" algn="ctr">
-              <a:solidFill>
-                <a:srgbClr val="FFFFFF"/>
-              </a:solidFill>
-              <a:prstDash val="solid"/>
-            </a:ln>
-            <a:effectLst/>
-          </p:spPr>
-        </p:sp>
-      </p:grpSp>
       <p:sp>
         <p:nvSpPr>
           <p:cNvPr id="6" name="Slide Number Placeholder 5"/>
@@ -3590,8 +5363,8 @@
         </p:nvSpPr>
         <p:spPr>
           <a:xfrm>
-            <a:off x="11311128" y="6272784"/>
-            <a:ext cx="640080" cy="365125"/>
+            <a:off x="8590663" y="6041362"/>
+            <a:ext cx="683339" cy="365125"/>
           </a:xfrm>
           <a:prstGeom prst="rect">
             <a:avLst/>
@@ -3600,12 +5373,11 @@
         <p:txBody>
           <a:bodyPr vert="horz" lIns="91440" tIns="45720" rIns="91440" bIns="45720" rtlCol="0" anchor="ctr"/>
           <a:lstStyle>
-            <a:lvl1pPr algn="ctr">
-              <a:defRPr sz="1400" b="1">
-                <a:solidFill>
-                  <a:srgbClr val="FFFFFF"/>
-                </a:solidFill>
-                <a:latin typeface="+mj-lt"/>
+            <a:lvl1pPr algn="r">
+              <a:defRPr sz="900">
+                <a:solidFill>
+                  <a:schemeClr val="accent1"/>
+                </a:solidFill>
               </a:defRPr>
             </a:lvl1pPr>
           </a:lstStyle>
@@ -3621,286 +5393,322 @@
     </p:spTree>
     <p:extLst>
       <p:ext uri="{BB962C8B-B14F-4D97-AF65-F5344CB8AC3E}">
-        <p14:creationId xmlns:p14="http://schemas.microsoft.com/office/powerpoint/2010/main" val="2482283310"/>
+        <p14:creationId xmlns:p14="http://schemas.microsoft.com/office/powerpoint/2010/main" val="3420999579"/>
       </p:ext>
     </p:extLst>
   </p:cSld>
   <p:clrMap bg1="lt1" tx1="dk1" bg2="lt2" tx2="dk2" accent1="accent1" accent2="accent2" accent3="accent3" accent4="accent4" accent5="accent5" accent6="accent6" hlink="hlink" folHlink="folHlink"/>
   <p:sldLayoutIdLst>
-    <p:sldLayoutId id="2147483703" r:id="rId1"/>
-    <p:sldLayoutId id="2147483704" r:id="rId2"/>
-    <p:sldLayoutId id="2147483705" r:id="rId3"/>
-    <p:sldLayoutId id="2147483706" r:id="rId4"/>
-    <p:sldLayoutId id="2147483707" r:id="rId5"/>
-    <p:sldLayoutId id="2147483708" r:id="rId6"/>
-    <p:sldLayoutId id="2147483709" r:id="rId7"/>
-    <p:sldLayoutId id="2147483710" r:id="rId8"/>
-    <p:sldLayoutId id="2147483711" r:id="rId9"/>
-    <p:sldLayoutId id="2147483712" r:id="rId10"/>
-    <p:sldLayoutId id="2147483713" r:id="rId11"/>
+    <p:sldLayoutId id="2147483727" r:id="rId1"/>
+    <p:sldLayoutId id="2147483728" r:id="rId2"/>
+    <p:sldLayoutId id="2147483729" r:id="rId3"/>
+    <p:sldLayoutId id="2147483730" r:id="rId4"/>
+    <p:sldLayoutId id="2147483731" r:id="rId5"/>
+    <p:sldLayoutId id="2147483732" r:id="rId6"/>
+    <p:sldLayoutId id="2147483733" r:id="rId7"/>
+    <p:sldLayoutId id="2147483734" r:id="rId8"/>
+    <p:sldLayoutId id="2147483735" r:id="rId9"/>
+    <p:sldLayoutId id="2147483736" r:id="rId10"/>
+    <p:sldLayoutId id="2147483737" r:id="rId11"/>
+    <p:sldLayoutId id="2147483738" r:id="rId12"/>
+    <p:sldLayoutId id="2147483739" r:id="rId13"/>
+    <p:sldLayoutId id="2147483740" r:id="rId14"/>
+    <p:sldLayoutId id="2147483741" r:id="rId15"/>
+    <p:sldLayoutId id="2147483742" r:id="rId16"/>
   </p:sldLayoutIdLst>
   <p:txStyles>
     <p:titleStyle>
-      <a:lvl1pPr algn="l" defTabSz="914400" rtl="0" eaLnBrk="1" latinLnBrk="0" hangingPunct="1">
-        <a:lnSpc>
-          <a:spcPct val="90000"/>
-        </a:lnSpc>
+      <a:lvl1pPr algn="l" defTabSz="457200" rtl="0" eaLnBrk="1" latinLnBrk="0" hangingPunct="1">
         <a:spcBef>
           <a:spcPct val="0"/>
         </a:spcBef>
         <a:buNone/>
-        <a:defRPr sz="5400" kern="1200" cap="all" baseline="0">
-          <a:blipFill>
-            <a:blip r:embed="rId15">
-              <a:extLst>
-                <a:ext uri="{28A0092B-C50C-407E-A947-70E740481C1C}">
-                  <a14:useLocalDpi xmlns:a14="http://schemas.microsoft.com/office/drawing/2010/main" val="0"/>
-                </a:ext>
-              </a:extLst>
-            </a:blip>
-            <a:tile tx="6350" ty="-127000" sx="65000" sy="64000" flip="none" algn="tl"/>
-          </a:blipFill>
+        <a:defRPr sz="3600" kern="1200">
+          <a:solidFill>
+            <a:schemeClr val="accent1"/>
+          </a:solidFill>
           <a:latin typeface="+mj-lt"/>
           <a:ea typeface="+mj-ea"/>
           <a:cs typeface="+mj-cs"/>
         </a:defRPr>
       </a:lvl1pPr>
+      <a:lvl2pPr eaLnBrk="1" hangingPunct="1">
+        <a:defRPr>
+          <a:solidFill>
+            <a:schemeClr val="tx2"/>
+          </a:solidFill>
+        </a:defRPr>
+      </a:lvl2pPr>
+      <a:lvl3pPr eaLnBrk="1" hangingPunct="1">
+        <a:defRPr>
+          <a:solidFill>
+            <a:schemeClr val="tx2"/>
+          </a:solidFill>
+        </a:defRPr>
+      </a:lvl3pPr>
+      <a:lvl4pPr eaLnBrk="1" hangingPunct="1">
+        <a:defRPr>
+          <a:solidFill>
+            <a:schemeClr val="tx2"/>
+          </a:solidFill>
+        </a:defRPr>
+      </a:lvl4pPr>
+      <a:lvl5pPr eaLnBrk="1" hangingPunct="1">
+        <a:defRPr>
+          <a:solidFill>
+            <a:schemeClr val="tx2"/>
+          </a:solidFill>
+        </a:defRPr>
+      </a:lvl5pPr>
+      <a:lvl6pPr eaLnBrk="1" hangingPunct="1">
+        <a:defRPr>
+          <a:solidFill>
+            <a:schemeClr val="tx2"/>
+          </a:solidFill>
+        </a:defRPr>
+      </a:lvl6pPr>
+      <a:lvl7pPr eaLnBrk="1" hangingPunct="1">
+        <a:defRPr>
+          <a:solidFill>
+            <a:schemeClr val="tx2"/>
+          </a:solidFill>
+        </a:defRPr>
+      </a:lvl7pPr>
+      <a:lvl8pPr eaLnBrk="1" hangingPunct="1">
+        <a:defRPr>
+          <a:solidFill>
+            <a:schemeClr val="tx2"/>
+          </a:solidFill>
+        </a:defRPr>
+      </a:lvl8pPr>
+      <a:lvl9pPr eaLnBrk="1" hangingPunct="1">
+        <a:defRPr>
+          <a:solidFill>
+            <a:schemeClr val="tx2"/>
+          </a:solidFill>
+        </a:defRPr>
+      </a:lvl9pPr>
     </p:titleStyle>
     <p:bodyStyle>
-      <a:lvl1pPr marL="182880" indent="-182880" algn="l" defTabSz="914400" rtl="0" eaLnBrk="1" latinLnBrk="0" hangingPunct="1">
-        <a:lnSpc>
-          <a:spcPct val="90000"/>
-        </a:lnSpc>
+      <a:lvl1pPr marL="342900" indent="-342900" algn="l" defTabSz="457200" rtl="0" eaLnBrk="1" latinLnBrk="0" hangingPunct="1">
         <a:spcBef>
-          <a:spcPts val="1200"/>
+          <a:spcPts val="1000"/>
         </a:spcBef>
+        <a:spcAft>
+          <a:spcPts val="0"/>
+        </a:spcAft>
         <a:buClr>
-          <a:schemeClr val="accent1">
-            <a:lumMod val="75000"/>
-          </a:schemeClr>
+          <a:schemeClr val="accent1"/>
         </a:buClr>
-        <a:buSzPct val="85000"/>
-        <a:buFont typeface="Wingdings" pitchFamily="2" charset="2"/>
-        <a:buChar char="§"/>
-        <a:defRPr sz="2000" kern="1200">
+        <a:buSzPct val="80000"/>
+        <a:buFont typeface="Wingdings 3" charset="2"/>
+        <a:buChar char=""/>
+        <a:defRPr sz="1800" kern="1200">
           <a:solidFill>
-            <a:schemeClr val="tx1"/>
+            <a:schemeClr val="tx1">
+              <a:lumMod val="75000"/>
+              <a:lumOff val="25000"/>
+            </a:schemeClr>
           </a:solidFill>
           <a:latin typeface="+mn-lt"/>
           <a:ea typeface="+mn-ea"/>
           <a:cs typeface="+mn-cs"/>
         </a:defRPr>
       </a:lvl1pPr>
-      <a:lvl2pPr marL="457200" indent="-182880" algn="l" defTabSz="914400" rtl="0" eaLnBrk="1" latinLnBrk="0" hangingPunct="1">
-        <a:lnSpc>
-          <a:spcPct val="90000"/>
-        </a:lnSpc>
+      <a:lvl2pPr marL="742950" indent="-285750" algn="l" defTabSz="457200" rtl="0" eaLnBrk="1" latinLnBrk="0" hangingPunct="1">
         <a:spcBef>
-          <a:spcPts val="400"/>
+          <a:spcPts val="1000"/>
         </a:spcBef>
         <a:spcAft>
-          <a:spcPts val="200"/>
+          <a:spcPts val="0"/>
         </a:spcAft>
         <a:buClr>
-          <a:schemeClr val="accent1">
-            <a:lumMod val="75000"/>
-          </a:schemeClr>
+          <a:schemeClr val="accent1"/>
         </a:buClr>
-        <a:buSzPct val="85000"/>
-        <a:buFont typeface="Wingdings" pitchFamily="2" charset="2"/>
-        <a:buChar char="§"/>
-        <a:defRPr sz="1800" kern="1200">
+        <a:buSzPct val="80000"/>
+        <a:buFont typeface="Wingdings 3" charset="2"/>
+        <a:buChar char=""/>
+        <a:defRPr sz="1600" kern="1200">
           <a:solidFill>
-            <a:schemeClr val="tx1"/>
+            <a:schemeClr val="tx1">
+              <a:lumMod val="75000"/>
+              <a:lumOff val="25000"/>
+            </a:schemeClr>
           </a:solidFill>
           <a:latin typeface="+mn-lt"/>
           <a:ea typeface="+mn-ea"/>
           <a:cs typeface="+mn-cs"/>
         </a:defRPr>
       </a:lvl2pPr>
-      <a:lvl3pPr marL="731520" indent="-182880" algn="l" defTabSz="914400" rtl="0" eaLnBrk="1" latinLnBrk="0" hangingPunct="1">
-        <a:lnSpc>
-          <a:spcPct val="90000"/>
-        </a:lnSpc>
+      <a:lvl3pPr marL="1143000" indent="-228600" algn="l" defTabSz="457200" rtl="0" eaLnBrk="1" latinLnBrk="0" hangingPunct="1">
         <a:spcBef>
-          <a:spcPts val="400"/>
+          <a:spcPts val="1000"/>
         </a:spcBef>
         <a:spcAft>
-          <a:spcPts val="200"/>
+          <a:spcPts val="0"/>
         </a:spcAft>
         <a:buClr>
-          <a:schemeClr val="accent1">
-            <a:lumMod val="75000"/>
-          </a:schemeClr>
+          <a:schemeClr val="accent1"/>
         </a:buClr>
-        <a:buSzPct val="85000"/>
-        <a:buFont typeface="Wingdings" pitchFamily="2" charset="2"/>
-        <a:buChar char="§"/>
-        <a:defRPr sz="1600" kern="1200">
+        <a:buSzPct val="80000"/>
+        <a:buFont typeface="Wingdings 3" charset="2"/>
+        <a:buChar char=""/>
+        <a:defRPr sz="1400" kern="1200">
           <a:solidFill>
-            <a:schemeClr val="tx1"/>
+            <a:schemeClr val="tx1">
+              <a:lumMod val="75000"/>
+              <a:lumOff val="25000"/>
+            </a:schemeClr>
           </a:solidFill>
           <a:latin typeface="+mn-lt"/>
           <a:ea typeface="+mn-ea"/>
           <a:cs typeface="+mn-cs"/>
         </a:defRPr>
       </a:lvl3pPr>
-      <a:lvl4pPr marL="1005840" indent="-182880" algn="l" defTabSz="914400" rtl="0" eaLnBrk="1" latinLnBrk="0" hangingPunct="1">
-        <a:lnSpc>
-          <a:spcPct val="90000"/>
-        </a:lnSpc>
+      <a:lvl4pPr marL="1600200" indent="-228600" algn="l" defTabSz="457200" rtl="0" eaLnBrk="1" latinLnBrk="0" hangingPunct="1">
         <a:spcBef>
-          <a:spcPts val="400"/>
+          <a:spcPts val="1000"/>
         </a:spcBef>
         <a:spcAft>
-          <a:spcPts val="200"/>
+          <a:spcPts val="0"/>
         </a:spcAft>
         <a:buClr>
-          <a:schemeClr val="accent1">
-            <a:lumMod val="75000"/>
-          </a:schemeClr>
+          <a:schemeClr val="accent1"/>
         </a:buClr>
-        <a:buSzPct val="85000"/>
-        <a:buFont typeface="Wingdings" pitchFamily="2" charset="2"/>
-        <a:buChar char="§"/>
-        <a:defRPr sz="1600" kern="1200">
+        <a:buSzPct val="80000"/>
+        <a:buFont typeface="Wingdings 3" charset="2"/>
+        <a:buChar char=""/>
+        <a:defRPr sz="1200" kern="1200">
           <a:solidFill>
-            <a:schemeClr val="tx1"/>
+            <a:schemeClr val="tx1">
+              <a:lumMod val="75000"/>
+              <a:lumOff val="25000"/>
+            </a:schemeClr>
           </a:solidFill>
           <a:latin typeface="+mn-lt"/>
           <a:ea typeface="+mn-ea"/>
           <a:cs typeface="+mn-cs"/>
         </a:defRPr>
       </a:lvl4pPr>
-      <a:lvl5pPr marL="1280160" indent="-182880" algn="l" defTabSz="914400" rtl="0" eaLnBrk="1" latinLnBrk="0" hangingPunct="1">
-        <a:lnSpc>
-          <a:spcPct val="90000"/>
-        </a:lnSpc>
+      <a:lvl5pPr marL="2057400" indent="-228600" algn="l" defTabSz="457200" rtl="0" eaLnBrk="1" latinLnBrk="0" hangingPunct="1">
         <a:spcBef>
-          <a:spcPts val="400"/>
+          <a:spcPts val="1000"/>
         </a:spcBef>
         <a:spcAft>
-          <a:spcPts val="200"/>
+          <a:spcPts val="0"/>
         </a:spcAft>
         <a:buClr>
-          <a:schemeClr val="accent1">
-            <a:lumMod val="75000"/>
-          </a:schemeClr>
+          <a:schemeClr val="accent1"/>
         </a:buClr>
-        <a:buSzPct val="85000"/>
-        <a:buFont typeface="Wingdings" pitchFamily="2" charset="2"/>
-        <a:buChar char="§"/>
-        <a:defRPr sz="1600" kern="1200">
+        <a:buSzPct val="80000"/>
+        <a:buFont typeface="Wingdings 3" charset="2"/>
+        <a:buChar char=""/>
+        <a:defRPr sz="1200" kern="1200">
           <a:solidFill>
-            <a:schemeClr val="tx1"/>
+            <a:schemeClr val="tx1">
+              <a:lumMod val="75000"/>
+              <a:lumOff val="25000"/>
+            </a:schemeClr>
           </a:solidFill>
           <a:latin typeface="+mn-lt"/>
           <a:ea typeface="+mn-ea"/>
           <a:cs typeface="+mn-cs"/>
         </a:defRPr>
       </a:lvl5pPr>
-      <a:lvl6pPr marL="1600000" indent="-228600" algn="l" defTabSz="914400" rtl="0" eaLnBrk="1" latinLnBrk="0" hangingPunct="1">
-        <a:lnSpc>
-          <a:spcPct val="90000"/>
-        </a:lnSpc>
+      <a:lvl6pPr marL="2514600" indent="-228600" algn="l" defTabSz="457200" rtl="0" eaLnBrk="1" latinLnBrk="0" hangingPunct="1">
         <a:spcBef>
-          <a:spcPts val="400"/>
+          <a:spcPts val="1000"/>
         </a:spcBef>
         <a:spcAft>
-          <a:spcPts val="200"/>
+          <a:spcPts val="0"/>
         </a:spcAft>
         <a:buClr>
-          <a:schemeClr val="accent1">
-            <a:lumMod val="75000"/>
-          </a:schemeClr>
+          <a:schemeClr val="accent1"/>
         </a:buClr>
-        <a:buSzPct val="85000"/>
-        <a:buFont typeface="Wingdings" pitchFamily="2" charset="2"/>
-        <a:buChar char="§"/>
-        <a:defRPr sz="1600" kern="1200">
+        <a:buSzPct val="80000"/>
+        <a:buFont typeface="Wingdings 3" charset="2"/>
+        <a:buChar char=""/>
+        <a:defRPr sz="1200" kern="1200">
           <a:solidFill>
-            <a:schemeClr val="tx1"/>
+            <a:schemeClr val="tx1">
+              <a:lumMod val="75000"/>
+              <a:lumOff val="25000"/>
+            </a:schemeClr>
           </a:solidFill>
           <a:latin typeface="+mn-lt"/>
           <a:ea typeface="+mn-ea"/>
           <a:cs typeface="+mn-cs"/>
         </a:defRPr>
       </a:lvl6pPr>
-      <a:lvl7pPr marL="1900000" indent="-228600" algn="l" defTabSz="914400" rtl="0" eaLnBrk="1" latinLnBrk="0" hangingPunct="1">
-        <a:lnSpc>
-          <a:spcPct val="90000"/>
-        </a:lnSpc>
+      <a:lvl7pPr marL="2971800" indent="-228600" algn="l" defTabSz="457200" rtl="0" eaLnBrk="1" latinLnBrk="0" hangingPunct="1">
         <a:spcBef>
-          <a:spcPts val="400"/>
+          <a:spcPts val="1000"/>
         </a:spcBef>
         <a:spcAft>
-          <a:spcPts val="200"/>
+          <a:spcPts val="0"/>
         </a:spcAft>
         <a:buClr>
-          <a:schemeClr val="accent1">
-            <a:lumMod val="75000"/>
-          </a:schemeClr>
+          <a:schemeClr val="accent1"/>
         </a:buClr>
-        <a:buSzPct val="85000"/>
-        <a:buFont typeface="Wingdings" pitchFamily="2" charset="2"/>
-        <a:buChar char="§"/>
-        <a:defRPr sz="1600" kern="1200">
+        <a:buSzPct val="80000"/>
+        <a:buFont typeface="Wingdings 3" charset="2"/>
+        <a:buChar char=""/>
+        <a:defRPr sz="1200" kern="1200">
           <a:solidFill>
-            <a:schemeClr val="tx1"/>
+            <a:schemeClr val="tx1">
+              <a:lumMod val="75000"/>
+              <a:lumOff val="25000"/>
+            </a:schemeClr>
           </a:solidFill>
           <a:latin typeface="+mn-lt"/>
           <a:ea typeface="+mn-ea"/>
           <a:cs typeface="+mn-cs"/>
         </a:defRPr>
       </a:lvl7pPr>
-      <a:lvl8pPr marL="2200000" indent="-228600" algn="l" defTabSz="914400" rtl="0" eaLnBrk="1" latinLnBrk="0" hangingPunct="1">
-        <a:lnSpc>
-          <a:spcPct val="90000"/>
-        </a:lnSpc>
+      <a:lvl8pPr marL="3429000" indent="-228600" algn="l" defTabSz="457200" rtl="0" eaLnBrk="1" latinLnBrk="0" hangingPunct="1">
         <a:spcBef>
-          <a:spcPts val="400"/>
+          <a:spcPts val="1000"/>
         </a:spcBef>
         <a:spcAft>
-          <a:spcPts val="200"/>
+          <a:spcPts val="0"/>
         </a:spcAft>
         <a:buClr>
-          <a:schemeClr val="accent1">
-            <a:lumMod val="75000"/>
-          </a:schemeClr>
+          <a:schemeClr val="accent1"/>
         </a:buClr>
-        <a:buSzPct val="85000"/>
-        <a:buFont typeface="Wingdings" pitchFamily="2" charset="2"/>
-        <a:buChar char="§"/>
-        <a:defRPr sz="1600" kern="1200">
+        <a:buSzPct val="80000"/>
+        <a:buFont typeface="Wingdings 3" charset="2"/>
+        <a:buChar char=""/>
+        <a:defRPr sz="1200" kern="1200">
           <a:solidFill>
-            <a:schemeClr val="tx1"/>
+            <a:schemeClr val="tx1">
+              <a:lumMod val="75000"/>
+              <a:lumOff val="25000"/>
+            </a:schemeClr>
           </a:solidFill>
           <a:latin typeface="+mn-lt"/>
           <a:ea typeface="+mn-ea"/>
           <a:cs typeface="+mn-cs"/>
         </a:defRPr>
       </a:lvl8pPr>
-      <a:lvl9pPr marL="2500000" indent="-228600" algn="l" defTabSz="914400" rtl="0" eaLnBrk="1" latinLnBrk="0" hangingPunct="1">
-        <a:lnSpc>
-          <a:spcPct val="90000"/>
-        </a:lnSpc>
+      <a:lvl9pPr marL="3886200" indent="-228600" algn="l" defTabSz="457200" rtl="0" eaLnBrk="1" latinLnBrk="0" hangingPunct="1">
         <a:spcBef>
-          <a:spcPts val="400"/>
+          <a:spcPts val="1000"/>
         </a:spcBef>
         <a:spcAft>
-          <a:spcPts val="200"/>
+          <a:spcPts val="0"/>
         </a:spcAft>
         <a:buClr>
-          <a:schemeClr val="accent1">
-            <a:lumMod val="75000"/>
-          </a:schemeClr>
+          <a:schemeClr val="accent1"/>
         </a:buClr>
-        <a:buSzPct val="85000"/>
-        <a:buFont typeface="Wingdings" pitchFamily="2" charset="2"/>
-        <a:buChar char="§"/>
-        <a:defRPr sz="1600" kern="1200">
+        <a:buSzPct val="80000"/>
+        <a:buFont typeface="Wingdings 3" charset="2"/>
+        <a:buChar char=""/>
+        <a:defRPr sz="1200" kern="1200">
           <a:solidFill>
-            <a:schemeClr val="tx1"/>
+            <a:schemeClr val="tx1">
+              <a:lumMod val="75000"/>
+              <a:lumOff val="25000"/>
+            </a:schemeClr>
           </a:solidFill>
           <a:latin typeface="+mn-lt"/>
           <a:ea typeface="+mn-ea"/>
@@ -3912,7 +5720,7 @@
       <a:defPPr>
         <a:defRPr lang="en-US"/>
       </a:defPPr>
-      <a:lvl1pPr marL="0" algn="l" defTabSz="914400" rtl="0" eaLnBrk="1" latinLnBrk="0" hangingPunct="1">
+      <a:lvl1pPr marL="0" algn="l" defTabSz="457200" rtl="0" eaLnBrk="1" latinLnBrk="0" hangingPunct="1">
         <a:defRPr sz="1800" kern="1200">
           <a:solidFill>
             <a:schemeClr val="tx1"/>
@@ -3922,7 +5730,7 @@
           <a:cs typeface="+mn-cs"/>
         </a:defRPr>
       </a:lvl1pPr>
-      <a:lvl2pPr marL="457200" algn="l" defTabSz="914400" rtl="0" eaLnBrk="1" latinLnBrk="0" hangingPunct="1">
+      <a:lvl2pPr marL="457200" algn="l" defTabSz="457200" rtl="0" eaLnBrk="1" latinLnBrk="0" hangingPunct="1">
         <a:defRPr sz="1800" kern="1200">
           <a:solidFill>
             <a:schemeClr val="tx1"/>
@@ -3932,7 +5740,7 @@
           <a:cs typeface="+mn-cs"/>
         </a:defRPr>
       </a:lvl2pPr>
-      <a:lvl3pPr marL="914400" algn="l" defTabSz="914400" rtl="0" eaLnBrk="1" latinLnBrk="0" hangingPunct="1">
+      <a:lvl3pPr marL="914400" algn="l" defTabSz="457200" rtl="0" eaLnBrk="1" latinLnBrk="0" hangingPunct="1">
         <a:defRPr sz="1800" kern="1200">
           <a:solidFill>
             <a:schemeClr val="tx1"/>
@@ -3942,7 +5750,7 @@
           <a:cs typeface="+mn-cs"/>
         </a:defRPr>
       </a:lvl3pPr>
-      <a:lvl4pPr marL="1371600" algn="l" defTabSz="914400" rtl="0" eaLnBrk="1" latinLnBrk="0" hangingPunct="1">
+      <a:lvl4pPr marL="1371600" algn="l" defTabSz="457200" rtl="0" eaLnBrk="1" latinLnBrk="0" hangingPunct="1">
         <a:defRPr sz="1800" kern="1200">
           <a:solidFill>
             <a:schemeClr val="tx1"/>
@@ -3952,7 +5760,7 @@
           <a:cs typeface="+mn-cs"/>
         </a:defRPr>
       </a:lvl4pPr>
-      <a:lvl5pPr marL="1828800" algn="l" defTabSz="914400" rtl="0" eaLnBrk="1" latinLnBrk="0" hangingPunct="1">
+      <a:lvl5pPr marL="1828800" algn="l" defTabSz="457200" rtl="0" eaLnBrk="1" latinLnBrk="0" hangingPunct="1">
         <a:defRPr sz="1800" kern="1200">
           <a:solidFill>
             <a:schemeClr val="tx1"/>
@@ -3962,7 +5770,7 @@
           <a:cs typeface="+mn-cs"/>
         </a:defRPr>
       </a:lvl5pPr>
-      <a:lvl6pPr marL="2286000" algn="l" defTabSz="914400" rtl="0" eaLnBrk="1" latinLnBrk="0" hangingPunct="1">
+      <a:lvl6pPr marL="2286000" algn="l" defTabSz="457200" rtl="0" eaLnBrk="1" latinLnBrk="0" hangingPunct="1">
         <a:defRPr sz="1800" kern="1200">
           <a:solidFill>
             <a:schemeClr val="tx1"/>
@@ -3972,7 +5780,7 @@
           <a:cs typeface="+mn-cs"/>
         </a:defRPr>
       </a:lvl6pPr>
-      <a:lvl7pPr marL="2743200" algn="l" defTabSz="914400" rtl="0" eaLnBrk="1" latinLnBrk="0" hangingPunct="1">
+      <a:lvl7pPr marL="2743200" algn="l" defTabSz="457200" rtl="0" eaLnBrk="1" latinLnBrk="0" hangingPunct="1">
         <a:defRPr sz="1800" kern="1200">
           <a:solidFill>
             <a:schemeClr val="tx1"/>
@@ -3982,7 +5790,7 @@
           <a:cs typeface="+mn-cs"/>
         </a:defRPr>
       </a:lvl7pPr>
-      <a:lvl8pPr marL="3200400" algn="l" defTabSz="914400" rtl="0" eaLnBrk="1" latinLnBrk="0" hangingPunct="1">
+      <a:lvl8pPr marL="3200400" algn="l" defTabSz="457200" rtl="0" eaLnBrk="1" latinLnBrk="0" hangingPunct="1">
         <a:defRPr sz="1800" kern="1200">
           <a:solidFill>
             <a:schemeClr val="tx1"/>
@@ -3992,7 +5800,7 @@
           <a:cs typeface="+mn-cs"/>
         </a:defRPr>
       </a:lvl8pPr>
-      <a:lvl9pPr marL="3657600" algn="l" defTabSz="914400" rtl="0" eaLnBrk="1" latinLnBrk="0" hangingPunct="1">
+      <a:lvl9pPr marL="3657600" algn="l" defTabSz="457200" rtl="0" eaLnBrk="1" latinLnBrk="0" hangingPunct="1">
         <a:defRPr sz="1800" kern="1200">
           <a:solidFill>
             <a:schemeClr val="tx1"/>
@@ -4032,7 +5840,7 @@
         </p:nvSpPr>
         <p:spPr>
           <a:xfrm>
-            <a:off x="4898571" y="1449433"/>
+            <a:off x="4209675" y="1529181"/>
             <a:ext cx="5760720" cy="2800767"/>
           </a:xfrm>
           <a:prstGeom prst="rect">
@@ -4121,18 +5929,10 @@
           <a:lstStyle/>
           <a:p>
             <a:r>
-              <a:rPr lang="en-US" dirty="0" smtClean="0">
-                <a:solidFill>
-                  <a:schemeClr val="bg1"/>
-                </a:solidFill>
-              </a:rPr>
+              <a:rPr lang="en-US" dirty="0" smtClean="0"/>
               <a:t>Team Members</a:t>
             </a:r>
-            <a:endParaRPr lang="en-IN" dirty="0">
-              <a:solidFill>
-                <a:schemeClr val="bg1"/>
-              </a:solidFill>
-            </a:endParaRPr>
+            <a:endParaRPr lang="en-IN" dirty="0"/>
           </a:p>
         </p:txBody>
       </p:sp>
@@ -4159,98 +5959,50 @@
           <a:lstStyle/>
           <a:p>
             <a:r>
-              <a:rPr lang="en-US" dirty="0" smtClean="0">
-                <a:solidFill>
-                  <a:schemeClr val="bg1"/>
-                </a:solidFill>
-              </a:rPr>
+              <a:rPr lang="en-US" dirty="0" smtClean="0"/>
               <a:t>Rahul Kumar Dubey</a:t>
             </a:r>
           </a:p>
           <a:p>
             <a:r>
-              <a:rPr lang="en-US" dirty="0" err="1" smtClean="0">
-                <a:solidFill>
-                  <a:schemeClr val="bg1"/>
-                </a:solidFill>
-              </a:rPr>
+              <a:rPr lang="en-US" dirty="0" err="1" smtClean="0"/>
               <a:t>Jatinder</a:t>
             </a:r>
             <a:r>
-              <a:rPr lang="en-US" dirty="0" smtClean="0">
-                <a:solidFill>
-                  <a:schemeClr val="bg1"/>
-                </a:solidFill>
-              </a:rPr>
+              <a:rPr lang="en-US" dirty="0" smtClean="0"/>
               <a:t> Kumar </a:t>
             </a:r>
             <a:r>
-              <a:rPr lang="en-US" dirty="0" err="1" smtClean="0">
-                <a:solidFill>
-                  <a:schemeClr val="bg1"/>
-                </a:solidFill>
-              </a:rPr>
+              <a:rPr lang="en-US" dirty="0" err="1" smtClean="0"/>
               <a:t>Chaurasia</a:t>
             </a:r>
-            <a:endParaRPr lang="en-US" dirty="0" smtClean="0">
-              <a:solidFill>
-                <a:schemeClr val="bg1"/>
-              </a:solidFill>
-            </a:endParaRPr>
-          </a:p>
-          <a:p>
-            <a:r>
-              <a:rPr lang="en-US" dirty="0" err="1" smtClean="0">
-                <a:solidFill>
-                  <a:schemeClr val="bg1"/>
-                </a:solidFill>
-              </a:rPr>
+            <a:endParaRPr lang="en-US" dirty="0" smtClean="0"/>
+          </a:p>
+          <a:p>
+            <a:r>
+              <a:rPr lang="en-US" dirty="0" err="1" smtClean="0"/>
               <a:t>Aarti</a:t>
             </a:r>
             <a:r>
-              <a:rPr lang="en-US" dirty="0" smtClean="0">
-                <a:solidFill>
-                  <a:schemeClr val="bg1"/>
-                </a:solidFill>
-              </a:rPr>
+              <a:rPr lang="en-US" dirty="0" smtClean="0"/>
               <a:t> </a:t>
             </a:r>
             <a:r>
-              <a:rPr lang="en-US" dirty="0" err="1" smtClean="0">
-                <a:solidFill>
-                  <a:schemeClr val="bg1"/>
-                </a:solidFill>
-              </a:rPr>
+              <a:rPr lang="en-US" dirty="0" err="1" smtClean="0"/>
               <a:t>Verma</a:t>
             </a:r>
-            <a:endParaRPr lang="en-US" dirty="0" smtClean="0">
-              <a:solidFill>
-                <a:schemeClr val="bg1"/>
-              </a:solidFill>
-            </a:endParaRPr>
-          </a:p>
-          <a:p>
-            <a:r>
-              <a:rPr lang="en-US" dirty="0" smtClean="0">
-                <a:solidFill>
-                  <a:schemeClr val="bg1"/>
-                </a:solidFill>
-              </a:rPr>
+            <a:endParaRPr lang="en-US" dirty="0" smtClean="0"/>
+          </a:p>
+          <a:p>
+            <a:r>
+              <a:rPr lang="en-US" dirty="0" smtClean="0"/>
               <a:t>Sameer </a:t>
             </a:r>
             <a:r>
-              <a:rPr lang="en-US" dirty="0" err="1" smtClean="0">
-                <a:solidFill>
-                  <a:schemeClr val="bg1"/>
-                </a:solidFill>
-              </a:rPr>
+              <a:rPr lang="en-US" dirty="0" err="1" smtClean="0"/>
               <a:t>Chandwaskar</a:t>
             </a:r>
-            <a:endParaRPr lang="en-IN" dirty="0">
-              <a:solidFill>
-                <a:schemeClr val="bg1"/>
-              </a:solidFill>
-            </a:endParaRPr>
+            <a:endParaRPr lang="en-IN" dirty="0"/>
           </a:p>
         </p:txBody>
       </p:sp>
@@ -4307,18 +6059,10 @@
           <a:lstStyle/>
           <a:p>
             <a:r>
-              <a:rPr lang="en-US" dirty="0" smtClean="0">
-                <a:solidFill>
-                  <a:schemeClr val="bg1"/>
-                </a:solidFill>
-              </a:rPr>
+              <a:rPr lang="en-US" dirty="0" smtClean="0"/>
               <a:t>Project Guidance</a:t>
             </a:r>
-            <a:endParaRPr lang="en-IN" dirty="0">
-              <a:solidFill>
-                <a:schemeClr val="bg1"/>
-              </a:solidFill>
-            </a:endParaRPr>
+            <a:endParaRPr lang="en-IN" dirty="0"/>
           </a:p>
         </p:txBody>
       </p:sp>
@@ -4345,34 +6089,18 @@
           <a:lstStyle/>
           <a:p>
             <a:r>
-              <a:rPr lang="en-US" dirty="0" err="1" smtClean="0">
-                <a:solidFill>
-                  <a:schemeClr val="bg1"/>
-                </a:solidFill>
-              </a:rPr>
+              <a:rPr lang="en-US" dirty="0" err="1" smtClean="0"/>
               <a:t>Mr.Nilesh</a:t>
             </a:r>
             <a:r>
-              <a:rPr lang="en-US" dirty="0" smtClean="0">
-                <a:solidFill>
-                  <a:schemeClr val="bg1"/>
-                </a:solidFill>
-              </a:rPr>
+              <a:rPr lang="en-US" dirty="0" smtClean="0"/>
               <a:t> </a:t>
             </a:r>
             <a:r>
-              <a:rPr lang="en-US" dirty="0" err="1" smtClean="0">
-                <a:solidFill>
-                  <a:schemeClr val="bg1"/>
-                </a:solidFill>
-              </a:rPr>
+              <a:rPr lang="en-US" dirty="0" err="1" smtClean="0"/>
               <a:t>Gandhe</a:t>
             </a:r>
-            <a:endParaRPr lang="en-IN" dirty="0">
-              <a:solidFill>
-                <a:schemeClr val="bg1"/>
-              </a:solidFill>
-            </a:endParaRPr>
+            <a:endParaRPr lang="en-IN" dirty="0"/>
           </a:p>
         </p:txBody>
       </p:sp>
@@ -4437,18 +6165,10 @@
           <a:p>
             <a:pPr algn="just"/>
             <a:r>
-              <a:rPr lang="en-US" sz="2800" dirty="0" smtClean="0">
-                <a:solidFill>
-                  <a:schemeClr val="bg1"/>
-                </a:solidFill>
-              </a:rPr>
+              <a:rPr lang="en-US" sz="2800" dirty="0" smtClean="0"/>
               <a:t>What is On-Road Assistance</a:t>
             </a:r>
-            <a:endParaRPr lang="en-IN" sz="2800" dirty="0">
-              <a:solidFill>
-                <a:schemeClr val="bg1"/>
-              </a:solidFill>
-            </a:endParaRPr>
+            <a:endParaRPr lang="en-IN" sz="2800" dirty="0"/>
           </a:p>
         </p:txBody>
       </p:sp>
@@ -4476,27 +6196,17 @@
             <a:pPr algn="just"/>
             <a:r>
               <a:rPr lang="en-GB" dirty="0">
-                <a:solidFill>
-                  <a:schemeClr val="bg1"/>
-                </a:solidFill>
                 <a:latin typeface="Arial" panose="020B0604020202020204" pitchFamily="34" charset="0"/>
               </a:rPr>
               <a:t>With new vehicular addition to the roads each day, the traffic density has been creeping significantly </a:t>
             </a:r>
             <a:r>
               <a:rPr lang="en-GB" dirty="0" smtClean="0">
-                <a:solidFill>
-                  <a:schemeClr val="bg1"/>
-                </a:solidFill>
                 <a:latin typeface="Arial" panose="020B0604020202020204" pitchFamily="34" charset="0"/>
               </a:rPr>
               <a:t>.</a:t>
             </a:r>
-            <a:endParaRPr lang="en-IN" dirty="0">
-              <a:solidFill>
-                <a:schemeClr val="bg1"/>
-              </a:solidFill>
-            </a:endParaRPr>
+            <a:endParaRPr lang="en-IN" dirty="0"/>
           </a:p>
         </p:txBody>
       </p:sp>
@@ -4524,54 +6234,35 @@
             <a:pPr algn="just"/>
             <a:r>
               <a:rPr lang="en-GB" dirty="0">
-                <a:solidFill>
-                  <a:schemeClr val="bg1"/>
-                </a:solidFill>
                 <a:latin typeface="Arial" panose="020B0604020202020204" pitchFamily="34" charset="0"/>
               </a:rPr>
               <a:t>This causes more dependence on roadside assistance </a:t>
             </a:r>
             <a:r>
               <a:rPr lang="en-GB" dirty="0" smtClean="0">
-                <a:solidFill>
-                  <a:schemeClr val="bg1"/>
-                </a:solidFill>
                 <a:latin typeface="Arial" panose="020B0604020202020204" pitchFamily="34" charset="0"/>
               </a:rPr>
               <a:t>in situation </a:t>
             </a:r>
             <a:r>
               <a:rPr lang="en-GB" dirty="0">
-                <a:solidFill>
-                  <a:schemeClr val="bg1"/>
-                </a:solidFill>
                 <a:latin typeface="Arial" panose="020B0604020202020204" pitchFamily="34" charset="0"/>
               </a:rPr>
               <a:t>of vehicular breakdown, fuel insufficiency or accident. </a:t>
             </a:r>
             <a:r>
               <a:rPr lang="en-GB" dirty="0" smtClean="0">
-                <a:solidFill>
-                  <a:schemeClr val="bg1"/>
-                </a:solidFill>
                 <a:latin typeface="Arial" panose="020B0604020202020204" pitchFamily="34" charset="0"/>
               </a:rPr>
               <a:t>An app</a:t>
             </a:r>
             <a:r>
               <a:rPr lang="en-GB" dirty="0">
-                <a:solidFill>
-                  <a:schemeClr val="bg1"/>
-                </a:solidFill>
                 <a:latin typeface="Arial" panose="020B0604020202020204" pitchFamily="34" charset="0"/>
               </a:rPr>
               <a:t>, which shall let the users to request for an on-road assistance will be a game changer to the automobile industry. </a:t>
             </a:r>
-            <a:endParaRPr lang="en-IN" dirty="0">
-              <a:solidFill>
-                <a:schemeClr val="bg1"/>
-              </a:solidFill>
-            </a:endParaRPr>
+            <a:endParaRPr lang="en-IN" dirty="0"/>
           </a:p>
         </p:txBody>
       </p:sp>
@@ -4599,18 +6290,11 @@
             <a:pPr algn="just"/>
             <a:r>
               <a:rPr lang="en-GB" dirty="0">
-                <a:solidFill>
-                  <a:schemeClr val="bg1"/>
-                </a:solidFill>
                 <a:latin typeface="Arial" panose="020B0604020202020204" pitchFamily="34" charset="0"/>
               </a:rPr>
               <a:t>The solution developed will address the objective in a holistic manner and will have all the features and functionalities which shall let the portal allow a customer to perform a location based search, browse by the nature of service offered and contact info. This shall allow the mechanic to accept the request from the customer and a real time navigation can be performed. Customer rating for the service will be an added feature. </a:t>
             </a:r>
-            <a:endParaRPr lang="en-IN" dirty="0">
-              <a:solidFill>
-                <a:schemeClr val="bg1"/>
-              </a:solidFill>
-            </a:endParaRPr>
+            <a:endParaRPr lang="en-IN" dirty="0"/>
           </a:p>
         </p:txBody>
       </p:sp>
@@ -4675,18 +6359,10 @@
           <a:p>
             <a:pPr algn="just"/>
             <a:r>
-              <a:rPr lang="en-US" sz="2800" dirty="0" smtClean="0">
-                <a:solidFill>
-                  <a:schemeClr val="bg1"/>
-                </a:solidFill>
-              </a:rPr>
+              <a:rPr lang="en-US" sz="2800" dirty="0" smtClean="0"/>
               <a:t>Objectives</a:t>
             </a:r>
-            <a:endParaRPr lang="en-IN" sz="2800" dirty="0">
-              <a:solidFill>
-                <a:schemeClr val="bg1"/>
-              </a:solidFill>
-            </a:endParaRPr>
+            <a:endParaRPr lang="en-IN" sz="2800" dirty="0"/>
           </a:p>
         </p:txBody>
       </p:sp>
@@ -4729,11 +6405,7 @@
                 <a:buFont typeface="Arial" panose="020B0604020202020204" pitchFamily="34" charset="0"/>
                 <a:buChar char="•"/>
               </a:pPr>
-              <a:endParaRPr lang="en-IN" sz="2400" dirty="0">
-                <a:solidFill>
-                  <a:schemeClr val="bg1"/>
-                </a:solidFill>
-              </a:endParaRPr>
+              <a:endParaRPr lang="en-IN" sz="2400" dirty="0"/>
             </a:p>
             <a:p>
               <a:pPr marL="285750" indent="-285750" algn="just">
@@ -4741,11 +6413,7 @@
                 <a:buChar char="•"/>
               </a:pPr>
               <a:r>
-                <a:rPr lang="en-GB" sz="2400" dirty="0">
-                  <a:solidFill>
-                    <a:schemeClr val="bg1"/>
-                  </a:solidFill>
-                </a:rPr>
+                <a:rPr lang="en-GB" sz="2400" dirty="0"/>
                 <a:t>Customer and Mechanic registration and credential authentication. </a:t>
               </a:r>
             </a:p>
@@ -4776,11 +6444,7 @@
                 <a:buFont typeface="Arial" panose="020B0604020202020204" pitchFamily="34" charset="0"/>
                 <a:buChar char="•"/>
               </a:pPr>
-              <a:endParaRPr lang="en-IN" sz="2400" dirty="0">
-                <a:solidFill>
-                  <a:schemeClr val="bg1"/>
-                </a:solidFill>
-              </a:endParaRPr>
+              <a:endParaRPr lang="en-IN" sz="2400" dirty="0"/>
             </a:p>
             <a:p>
               <a:pPr marL="285750" indent="-285750" algn="just">
@@ -4788,11 +6452,7 @@
                 <a:buChar char="•"/>
               </a:pPr>
               <a:r>
-                <a:rPr lang="en-GB" sz="2400" dirty="0">
-                  <a:solidFill>
-                    <a:schemeClr val="bg1"/>
-                  </a:solidFill>
-                </a:rPr>
+                <a:rPr lang="en-GB" sz="2400" dirty="0"/>
                 <a:t>Requests for service by customer. </a:t>
               </a:r>
             </a:p>
@@ -4823,11 +6483,7 @@
                 <a:buFont typeface="Arial" panose="020B0604020202020204" pitchFamily="34" charset="0"/>
                 <a:buChar char="•"/>
               </a:pPr>
-              <a:endParaRPr lang="en-IN" sz="2400" dirty="0">
-                <a:solidFill>
-                  <a:schemeClr val="bg1"/>
-                </a:solidFill>
-              </a:endParaRPr>
+              <a:endParaRPr lang="en-IN" sz="2400" dirty="0"/>
             </a:p>
             <a:p>
               <a:pPr marL="285750" indent="-285750" algn="just">
@@ -4835,11 +6491,7 @@
                 <a:buChar char="•"/>
               </a:pPr>
               <a:r>
-                <a:rPr lang="en-GB" sz="2400" dirty="0">
-                  <a:solidFill>
-                    <a:schemeClr val="bg1"/>
-                  </a:solidFill>
-                </a:rPr>
+                <a:rPr lang="en-GB" sz="2400" dirty="0"/>
                 <a:t>Location based searching of mechanics. </a:t>
               </a:r>
             </a:p>
@@ -4871,9 +6523,6 @@
                 <a:buChar char="•"/>
               </a:pPr>
               <a:endParaRPr lang="en-IN" sz="3600" dirty="0">
-                <a:solidFill>
-                  <a:schemeClr val="bg1"/>
-                </a:solidFill>
                 <a:latin typeface="Arial" panose="020B0604020202020204" pitchFamily="34" charset="0"/>
               </a:endParaRPr>
             </a:p>
@@ -4884,9 +6533,6 @@
               </a:pPr>
               <a:r>
                 <a:rPr lang="en-GB" sz="2400" dirty="0">
-                  <a:solidFill>
-                    <a:schemeClr val="bg1"/>
-                  </a:solidFill>
                   <a:latin typeface="Arial" panose="020B0604020202020204" pitchFamily="34" charset="0"/>
                 </a:rPr>
                 <a:t>Accepting requests made by customer and providing service. </a:t>
@@ -4919,11 +6565,7 @@
                 <a:buFont typeface="Arial" panose="020B0604020202020204" pitchFamily="34" charset="0"/>
                 <a:buChar char="•"/>
               </a:pPr>
-              <a:endParaRPr lang="en-IN" sz="2400" dirty="0">
-                <a:solidFill>
-                  <a:schemeClr val="bg1"/>
-                </a:solidFill>
-              </a:endParaRPr>
+              <a:endParaRPr lang="en-IN" sz="2400" dirty="0"/>
             </a:p>
             <a:p>
               <a:pPr marL="285750" indent="-285750" algn="just">
@@ -4931,11 +6573,7 @@
                 <a:buChar char="•"/>
               </a:pPr>
               <a:r>
-                <a:rPr lang="en-IN" sz="2400" dirty="0">
-                  <a:solidFill>
-                    <a:schemeClr val="bg1"/>
-                  </a:solidFill>
-                </a:rPr>
+                <a:rPr lang="en-IN" sz="2400" dirty="0"/>
                 <a:t>Real time navigation. </a:t>
               </a:r>
             </a:p>
@@ -4962,10 +6600,841 @@
 </p:sld>
 </file>
 
+<file path=ppt/slides/slide4.xml><?xml version="1.0" encoding="utf-8"?>
+<p:sld xmlns:a="http://schemas.openxmlformats.org/drawingml/2006/main" xmlns:r="http://schemas.openxmlformats.org/officeDocument/2006/relationships" xmlns:p="http://schemas.openxmlformats.org/presentationml/2006/main">
+  <p:cSld>
+    <p:spTree>
+      <p:nvGrpSpPr>
+        <p:cNvPr id="1" name=""/>
+        <p:cNvGrpSpPr/>
+        <p:nvPr/>
+      </p:nvGrpSpPr>
+      <p:grpSpPr>
+        <a:xfrm>
+          <a:off x="0" y="0"/>
+          <a:ext cx="0" cy="0"/>
+          <a:chOff x="0" y="0"/>
+          <a:chExt cx="0" cy="0"/>
+        </a:xfrm>
+      </p:grpSpPr>
+      <p:sp>
+        <p:nvSpPr>
+          <p:cNvPr id="4" name="Oval 3"/>
+          <p:cNvSpPr/>
+          <p:nvPr/>
+        </p:nvSpPr>
+        <p:spPr>
+          <a:xfrm>
+            <a:off x="4894731" y="53789"/>
+            <a:ext cx="2245658" cy="2124635"/>
+          </a:xfrm>
+          <a:prstGeom prst="ellipse">
+            <a:avLst/>
+          </a:prstGeom>
+        </p:spPr>
+        <p:style>
+          <a:lnRef idx="2">
+            <a:schemeClr val="accent1">
+              <a:shade val="50000"/>
+            </a:schemeClr>
+          </a:lnRef>
+          <a:fillRef idx="1">
+            <a:schemeClr val="accent1"/>
+          </a:fillRef>
+          <a:effectRef idx="0">
+            <a:schemeClr val="accent1"/>
+          </a:effectRef>
+          <a:fontRef idx="minor">
+            <a:schemeClr val="lt1"/>
+          </a:fontRef>
+        </p:style>
+        <p:txBody>
+          <a:bodyPr rtlCol="0" anchor="ctr"/>
+          <a:lstStyle/>
+          <a:p>
+            <a:pPr algn="ctr"/>
+            <a:r>
+              <a:rPr lang="en-US" dirty="0" smtClean="0"/>
+              <a:t>Signup Page: User registers either as mechanic or customer</a:t>
+            </a:r>
+            <a:endParaRPr lang="en-US" dirty="0"/>
+          </a:p>
+        </p:txBody>
+      </p:sp>
+      <p:sp>
+        <p:nvSpPr>
+          <p:cNvPr id="5" name="Rectangle 4"/>
+          <p:cNvSpPr/>
+          <p:nvPr/>
+        </p:nvSpPr>
+        <p:spPr>
+          <a:xfrm>
+            <a:off x="416858" y="495304"/>
+            <a:ext cx="2460812" cy="914400"/>
+          </a:xfrm>
+          <a:prstGeom prst="rect">
+            <a:avLst/>
+          </a:prstGeom>
+        </p:spPr>
+        <p:style>
+          <a:lnRef idx="2">
+            <a:schemeClr val="accent1">
+              <a:shade val="50000"/>
+            </a:schemeClr>
+          </a:lnRef>
+          <a:fillRef idx="1">
+            <a:schemeClr val="accent1"/>
+          </a:fillRef>
+          <a:effectRef idx="0">
+            <a:schemeClr val="accent1"/>
+          </a:effectRef>
+          <a:fontRef idx="minor">
+            <a:schemeClr val="lt1"/>
+          </a:fontRef>
+        </p:style>
+        <p:txBody>
+          <a:bodyPr rtlCol="0" anchor="ctr"/>
+          <a:lstStyle/>
+          <a:p>
+            <a:pPr algn="ctr"/>
+            <a:r>
+              <a:rPr lang="en-US" sz="1600" dirty="0" smtClean="0"/>
+              <a:t>Login Page: Mechanic Login with Valid Credentials.</a:t>
+            </a:r>
+            <a:endParaRPr lang="en-US" sz="1600" dirty="0"/>
+          </a:p>
+        </p:txBody>
+      </p:sp>
+      <p:sp>
+        <p:nvSpPr>
+          <p:cNvPr id="7" name="Rectangle 6"/>
+          <p:cNvSpPr/>
+          <p:nvPr/>
+        </p:nvSpPr>
+        <p:spPr>
+          <a:xfrm>
+            <a:off x="9345706" y="495304"/>
+            <a:ext cx="2460812" cy="914400"/>
+          </a:xfrm>
+          <a:prstGeom prst="rect">
+            <a:avLst/>
+          </a:prstGeom>
+        </p:spPr>
+        <p:style>
+          <a:lnRef idx="2">
+            <a:schemeClr val="accent1">
+              <a:shade val="50000"/>
+            </a:schemeClr>
+          </a:lnRef>
+          <a:fillRef idx="1">
+            <a:schemeClr val="accent1"/>
+          </a:fillRef>
+          <a:effectRef idx="0">
+            <a:schemeClr val="accent1"/>
+          </a:effectRef>
+          <a:fontRef idx="minor">
+            <a:schemeClr val="lt1"/>
+          </a:fontRef>
+        </p:style>
+        <p:txBody>
+          <a:bodyPr rtlCol="0" anchor="ctr"/>
+          <a:lstStyle/>
+          <a:p>
+            <a:pPr algn="ctr"/>
+            <a:r>
+              <a:rPr lang="en-US" sz="1600" dirty="0" smtClean="0"/>
+              <a:t>Login Page: Customer Login with Valid Credentials.</a:t>
+            </a:r>
+            <a:endParaRPr lang="en-US" sz="1600" dirty="0"/>
+          </a:p>
+        </p:txBody>
+      </p:sp>
+      <p:sp>
+        <p:nvSpPr>
+          <p:cNvPr id="8" name="Rectangle 7"/>
+          <p:cNvSpPr/>
+          <p:nvPr/>
+        </p:nvSpPr>
+        <p:spPr>
+          <a:xfrm>
+            <a:off x="605117" y="1919570"/>
+            <a:ext cx="2124636" cy="1734671"/>
+          </a:xfrm>
+          <a:prstGeom prst="rect">
+            <a:avLst/>
+          </a:prstGeom>
+        </p:spPr>
+        <p:style>
+          <a:lnRef idx="2">
+            <a:schemeClr val="accent1">
+              <a:shade val="50000"/>
+            </a:schemeClr>
+          </a:lnRef>
+          <a:fillRef idx="1">
+            <a:schemeClr val="accent1"/>
+          </a:fillRef>
+          <a:effectRef idx="0">
+            <a:schemeClr val="accent1"/>
+          </a:effectRef>
+          <a:fontRef idx="minor">
+            <a:schemeClr val="lt1"/>
+          </a:fontRef>
+        </p:style>
+        <p:txBody>
+          <a:bodyPr rtlCol="0" anchor="ctr"/>
+          <a:lstStyle/>
+          <a:p>
+            <a:pPr algn="ctr"/>
+            <a:r>
+              <a:rPr lang="en-US" dirty="0" smtClean="0"/>
+              <a:t>Service Page : Mechanic offer service by selecting request from a customer.</a:t>
+            </a:r>
+            <a:endParaRPr lang="en-US" dirty="0"/>
+          </a:p>
+        </p:txBody>
+      </p:sp>
+      <p:sp>
+        <p:nvSpPr>
+          <p:cNvPr id="9" name="Rectangle 8"/>
+          <p:cNvSpPr/>
+          <p:nvPr/>
+        </p:nvSpPr>
+        <p:spPr>
+          <a:xfrm>
+            <a:off x="9446559" y="1919570"/>
+            <a:ext cx="2124636" cy="1734671"/>
+          </a:xfrm>
+          <a:prstGeom prst="rect">
+            <a:avLst/>
+          </a:prstGeom>
+        </p:spPr>
+        <p:style>
+          <a:lnRef idx="2">
+            <a:schemeClr val="accent1">
+              <a:shade val="50000"/>
+            </a:schemeClr>
+          </a:lnRef>
+          <a:fillRef idx="1">
+            <a:schemeClr val="accent1"/>
+          </a:fillRef>
+          <a:effectRef idx="0">
+            <a:schemeClr val="accent1"/>
+          </a:effectRef>
+          <a:fontRef idx="minor">
+            <a:schemeClr val="lt1"/>
+          </a:fontRef>
+        </p:style>
+        <p:txBody>
+          <a:bodyPr rtlCol="0" anchor="ctr"/>
+          <a:lstStyle/>
+          <a:p>
+            <a:pPr algn="ctr"/>
+            <a:r>
+              <a:rPr lang="en-US" dirty="0" smtClean="0"/>
+              <a:t>Request Page : Customer sends request for help by sending details about themselves and location.</a:t>
+            </a:r>
+            <a:endParaRPr lang="en-US" dirty="0"/>
+          </a:p>
+        </p:txBody>
+      </p:sp>
+      <p:sp>
+        <p:nvSpPr>
+          <p:cNvPr id="10" name="Rectangle 9"/>
+          <p:cNvSpPr/>
+          <p:nvPr/>
+        </p:nvSpPr>
+        <p:spPr>
+          <a:xfrm>
+            <a:off x="430305" y="4522691"/>
+            <a:ext cx="2447365" cy="1734671"/>
+          </a:xfrm>
+          <a:prstGeom prst="rect">
+            <a:avLst/>
+          </a:prstGeom>
+        </p:spPr>
+        <p:style>
+          <a:lnRef idx="2">
+            <a:schemeClr val="accent1">
+              <a:shade val="50000"/>
+            </a:schemeClr>
+          </a:lnRef>
+          <a:fillRef idx="1">
+            <a:schemeClr val="accent1"/>
+          </a:fillRef>
+          <a:effectRef idx="0">
+            <a:schemeClr val="accent1"/>
+          </a:effectRef>
+          <a:fontRef idx="minor">
+            <a:schemeClr val="lt1"/>
+          </a:fontRef>
+        </p:style>
+        <p:txBody>
+          <a:bodyPr rtlCol="0" anchor="ctr"/>
+          <a:lstStyle/>
+          <a:p>
+            <a:pPr algn="ctr"/>
+            <a:r>
+              <a:rPr lang="en-US" dirty="0" smtClean="0"/>
+              <a:t>Real time Navigation: customer and mechanic uses real time navigation to identify the current location.</a:t>
+            </a:r>
+            <a:endParaRPr lang="en-US" dirty="0"/>
+          </a:p>
+        </p:txBody>
+      </p:sp>
+      <p:sp>
+        <p:nvSpPr>
+          <p:cNvPr id="11" name="Rectangle 10"/>
+          <p:cNvSpPr/>
+          <p:nvPr/>
+        </p:nvSpPr>
+        <p:spPr>
+          <a:xfrm>
+            <a:off x="9359153" y="4164107"/>
+            <a:ext cx="2447365" cy="1376087"/>
+          </a:xfrm>
+          <a:prstGeom prst="rect">
+            <a:avLst/>
+          </a:prstGeom>
+        </p:spPr>
+        <p:style>
+          <a:lnRef idx="2">
+            <a:schemeClr val="accent1">
+              <a:shade val="50000"/>
+            </a:schemeClr>
+          </a:lnRef>
+          <a:fillRef idx="1">
+            <a:schemeClr val="accent1"/>
+          </a:fillRef>
+          <a:effectRef idx="0">
+            <a:schemeClr val="accent1"/>
+          </a:effectRef>
+          <a:fontRef idx="minor">
+            <a:schemeClr val="lt1"/>
+          </a:fontRef>
+        </p:style>
+        <p:txBody>
+          <a:bodyPr rtlCol="0" anchor="ctr"/>
+          <a:lstStyle/>
+          <a:p>
+            <a:pPr algn="ctr"/>
+            <a:r>
+              <a:rPr lang="en-US" dirty="0" smtClean="0"/>
+              <a:t>Search Mechanics : Customer selects  a mechanic based on mechanic ratings.</a:t>
+            </a:r>
+            <a:endParaRPr lang="en-US" dirty="0"/>
+          </a:p>
+        </p:txBody>
+      </p:sp>
+      <p:sp>
+        <p:nvSpPr>
+          <p:cNvPr id="12" name="Rectangle 11"/>
+          <p:cNvSpPr/>
+          <p:nvPr/>
+        </p:nvSpPr>
+        <p:spPr>
+          <a:xfrm>
+            <a:off x="4885759" y="5150221"/>
+            <a:ext cx="2447365" cy="1376087"/>
+          </a:xfrm>
+          <a:prstGeom prst="rect">
+            <a:avLst/>
+          </a:prstGeom>
+        </p:spPr>
+        <p:style>
+          <a:lnRef idx="2">
+            <a:schemeClr val="accent1">
+              <a:shade val="50000"/>
+            </a:schemeClr>
+          </a:lnRef>
+          <a:fillRef idx="1">
+            <a:schemeClr val="accent1"/>
+          </a:fillRef>
+          <a:effectRef idx="0">
+            <a:schemeClr val="accent1"/>
+          </a:effectRef>
+          <a:fontRef idx="minor">
+            <a:schemeClr val="lt1"/>
+          </a:fontRef>
+        </p:style>
+        <p:txBody>
+          <a:bodyPr rtlCol="0" anchor="ctr"/>
+          <a:lstStyle/>
+          <a:p>
+            <a:pPr algn="ctr"/>
+            <a:r>
+              <a:rPr lang="en-US" dirty="0" smtClean="0"/>
+              <a:t>Rating : </a:t>
+            </a:r>
+          </a:p>
+          <a:p>
+            <a:pPr algn="ctr"/>
+            <a:r>
+              <a:rPr lang="en-US" dirty="0" smtClean="0"/>
+              <a:t>Customer rates mechanics.</a:t>
+            </a:r>
+            <a:endParaRPr lang="en-US" dirty="0"/>
+          </a:p>
+        </p:txBody>
+      </p:sp>
+      <p:cxnSp>
+        <p:nvCxnSpPr>
+          <p:cNvPr id="14" name="Straight Arrow Connector 13"/>
+          <p:cNvCxnSpPr>
+            <a:stCxn id="4" idx="2"/>
+          </p:cNvCxnSpPr>
+          <p:nvPr/>
+        </p:nvCxnSpPr>
+        <p:spPr>
+          <a:xfrm flipH="1" flipV="1">
+            <a:off x="2877670" y="1116106"/>
+            <a:ext cx="2017061" cy="1"/>
+          </a:xfrm>
+          <a:prstGeom prst="straightConnector1">
+            <a:avLst/>
+          </a:prstGeom>
+          <a:ln>
+            <a:tailEnd type="triangle"/>
+          </a:ln>
+        </p:spPr>
+        <p:style>
+          <a:lnRef idx="1">
+            <a:schemeClr val="dk1"/>
+          </a:lnRef>
+          <a:fillRef idx="0">
+            <a:schemeClr val="dk1"/>
+          </a:fillRef>
+          <a:effectRef idx="0">
+            <a:schemeClr val="dk1"/>
+          </a:effectRef>
+          <a:fontRef idx="minor">
+            <a:schemeClr val="tx1"/>
+          </a:fontRef>
+        </p:style>
+      </p:cxnSp>
+      <p:cxnSp>
+        <p:nvCxnSpPr>
+          <p:cNvPr id="16" name="Straight Arrow Connector 15"/>
+          <p:cNvCxnSpPr>
+            <a:stCxn id="4" idx="6"/>
+          </p:cNvCxnSpPr>
+          <p:nvPr/>
+        </p:nvCxnSpPr>
+        <p:spPr>
+          <a:xfrm flipV="1">
+            <a:off x="7140389" y="1116106"/>
+            <a:ext cx="2218764" cy="1"/>
+          </a:xfrm>
+          <a:prstGeom prst="straightConnector1">
+            <a:avLst/>
+          </a:prstGeom>
+          <a:ln>
+            <a:tailEnd type="triangle"/>
+          </a:ln>
+        </p:spPr>
+        <p:style>
+          <a:lnRef idx="1">
+            <a:schemeClr val="dk1"/>
+          </a:lnRef>
+          <a:fillRef idx="0">
+            <a:schemeClr val="dk1"/>
+          </a:fillRef>
+          <a:effectRef idx="0">
+            <a:schemeClr val="dk1"/>
+          </a:effectRef>
+          <a:fontRef idx="minor">
+            <a:schemeClr val="tx1"/>
+          </a:fontRef>
+        </p:style>
+      </p:cxnSp>
+      <p:cxnSp>
+        <p:nvCxnSpPr>
+          <p:cNvPr id="20" name="Straight Arrow Connector 19"/>
+          <p:cNvCxnSpPr>
+            <a:stCxn id="7" idx="2"/>
+          </p:cNvCxnSpPr>
+          <p:nvPr/>
+        </p:nvCxnSpPr>
+        <p:spPr>
+          <a:xfrm>
+            <a:off x="10576112" y="1409704"/>
+            <a:ext cx="6723" cy="509866"/>
+          </a:xfrm>
+          <a:prstGeom prst="straightConnector1">
+            <a:avLst/>
+          </a:prstGeom>
+          <a:ln>
+            <a:tailEnd type="triangle"/>
+          </a:ln>
+        </p:spPr>
+        <p:style>
+          <a:lnRef idx="1">
+            <a:schemeClr val="dk1"/>
+          </a:lnRef>
+          <a:fillRef idx="0">
+            <a:schemeClr val="dk1"/>
+          </a:fillRef>
+          <a:effectRef idx="0">
+            <a:schemeClr val="dk1"/>
+          </a:effectRef>
+          <a:fontRef idx="minor">
+            <a:schemeClr val="tx1"/>
+          </a:fontRef>
+        </p:style>
+      </p:cxnSp>
+      <p:cxnSp>
+        <p:nvCxnSpPr>
+          <p:cNvPr id="28" name="Straight Arrow Connector 27"/>
+          <p:cNvCxnSpPr/>
+          <p:nvPr/>
+        </p:nvCxnSpPr>
+        <p:spPr>
+          <a:xfrm>
+            <a:off x="1519518" y="1409704"/>
+            <a:ext cx="0" cy="509866"/>
+          </a:xfrm>
+          <a:prstGeom prst="straightConnector1">
+            <a:avLst/>
+          </a:prstGeom>
+          <a:ln>
+            <a:tailEnd type="triangle"/>
+          </a:ln>
+        </p:spPr>
+        <p:style>
+          <a:lnRef idx="1">
+            <a:schemeClr val="dk1"/>
+          </a:lnRef>
+          <a:fillRef idx="0">
+            <a:schemeClr val="dk1"/>
+          </a:fillRef>
+          <a:effectRef idx="0">
+            <a:schemeClr val="dk1"/>
+          </a:effectRef>
+          <a:fontRef idx="minor">
+            <a:schemeClr val="tx1"/>
+          </a:fontRef>
+        </p:style>
+      </p:cxnSp>
+      <p:cxnSp>
+        <p:nvCxnSpPr>
+          <p:cNvPr id="35" name="Straight Arrow Connector 34"/>
+          <p:cNvCxnSpPr/>
+          <p:nvPr/>
+        </p:nvCxnSpPr>
+        <p:spPr>
+          <a:xfrm>
+            <a:off x="1519518" y="3654241"/>
+            <a:ext cx="0" cy="868450"/>
+          </a:xfrm>
+          <a:prstGeom prst="straightConnector1">
+            <a:avLst/>
+          </a:prstGeom>
+          <a:ln>
+            <a:tailEnd type="triangle"/>
+          </a:ln>
+        </p:spPr>
+        <p:style>
+          <a:lnRef idx="1">
+            <a:schemeClr val="dk1"/>
+          </a:lnRef>
+          <a:fillRef idx="0">
+            <a:schemeClr val="dk1"/>
+          </a:fillRef>
+          <a:effectRef idx="0">
+            <a:schemeClr val="dk1"/>
+          </a:effectRef>
+          <a:fontRef idx="minor">
+            <a:schemeClr val="tx1"/>
+          </a:fontRef>
+        </p:style>
+      </p:cxnSp>
+      <p:cxnSp>
+        <p:nvCxnSpPr>
+          <p:cNvPr id="37" name="Straight Arrow Connector 36"/>
+          <p:cNvCxnSpPr/>
+          <p:nvPr/>
+        </p:nvCxnSpPr>
+        <p:spPr>
+          <a:xfrm>
+            <a:off x="2877670" y="6078071"/>
+            <a:ext cx="2017061" cy="13447"/>
+          </a:xfrm>
+          <a:prstGeom prst="straightConnector1">
+            <a:avLst/>
+          </a:prstGeom>
+          <a:ln>
+            <a:tailEnd type="triangle"/>
+          </a:ln>
+        </p:spPr>
+        <p:style>
+          <a:lnRef idx="1">
+            <a:schemeClr val="dk1"/>
+          </a:lnRef>
+          <a:fillRef idx="0">
+            <a:schemeClr val="dk1"/>
+          </a:fillRef>
+          <a:effectRef idx="0">
+            <a:schemeClr val="dk1"/>
+          </a:effectRef>
+          <a:fontRef idx="minor">
+            <a:schemeClr val="tx1"/>
+          </a:fontRef>
+        </p:style>
+      </p:cxnSp>
+      <p:cxnSp>
+        <p:nvCxnSpPr>
+          <p:cNvPr id="43" name="Straight Arrow Connector 42"/>
+          <p:cNvCxnSpPr/>
+          <p:nvPr/>
+        </p:nvCxnSpPr>
+        <p:spPr>
+          <a:xfrm flipH="1" flipV="1">
+            <a:off x="2884394" y="4852150"/>
+            <a:ext cx="6474760" cy="1"/>
+          </a:xfrm>
+          <a:prstGeom prst="straightConnector1">
+            <a:avLst/>
+          </a:prstGeom>
+          <a:ln>
+            <a:tailEnd type="triangle"/>
+          </a:ln>
+        </p:spPr>
+        <p:style>
+          <a:lnRef idx="1">
+            <a:schemeClr val="dk1"/>
+          </a:lnRef>
+          <a:fillRef idx="0">
+            <a:schemeClr val="dk1"/>
+          </a:fillRef>
+          <a:effectRef idx="0">
+            <a:schemeClr val="dk1"/>
+          </a:effectRef>
+          <a:fontRef idx="minor">
+            <a:schemeClr val="tx1"/>
+          </a:fontRef>
+        </p:style>
+      </p:cxnSp>
+      <p:cxnSp>
+        <p:nvCxnSpPr>
+          <p:cNvPr id="45" name="Straight Arrow Connector 44"/>
+          <p:cNvCxnSpPr>
+            <a:stCxn id="9" idx="2"/>
+          </p:cNvCxnSpPr>
+          <p:nvPr/>
+        </p:nvCxnSpPr>
+        <p:spPr>
+          <a:xfrm>
+            <a:off x="10508877" y="3654241"/>
+            <a:ext cx="0" cy="509866"/>
+          </a:xfrm>
+          <a:prstGeom prst="straightConnector1">
+            <a:avLst/>
+          </a:prstGeom>
+          <a:ln>
+            <a:tailEnd type="triangle"/>
+          </a:ln>
+        </p:spPr>
+        <p:style>
+          <a:lnRef idx="1">
+            <a:schemeClr val="dk1"/>
+          </a:lnRef>
+          <a:fillRef idx="0">
+            <a:schemeClr val="dk1"/>
+          </a:fillRef>
+          <a:effectRef idx="0">
+            <a:schemeClr val="dk1"/>
+          </a:effectRef>
+          <a:fontRef idx="minor">
+            <a:schemeClr val="tx1"/>
+          </a:fontRef>
+        </p:style>
+      </p:cxnSp>
+      <p:sp>
+        <p:nvSpPr>
+          <p:cNvPr id="47" name="TextBox 46"/>
+          <p:cNvSpPr txBox="1"/>
+          <p:nvPr/>
+        </p:nvSpPr>
+        <p:spPr>
+          <a:xfrm>
+            <a:off x="3372630" y="677300"/>
+            <a:ext cx="1215397" cy="369332"/>
+          </a:xfrm>
+          <a:prstGeom prst="rect">
+            <a:avLst/>
+          </a:prstGeom>
+        </p:spPr>
+        <p:style>
+          <a:lnRef idx="0">
+            <a:schemeClr val="accent4"/>
+          </a:lnRef>
+          <a:fillRef idx="3">
+            <a:schemeClr val="accent4"/>
+          </a:fillRef>
+          <a:effectRef idx="3">
+            <a:schemeClr val="accent4"/>
+          </a:effectRef>
+          <a:fontRef idx="minor">
+            <a:schemeClr val="lt1"/>
+          </a:fontRef>
+        </p:style>
+        <p:txBody>
+          <a:bodyPr wrap="none" rtlCol="0">
+            <a:spAutoFit/>
+          </a:bodyPr>
+          <a:lstStyle/>
+          <a:p>
+            <a:r>
+              <a:rPr lang="en-US" dirty="0" smtClean="0">
+                <a:solidFill>
+                  <a:schemeClr val="bg1"/>
+                </a:solidFill>
+              </a:rPr>
+              <a:t>Mechanic</a:t>
+            </a:r>
+            <a:endParaRPr lang="en-US" dirty="0">
+              <a:solidFill>
+                <a:schemeClr val="bg1"/>
+              </a:solidFill>
+            </a:endParaRPr>
+          </a:p>
+        </p:txBody>
+      </p:sp>
+      <p:sp>
+        <p:nvSpPr>
+          <p:cNvPr id="48" name="TextBox 47"/>
+          <p:cNvSpPr txBox="1"/>
+          <p:nvPr/>
+        </p:nvSpPr>
+        <p:spPr>
+          <a:xfrm>
+            <a:off x="7631632" y="677300"/>
+            <a:ext cx="1226618" cy="369332"/>
+          </a:xfrm>
+          <a:prstGeom prst="rect">
+            <a:avLst/>
+          </a:prstGeom>
+        </p:spPr>
+        <p:style>
+          <a:lnRef idx="0">
+            <a:schemeClr val="accent4"/>
+          </a:lnRef>
+          <a:fillRef idx="3">
+            <a:schemeClr val="accent4"/>
+          </a:fillRef>
+          <a:effectRef idx="3">
+            <a:schemeClr val="accent4"/>
+          </a:effectRef>
+          <a:fontRef idx="minor">
+            <a:schemeClr val="lt1"/>
+          </a:fontRef>
+        </p:style>
+        <p:txBody>
+          <a:bodyPr wrap="none" rtlCol="0">
+            <a:spAutoFit/>
+          </a:bodyPr>
+          <a:lstStyle/>
+          <a:p>
+            <a:r>
+              <a:rPr lang="en-US" dirty="0" smtClean="0">
+                <a:solidFill>
+                  <a:schemeClr val="bg1"/>
+                </a:solidFill>
+              </a:rPr>
+              <a:t>Customer</a:t>
+            </a:r>
+            <a:endParaRPr lang="en-US" dirty="0">
+              <a:solidFill>
+                <a:schemeClr val="bg1"/>
+              </a:solidFill>
+            </a:endParaRPr>
+          </a:p>
+        </p:txBody>
+      </p:sp>
+      <p:sp>
+        <p:nvSpPr>
+          <p:cNvPr id="52" name="Rectangle 51"/>
+          <p:cNvSpPr/>
+          <p:nvPr/>
+        </p:nvSpPr>
+        <p:spPr>
+          <a:xfrm>
+            <a:off x="4084874" y="2967335"/>
+            <a:ext cx="4022256" cy="923330"/>
+          </a:xfrm>
+          <a:prstGeom prst="rect">
+            <a:avLst/>
+          </a:prstGeom>
+          <a:noFill/>
+        </p:spPr>
+        <p:txBody>
+          <a:bodyPr wrap="none" lIns="91440" tIns="45720" rIns="91440" bIns="45720">
+            <a:spAutoFit/>
+          </a:bodyPr>
+          <a:lstStyle/>
+          <a:p>
+            <a:pPr algn="ctr"/>
+            <a:r>
+              <a:rPr lang="en-US" sz="5400" b="1" u="sng" dirty="0" smtClean="0">
+                <a:ln w="6600">
+                  <a:solidFill>
+                    <a:schemeClr val="accent2"/>
+                  </a:solidFill>
+                  <a:prstDash val="solid"/>
+                </a:ln>
+                <a:solidFill>
+                  <a:srgbClr val="FFFFFF"/>
+                </a:solidFill>
+                <a:effectLst>
+                  <a:outerShdw dist="38100" dir="2700000" algn="tl" rotWithShape="0">
+                    <a:schemeClr val="accent2"/>
+                  </a:outerShdw>
+                </a:effectLst>
+              </a:rPr>
+              <a:t>WORKFLOW</a:t>
+            </a:r>
+            <a:endParaRPr lang="en-US" sz="5400" b="1" u="sng" dirty="0">
+              <a:ln w="6600">
+                <a:solidFill>
+                  <a:schemeClr val="accent2"/>
+                </a:solidFill>
+                <a:prstDash val="solid"/>
+              </a:ln>
+              <a:solidFill>
+                <a:srgbClr val="FFFFFF"/>
+              </a:solidFill>
+              <a:effectLst>
+                <a:outerShdw dist="38100" dir="2700000" algn="tl" rotWithShape="0">
+                  <a:schemeClr val="accent2"/>
+                </a:outerShdw>
+              </a:effectLst>
+            </a:endParaRPr>
+          </a:p>
+        </p:txBody>
+      </p:sp>
+    </p:spTree>
+    <p:extLst>
+      <p:ext uri="{BB962C8B-B14F-4D97-AF65-F5344CB8AC3E}">
+        <p14:creationId xmlns:p14="http://schemas.microsoft.com/office/powerpoint/2010/main" val="484877605"/>
+      </p:ext>
+    </p:extLst>
+  </p:cSld>
+  <p:clrMapOvr>
+    <a:masterClrMapping/>
+  </p:clrMapOvr>
+  <p:timing>
+    <p:tnLst>
+      <p:par>
+        <p:cTn id="1" dur="indefinite" restart="never" nodeType="tmRoot"/>
+      </p:par>
+    </p:tnLst>
+  </p:timing>
+</p:sld>
+</file>
+
 <file path=ppt/theme/theme1.xml><?xml version="1.0" encoding="utf-8"?>
-<a:theme xmlns:a="http://schemas.openxmlformats.org/drawingml/2006/main" name="Wood Type">
+<a:theme xmlns:a="http://schemas.openxmlformats.org/drawingml/2006/main" name="Facet">
   <a:themeElements>
-    <a:clrScheme name="Wood Type">
+    <a:clrScheme name="Facet">
       <a:dk1>
         <a:sysClr val="windowText" lastClr="000000"/>
       </a:dk1>
@@ -4973,54 +7442,87 @@
         <a:sysClr val="window" lastClr="FFFFFF"/>
       </a:lt1>
       <a:dk2>
-        <a:srgbClr val="696464"/>
+        <a:srgbClr val="2C3C43"/>
       </a:dk2>
       <a:lt2>
-        <a:srgbClr val="E9E5DC"/>
+        <a:srgbClr val="EBEBEB"/>
       </a:lt2>
       <a:accent1>
-        <a:srgbClr val="D34817"/>
+        <a:srgbClr val="90C226"/>
       </a:accent1>
       <a:accent2>
-        <a:srgbClr val="9B2D1F"/>
+        <a:srgbClr val="54A021"/>
       </a:accent2>
       <a:accent3>
-        <a:srgbClr val="A28E6A"/>
+        <a:srgbClr val="E6B91E"/>
       </a:accent3>
       <a:accent4>
-        <a:srgbClr val="956251"/>
+        <a:srgbClr val="E76618"/>
       </a:accent4>
       <a:accent5>
-        <a:srgbClr val="918485"/>
+        <a:srgbClr val="C42F1A"/>
       </a:accent5>
       <a:accent6>
-        <a:srgbClr val="855D5D"/>
+        <a:srgbClr val="918655"/>
       </a:accent6>
       <a:hlink>
-        <a:srgbClr val="CC9900"/>
+        <a:srgbClr val="99CA3C"/>
       </a:hlink>
       <a:folHlink>
-        <a:srgbClr val="96A9A9"/>
+        <a:srgbClr val="B9D181"/>
       </a:folHlink>
     </a:clrScheme>
-    <a:fontScheme name="Wood Type">
+    <a:fontScheme name="Facet">
       <a:majorFont>
-        <a:latin typeface="Rockwell Condensed" panose="02060603050405020104"/>
+        <a:latin typeface="Trebuchet MS" panose="020B0603020202020204"/>
         <a:ea typeface=""/>
         <a:cs typeface=""/>
-        <a:font script="Grek" typeface="Cambria"/>
-        <a:font script="Cyrl" typeface="Cambria"/>
-        <a:font script="Jpan" typeface="HG明朝B"/>
-        <a:font script="Hang" typeface="바탕"/>
+        <a:font script="Jpan" typeface="メイリオ"/>
+        <a:font script="Hang" typeface="맑은 고딕"/>
         <a:font script="Hans" typeface="方正姚体"/>
         <a:font script="Hant" typeface="微軟正黑體"/>
-        <a:font script="Arab" typeface="Times New Roman"/>
-        <a:font script="Hebr" typeface="David"/>
-        <a:font script="Thai" typeface="JasmineUPC"/>
+        <a:font script="Arab" typeface="Tahoma"/>
+        <a:font script="Hebr" typeface="Arial"/>
+        <a:font script="Thai" typeface="Cordia New"/>
         <a:font script="Ethi" typeface="Nyala"/>
         <a:font script="Beng" typeface="Vrinda"/>
         <a:font script="Gujr" typeface="Shruti"/>
-        <a:font script="Khmr" typeface="MoolBoran"/>
+        <a:font script="Khmr" typeface="DaunPenh"/>
+        <a:font script="Knda" typeface="Tunga"/>
+        <a:font script="Guru" typeface="Raavi"/>
+        <a:font script="Cans" typeface="Euphemia"/>
+        <a:font script="Cher" typeface="Plantagenet Cherokee"/>
+        <a:font script="Yiii" typeface="Microsoft Yi Baiti"/>
+        <a:font script="Tibt" typeface="Microsoft Himalaya"/>
+        <a:font script="Thaa" typeface="MV Boli"/>
+        <a:font script="Deva" typeface="Mangal"/>
+        <a:font script="Telu" typeface="Gautami"/>
+        <a:font script="Taml" typeface="Latha"/>
+        <a:font script="Syrc" typeface="Estrangelo Edessa"/>
+        <a:font script="Orya" typeface="Kalinga"/>
+        <a:font script="Mlym" typeface="Kartika"/>
+        <a:font script="Laoo" typeface="DokChampa"/>
+        <a:font script="Sinh" typeface="Iskoola Pota"/>
+        <a:font script="Mong" typeface="Mongolian Baiti"/>
+        <a:font script="Viet" typeface="Tahoma"/>
+        <a:font script="Uigh" typeface="Microsoft Uighur"/>
+        <a:font script="Geor" typeface="Sylfaen"/>
+      </a:majorFont>
+      <a:minorFont>
+        <a:latin typeface="Trebuchet MS" panose="020B0603020202020204"/>
+        <a:ea typeface=""/>
+        <a:cs typeface=""/>
+        <a:font script="Jpan" typeface="メイリオ"/>
+        <a:font script="Hang" typeface="HY그래픽M"/>
+        <a:font script="Hans" typeface="华文新魏"/>
+        <a:font script="Hant" typeface="微軟正黑體"/>
+        <a:font script="Arab" typeface="Tahoma"/>
+        <a:font script="Hebr" typeface="Gisha"/>
+        <a:font script="Thai" typeface="IrisUPC"/>
+        <a:font script="Ethi" typeface="Nyala"/>
+        <a:font script="Beng" typeface="Vrinda"/>
+        <a:font script="Gujr" typeface="Shruti"/>
+        <a:font script="Khmr" typeface="DaunPenh"/>
         <a:font script="Knda" typeface="Tunga"/>
         <a:font script="Guru" typeface="Raavi"/>
         <a:font script="Cans" typeface="Euphemia"/>
@@ -5039,93 +7541,62 @@
         <a:font script="Mong" typeface="Mongolian Baiti"/>
         <a:font script="Viet" typeface="Arial"/>
         <a:font script="Uigh" typeface="Microsoft Uighur"/>
-      </a:majorFont>
-      <a:minorFont>
-        <a:latin typeface="Rockwell" panose="02060603020205020403"/>
-        <a:ea typeface=""/>
-        <a:cs typeface=""/>
-        <a:font script="Grek" typeface="Cambria"/>
-        <a:font script="Cyrl" typeface="Cambria"/>
-        <a:font script="Jpan" typeface="HG明朝B"/>
-        <a:font script="Hang" typeface="바탕"/>
-        <a:font script="Hans" typeface="方正姚体"/>
-        <a:font script="Hant" typeface="標楷體"/>
-        <a:font script="Arab" typeface="Times New Roman"/>
-        <a:font script="Hebr" typeface="David"/>
-        <a:font script="Thai" typeface="JasmineUPC"/>
-        <a:font script="Ethi" typeface="Nyala"/>
-        <a:font script="Beng" typeface="Vrinda"/>
-        <a:font script="Gujr" typeface="Shruti"/>
-        <a:font script="Khmr" typeface="MoolBoran"/>
-        <a:font script="Knda" typeface="Tunga"/>
-        <a:font script="Guru" typeface="Raavi"/>
-        <a:font script="Cans" typeface="Euphemia"/>
-        <a:font script="Cher" typeface="Plantagenet Cherokee"/>
-        <a:font script="Yiii" typeface="Microsoft Yi Baiti"/>
-        <a:font script="Tibt" typeface="Microsoft Himalaya"/>
-        <a:font script="Thaa" typeface="MV Boli"/>
-        <a:font script="Deva" typeface="Mangal"/>
-        <a:font script="Telu" typeface="Gautami"/>
-        <a:font script="Taml" typeface="Latha"/>
-        <a:font script="Syrc" typeface="Estrangelo Edessa"/>
-        <a:font script="Orya" typeface="Kalinga"/>
-        <a:font script="Mlym" typeface="Kartika"/>
-        <a:font script="Laoo" typeface="DokChampa"/>
-        <a:font script="Sinh" typeface="Iskoola Pota"/>
-        <a:font script="Mong" typeface="Mongolian Baiti"/>
-        <a:font script="Viet" typeface="Times New Roman"/>
-        <a:font script="Uigh" typeface="Microsoft Uighur"/>
+        <a:font script="Geor" typeface="Sylfaen"/>
       </a:minorFont>
     </a:fontScheme>
-    <a:fmtScheme name="Wood Type">
+    <a:fmtScheme name="Facet">
       <a:fillStyleLst>
         <a:solidFill>
           <a:schemeClr val="phClr"/>
         </a:solidFill>
-        <a:blipFill rotWithShape="1">
-          <a:blip xmlns:r="http://schemas.openxmlformats.org/officeDocument/2006/relationships" r:embed="rId1">
-            <a:duotone>
+        <a:gradFill rotWithShape="1">
+          <a:gsLst>
+            <a:gs pos="0">
               <a:schemeClr val="phClr">
-                <a:tint val="70000"/>
-                <a:shade val="63000"/>
+                <a:tint val="65000"/>
+                <a:lumMod val="110000"/>
               </a:schemeClr>
+            </a:gs>
+            <a:gs pos="88000">
               <a:schemeClr val="phClr">
-                <a:tint val="10000"/>
-                <a:satMod val="150000"/>
+                <a:tint val="90000"/>
               </a:schemeClr>
-            </a:duotone>
-          </a:blip>
-          <a:tile tx="0" ty="0" sx="60000" sy="59000" flip="none" algn="tl"/>
-        </a:blipFill>
-        <a:blipFill rotWithShape="1">
-          <a:blip xmlns:r="http://schemas.openxmlformats.org/officeDocument/2006/relationships" r:embed="rId1">
-            <a:duotone>
+            </a:gs>
+          </a:gsLst>
+          <a:lin ang="5400000" scaled="0"/>
+        </a:gradFill>
+        <a:gradFill rotWithShape="1">
+          <a:gsLst>
+            <a:gs pos="0">
               <a:schemeClr val="phClr">
-                <a:shade val="36000"/>
-                <a:satMod val="120000"/>
+                <a:tint val="96000"/>
+                <a:lumMod val="100000"/>
               </a:schemeClr>
+            </a:gs>
+            <a:gs pos="78000">
               <a:schemeClr val="phClr">
-                <a:tint val="40000"/>
+                <a:shade val="94000"/>
+                <a:lumMod val="94000"/>
               </a:schemeClr>
-            </a:duotone>
-          </a:blip>
-          <a:tile tx="0" ty="0" sx="60000" sy="59000" flip="none" algn="tl"/>
-        </a:blipFill>
+            </a:gs>
+          </a:gsLst>
+          <a:lin ang="5400000" scaled="0"/>
+        </a:gradFill>
       </a:fillStyleLst>
       <a:lnStyleLst>
-        <a:ln w="6350" cap="flat" cmpd="sng" algn="ctr">
+        <a:ln w="12700" cap="rnd" cmpd="sng" algn="ctr">
           <a:solidFill>
             <a:schemeClr val="phClr"/>
           </a:solidFill>
           <a:prstDash val="solid"/>
         </a:ln>
-        <a:ln w="12700" cap="flat" cmpd="sng" algn="ctr">
+        <a:ln w="19050" cap="rnd" cmpd="sng" algn="ctr">
           <a:solidFill>
             <a:schemeClr val="phClr"/>
           </a:solidFill>
           <a:prstDash val="solid"/>
         </a:ln>
-        <a:ln w="19050" cap="flat" cmpd="sng" algn="ctr">
+        <a:ln w="25400" cap="rnd" cmpd="sng" algn="ctr">
           <a:solidFill>
             <a:schemeClr val="phClr"/>
           </a:solidFill>
@@ -5138,46 +7609,72 @@
         </a:effectStyle>
         <a:effectStyle>
           <a:effectLst>
-            <a:softEdge rad="12700"/>
+            <a:outerShdw blurRad="38100" dist="25400" dir="5400000" rotWithShape="0">
+              <a:srgbClr val="000000">
+                <a:alpha val="35000"/>
+              </a:srgbClr>
+            </a:outerShdw>
           </a:effectLst>
         </a:effectStyle>
         <a:effectStyle>
           <a:effectLst>
-            <a:outerShdw blurRad="50800" dist="19050" dir="5400000" algn="tl" rotWithShape="0">
+            <a:outerShdw blurRad="50800" dist="38100" dir="5400000" rotWithShape="0">
               <a:srgbClr val="000000">
-                <a:alpha val="60000"/>
+                <a:alpha val="35000"/>
               </a:srgbClr>
             </a:outerShdw>
-            <a:softEdge rad="12700"/>
           </a:effectLst>
+          <a:scene3d>
+            <a:camera prst="orthographicFront">
+              <a:rot lat="0" lon="0" rev="0"/>
+            </a:camera>
+            <a:lightRig rig="threePt" dir="tl"/>
+          </a:scene3d>
+          <a:sp3d prstMaterial="plastic">
+            <a:bevelT w="0" h="0"/>
+          </a:sp3d>
         </a:effectStyle>
       </a:effectStyleLst>
       <a:bgFillStyleLst>
         <a:solidFill>
           <a:schemeClr val="phClr"/>
         </a:solidFill>
-        <a:solidFill>
-          <a:schemeClr val="phClr">
-            <a:shade val="97000"/>
-            <a:satMod val="150000"/>
-          </a:schemeClr>
-        </a:solidFill>
-        <a:blipFill rotWithShape="1">
-          <a:blip xmlns:r="http://schemas.openxmlformats.org/officeDocument/2006/relationships" r:embed="rId1">
-            <a:duotone>
+        <a:gradFill rotWithShape="1">
+          <a:gsLst>
+            <a:gs pos="0">
               <a:schemeClr val="phClr">
-                <a:tint val="75000"/>
-                <a:shade val="58000"/>
-                <a:satMod val="120000"/>
+                <a:tint val="90000"/>
+                <a:lumMod val="104000"/>
               </a:schemeClr>
+            </a:gs>
+            <a:gs pos="94000">
               <a:schemeClr val="phClr">
-                <a:tint val="50000"/>
                 <a:shade val="96000"/>
+                <a:lumMod val="82000"/>
               </a:schemeClr>
-            </a:duotone>
-          </a:blip>
-          <a:tile tx="0" ty="0" sx="100000" sy="100000" flip="none" algn="tl"/>
-        </a:blipFill>
+            </a:gs>
+          </a:gsLst>
+          <a:lin ang="5400000" scaled="0"/>
+        </a:gradFill>
+        <a:gradFill rotWithShape="1">
+          <a:gsLst>
+            <a:gs pos="0">
+              <a:schemeClr val="phClr">
+                <a:tint val="90000"/>
+                <a:lumMod val="110000"/>
+              </a:schemeClr>
+            </a:gs>
+            <a:gs pos="100000">
+              <a:schemeClr val="phClr">
+                <a:shade val="94000"/>
+                <a:lumMod val="96000"/>
+              </a:schemeClr>
+            </a:gs>
+          </a:gsLst>
+          <a:path path="circle">
+            <a:fillToRect l="50000" t="50000" r="100000" b="100000"/>
+          </a:path>
+        </a:gradFill>
       </a:bgFillStyleLst>
     </a:fmtScheme>
   </a:themeElements>
@@ -5185,7 +7682,7 @@
   <a:extraClrSchemeLst/>
   <a:extLst>
     <a:ext uri="{05A4C25C-085E-4340-85A3-A5531E510DB2}">
-      <thm15:themeFamily xmlns:thm15="http://schemas.microsoft.com/office/thememl/2012/main" name="Wood Type" id="{7ACABC62-BF99-48CF-A9DC-4DB89C7B13DC}" vid="{142A1326-48AB-42A9-8428-CB14AA30176D}"/>
+      <thm15:themeFamily xmlns:thm15="http://schemas.microsoft.com/office/thememl/2012/main" name="Facet" id="{C0C680CD-088A-49FC-A102-D699147F32B2}" vid="{CFBC31BA-B70F-4F30-BCAA-4F3011E16C4D}"/>
     </a:ext>
   </a:extLst>
 </a:theme>

--- a/On Road PPT.pptx
+++ b/On Road PPT.pptx
@@ -2,13 +2,20 @@
 <file path=ppt/presentation.xml><?xml version="1.0" encoding="utf-8"?>
 <p:presentation xmlns:a="http://schemas.openxmlformats.org/drawingml/2006/main" xmlns:r="http://schemas.openxmlformats.org/officeDocument/2006/relationships" xmlns:p="http://schemas.openxmlformats.org/presentationml/2006/main" saveSubsetFonts="1">
   <p:sldMasterIdLst>
-    <p:sldMasterId id="2147483726" r:id="rId1"/>
+    <p:sldMasterId id="2147483755" r:id="rId1"/>
   </p:sldMasterIdLst>
   <p:sldIdLst>
     <p:sldId id="256" r:id="rId2"/>
     <p:sldId id="257" r:id="rId3"/>
     <p:sldId id="258" r:id="rId4"/>
-    <p:sldId id="259" r:id="rId5"/>
+    <p:sldId id="260" r:id="rId5"/>
+    <p:sldId id="259" r:id="rId6"/>
+    <p:sldId id="261" r:id="rId7"/>
+    <p:sldId id="262" r:id="rId8"/>
+    <p:sldId id="263" r:id="rId9"/>
+    <p:sldId id="264" r:id="rId10"/>
+    <p:sldId id="265" r:id="rId11"/>
+    <p:sldId id="266" r:id="rId12"/>
   </p:sldIdLst>
   <p:sldSz cx="12192000" cy="6858000"/>
   <p:notesSz cx="6858000" cy="9144000"/>
@@ -837,7 +844,7 @@
           <a:p>
             <a:fld id="{EE200CF6-9F19-4689-9131-46E2C2F9128E}" type="datetimeFigureOut">
               <a:rPr lang="en-IN" smtClean="0"/>
-              <a:t>08-04-2019</a:t>
+              <a:t>18-04-2019</a:t>
             </a:fld>
             <a:endParaRPr lang="en-IN"/>
           </a:p>
@@ -888,7 +895,7 @@
     </p:spTree>
     <p:extLst>
       <p:ext uri="{BB962C8B-B14F-4D97-AF65-F5344CB8AC3E}">
-        <p14:creationId xmlns:p14="http://schemas.microsoft.com/office/powerpoint/2010/main" val="587809765"/>
+        <p14:creationId xmlns:p14="http://schemas.microsoft.com/office/powerpoint/2010/main" val="3387448876"/>
       </p:ext>
     </p:extLst>
   </p:cSld>
@@ -1088,7 +1095,7 @@
           <a:p>
             <a:fld id="{EE200CF6-9F19-4689-9131-46E2C2F9128E}" type="datetimeFigureOut">
               <a:rPr lang="en-IN" smtClean="0"/>
-              <a:t>08-04-2019</a:t>
+              <a:t>18-04-2019</a:t>
             </a:fld>
             <a:endParaRPr lang="en-IN"/>
           </a:p>
@@ -1139,7 +1146,7 @@
     </p:spTree>
     <p:extLst>
       <p:ext uri="{BB962C8B-B14F-4D97-AF65-F5344CB8AC3E}">
-        <p14:creationId xmlns:p14="http://schemas.microsoft.com/office/powerpoint/2010/main" val="4028647678"/>
+        <p14:creationId xmlns:p14="http://schemas.microsoft.com/office/powerpoint/2010/main" val="3425319352"/>
       </p:ext>
     </p:extLst>
   </p:cSld>
@@ -1402,7 +1409,7 @@
           <a:p>
             <a:fld id="{EE200CF6-9F19-4689-9131-46E2C2F9128E}" type="datetimeFigureOut">
               <a:rPr lang="en-IN" smtClean="0"/>
-              <a:t>08-04-2019</a:t>
+              <a:t>18-04-2019</a:t>
             </a:fld>
             <a:endParaRPr lang="en-IN"/>
           </a:p>
@@ -1543,7 +1550,7 @@
     </p:spTree>
     <p:extLst>
       <p:ext uri="{BB962C8B-B14F-4D97-AF65-F5344CB8AC3E}">
-        <p14:creationId xmlns:p14="http://schemas.microsoft.com/office/powerpoint/2010/main" val="2973202743"/>
+        <p14:creationId xmlns:p14="http://schemas.microsoft.com/office/powerpoint/2010/main" val="2659989699"/>
       </p:ext>
     </p:extLst>
   </p:cSld>
@@ -1743,7 +1750,7 @@
           <a:p>
             <a:fld id="{EE200CF6-9F19-4689-9131-46E2C2F9128E}" type="datetimeFigureOut">
               <a:rPr lang="en-IN" smtClean="0"/>
-              <a:t>08-04-2019</a:t>
+              <a:t>18-04-2019</a:t>
             </a:fld>
             <a:endParaRPr lang="en-IN"/>
           </a:p>
@@ -1794,7 +1801,7 @@
     </p:spTree>
     <p:extLst>
       <p:ext uri="{BB962C8B-B14F-4D97-AF65-F5344CB8AC3E}">
-        <p14:creationId xmlns:p14="http://schemas.microsoft.com/office/powerpoint/2010/main" val="1563329555"/>
+        <p14:creationId xmlns:p14="http://schemas.microsoft.com/office/powerpoint/2010/main" val="1149775291"/>
       </p:ext>
     </p:extLst>
   </p:cSld>
@@ -2057,7 +2064,7 @@
           <a:p>
             <a:fld id="{EE200CF6-9F19-4689-9131-46E2C2F9128E}" type="datetimeFigureOut">
               <a:rPr lang="en-IN" smtClean="0"/>
-              <a:t>08-04-2019</a:t>
+              <a:t>18-04-2019</a:t>
             </a:fld>
             <a:endParaRPr lang="en-IN"/>
           </a:p>
@@ -2190,7 +2197,7 @@
     </p:spTree>
     <p:extLst>
       <p:ext uri="{BB962C8B-B14F-4D97-AF65-F5344CB8AC3E}">
-        <p14:creationId xmlns:p14="http://schemas.microsoft.com/office/powerpoint/2010/main" val="2051240138"/>
+        <p14:creationId xmlns:p14="http://schemas.microsoft.com/office/powerpoint/2010/main" val="1643509970"/>
       </p:ext>
     </p:extLst>
   </p:cSld>
@@ -2450,7 +2457,7 @@
           <a:p>
             <a:fld id="{EE200CF6-9F19-4689-9131-46E2C2F9128E}" type="datetimeFigureOut">
               <a:rPr lang="en-IN" smtClean="0"/>
-              <a:t>08-04-2019</a:t>
+              <a:t>18-04-2019</a:t>
             </a:fld>
             <a:endParaRPr lang="en-IN"/>
           </a:p>
@@ -2501,7 +2508,7 @@
     </p:spTree>
     <p:extLst>
       <p:ext uri="{BB962C8B-B14F-4D97-AF65-F5344CB8AC3E}">
-        <p14:creationId xmlns:p14="http://schemas.microsoft.com/office/powerpoint/2010/main" val="2459146681"/>
+        <p14:creationId xmlns:p14="http://schemas.microsoft.com/office/powerpoint/2010/main" val="3820526"/>
       </p:ext>
     </p:extLst>
   </p:cSld>
@@ -2620,7 +2627,7 @@
           <a:p>
             <a:fld id="{EE200CF6-9F19-4689-9131-46E2C2F9128E}" type="datetimeFigureOut">
               <a:rPr lang="en-IN" smtClean="0"/>
-              <a:t>08-04-2019</a:t>
+              <a:t>18-04-2019</a:t>
             </a:fld>
             <a:endParaRPr lang="en-IN"/>
           </a:p>
@@ -2671,7 +2678,7 @@
     </p:spTree>
     <p:extLst>
       <p:ext uri="{BB962C8B-B14F-4D97-AF65-F5344CB8AC3E}">
-        <p14:creationId xmlns:p14="http://schemas.microsoft.com/office/powerpoint/2010/main" val="1785521025"/>
+        <p14:creationId xmlns:p14="http://schemas.microsoft.com/office/powerpoint/2010/main" val="1029006150"/>
       </p:ext>
     </p:extLst>
   </p:cSld>
@@ -2800,7 +2807,7 @@
           <a:p>
             <a:fld id="{EE200CF6-9F19-4689-9131-46E2C2F9128E}" type="datetimeFigureOut">
               <a:rPr lang="en-IN" smtClean="0"/>
-              <a:t>08-04-2019</a:t>
+              <a:t>18-04-2019</a:t>
             </a:fld>
             <a:endParaRPr lang="en-IN"/>
           </a:p>
@@ -2851,7 +2858,7 @@
     </p:spTree>
     <p:extLst>
       <p:ext uri="{BB962C8B-B14F-4D97-AF65-F5344CB8AC3E}">
-        <p14:creationId xmlns:p14="http://schemas.microsoft.com/office/powerpoint/2010/main" val="3661909773"/>
+        <p14:creationId xmlns:p14="http://schemas.microsoft.com/office/powerpoint/2010/main" val="3601081358"/>
       </p:ext>
     </p:extLst>
   </p:cSld>
@@ -2976,7 +2983,7 @@
           <a:p>
             <a:fld id="{EE200CF6-9F19-4689-9131-46E2C2F9128E}" type="datetimeFigureOut">
               <a:rPr lang="en-IN" smtClean="0"/>
-              <a:t>08-04-2019</a:t>
+              <a:t>18-04-2019</a:t>
             </a:fld>
             <a:endParaRPr lang="en-IN"/>
           </a:p>
@@ -3027,7 +3034,7 @@
     </p:spTree>
     <p:extLst>
       <p:ext uri="{BB962C8B-B14F-4D97-AF65-F5344CB8AC3E}">
-        <p14:creationId xmlns:p14="http://schemas.microsoft.com/office/powerpoint/2010/main" val="438027845"/>
+        <p14:creationId xmlns:p14="http://schemas.microsoft.com/office/powerpoint/2010/main" val="2108312597"/>
       </p:ext>
     </p:extLst>
   </p:cSld>
@@ -3223,7 +3230,7 @@
           <a:p>
             <a:fld id="{EE200CF6-9F19-4689-9131-46E2C2F9128E}" type="datetimeFigureOut">
               <a:rPr lang="en-IN" smtClean="0"/>
-              <a:t>08-04-2019</a:t>
+              <a:t>18-04-2019</a:t>
             </a:fld>
             <a:endParaRPr lang="en-IN"/>
           </a:p>
@@ -3274,7 +3281,7 @@
     </p:spTree>
     <p:extLst>
       <p:ext uri="{BB962C8B-B14F-4D97-AF65-F5344CB8AC3E}">
-        <p14:creationId xmlns:p14="http://schemas.microsoft.com/office/powerpoint/2010/main" val="111251405"/>
+        <p14:creationId xmlns:p14="http://schemas.microsoft.com/office/powerpoint/2010/main" val="3409707932"/>
       </p:ext>
     </p:extLst>
   </p:cSld>
@@ -3455,7 +3462,7 @@
           <a:p>
             <a:fld id="{EE200CF6-9F19-4689-9131-46E2C2F9128E}" type="datetimeFigureOut">
               <a:rPr lang="en-IN" smtClean="0"/>
-              <a:t>08-04-2019</a:t>
+              <a:t>18-04-2019</a:t>
             </a:fld>
             <a:endParaRPr lang="en-IN"/>
           </a:p>
@@ -3506,7 +3513,7 @@
     </p:spTree>
     <p:extLst>
       <p:ext uri="{BB962C8B-B14F-4D97-AF65-F5344CB8AC3E}">
-        <p14:creationId xmlns:p14="http://schemas.microsoft.com/office/powerpoint/2010/main" val="1404773349"/>
+        <p14:creationId xmlns:p14="http://schemas.microsoft.com/office/powerpoint/2010/main" val="2607979893"/>
       </p:ext>
     </p:extLst>
   </p:cSld>
@@ -3829,7 +3836,7 @@
           <a:p>
             <a:fld id="{EE200CF6-9F19-4689-9131-46E2C2F9128E}" type="datetimeFigureOut">
               <a:rPr lang="en-IN" smtClean="0"/>
-              <a:t>08-04-2019</a:t>
+              <a:t>18-04-2019</a:t>
             </a:fld>
             <a:endParaRPr lang="en-IN"/>
           </a:p>
@@ -3880,7 +3887,7 @@
     </p:spTree>
     <p:extLst>
       <p:ext uri="{BB962C8B-B14F-4D97-AF65-F5344CB8AC3E}">
-        <p14:creationId xmlns:p14="http://schemas.microsoft.com/office/powerpoint/2010/main" val="2233920730"/>
+        <p14:creationId xmlns:p14="http://schemas.microsoft.com/office/powerpoint/2010/main" val="549610506"/>
       </p:ext>
     </p:extLst>
   </p:cSld>
@@ -3952,7 +3959,7 @@
           <a:p>
             <a:fld id="{EE200CF6-9F19-4689-9131-46E2C2F9128E}" type="datetimeFigureOut">
               <a:rPr lang="en-IN" smtClean="0"/>
-              <a:t>08-04-2019</a:t>
+              <a:t>18-04-2019</a:t>
             </a:fld>
             <a:endParaRPr lang="en-IN"/>
           </a:p>
@@ -4003,7 +4010,7 @@
     </p:spTree>
     <p:extLst>
       <p:ext uri="{BB962C8B-B14F-4D97-AF65-F5344CB8AC3E}">
-        <p14:creationId xmlns:p14="http://schemas.microsoft.com/office/powerpoint/2010/main" val="3003321888"/>
+        <p14:creationId xmlns:p14="http://schemas.microsoft.com/office/powerpoint/2010/main" val="201848695"/>
       </p:ext>
     </p:extLst>
   </p:cSld>
@@ -4047,7 +4054,7 @@
           <a:p>
             <a:fld id="{EE200CF6-9F19-4689-9131-46E2C2F9128E}" type="datetimeFigureOut">
               <a:rPr lang="en-IN" smtClean="0"/>
-              <a:t>08-04-2019</a:t>
+              <a:t>18-04-2019</a:t>
             </a:fld>
             <a:endParaRPr lang="en-IN"/>
           </a:p>
@@ -4098,7 +4105,7 @@
     </p:spTree>
     <p:extLst>
       <p:ext uri="{BB962C8B-B14F-4D97-AF65-F5344CB8AC3E}">
-        <p14:creationId xmlns:p14="http://schemas.microsoft.com/office/powerpoint/2010/main" val="3312720008"/>
+        <p14:creationId xmlns:p14="http://schemas.microsoft.com/office/powerpoint/2010/main" val="1311843768"/>
       </p:ext>
     </p:extLst>
   </p:cSld>
@@ -4302,7 +4309,7 @@
           <a:p>
             <a:fld id="{EE200CF6-9F19-4689-9131-46E2C2F9128E}" type="datetimeFigureOut">
               <a:rPr lang="en-IN" smtClean="0"/>
-              <a:t>08-04-2019</a:t>
+              <a:t>18-04-2019</a:t>
             </a:fld>
             <a:endParaRPr lang="en-IN"/>
           </a:p>
@@ -4353,7 +4360,7 @@
     </p:spTree>
     <p:extLst>
       <p:ext uri="{BB962C8B-B14F-4D97-AF65-F5344CB8AC3E}">
-        <p14:creationId xmlns:p14="http://schemas.microsoft.com/office/powerpoint/2010/main" val="2880770393"/>
+        <p14:creationId xmlns:p14="http://schemas.microsoft.com/office/powerpoint/2010/main" val="1846403621"/>
       </p:ext>
     </p:extLst>
   </p:cSld>
@@ -4565,7 +4572,7 @@
           <a:p>
             <a:fld id="{EE200CF6-9F19-4689-9131-46E2C2F9128E}" type="datetimeFigureOut">
               <a:rPr lang="en-IN" smtClean="0"/>
-              <a:t>08-04-2019</a:t>
+              <a:t>18-04-2019</a:t>
             </a:fld>
             <a:endParaRPr lang="en-IN"/>
           </a:p>
@@ -4616,7 +4623,7 @@
     </p:spTree>
     <p:extLst>
       <p:ext uri="{BB962C8B-B14F-4D97-AF65-F5344CB8AC3E}">
-        <p14:creationId xmlns:p14="http://schemas.microsoft.com/office/powerpoint/2010/main" val="1871905835"/>
+        <p14:creationId xmlns:p14="http://schemas.microsoft.com/office/powerpoint/2010/main" val="1632231964"/>
       </p:ext>
     </p:extLst>
   </p:cSld>
@@ -5308,7 +5315,7 @@
           <a:p>
             <a:fld id="{EE200CF6-9F19-4689-9131-46E2C2F9128E}" type="datetimeFigureOut">
               <a:rPr lang="en-IN" smtClean="0"/>
-              <a:t>08-04-2019</a:t>
+              <a:t>18-04-2019</a:t>
             </a:fld>
             <a:endParaRPr lang="en-IN"/>
           </a:p>
@@ -5393,28 +5400,28 @@
     </p:spTree>
     <p:extLst>
       <p:ext uri="{BB962C8B-B14F-4D97-AF65-F5344CB8AC3E}">
-        <p14:creationId xmlns:p14="http://schemas.microsoft.com/office/powerpoint/2010/main" val="3420999579"/>
+        <p14:creationId xmlns:p14="http://schemas.microsoft.com/office/powerpoint/2010/main" val="3659821659"/>
       </p:ext>
     </p:extLst>
   </p:cSld>
   <p:clrMap bg1="lt1" tx1="dk1" bg2="lt2" tx2="dk2" accent1="accent1" accent2="accent2" accent3="accent3" accent4="accent4" accent5="accent5" accent6="accent6" hlink="hlink" folHlink="folHlink"/>
   <p:sldLayoutIdLst>
-    <p:sldLayoutId id="2147483727" r:id="rId1"/>
-    <p:sldLayoutId id="2147483728" r:id="rId2"/>
-    <p:sldLayoutId id="2147483729" r:id="rId3"/>
-    <p:sldLayoutId id="2147483730" r:id="rId4"/>
-    <p:sldLayoutId id="2147483731" r:id="rId5"/>
-    <p:sldLayoutId id="2147483732" r:id="rId6"/>
-    <p:sldLayoutId id="2147483733" r:id="rId7"/>
-    <p:sldLayoutId id="2147483734" r:id="rId8"/>
-    <p:sldLayoutId id="2147483735" r:id="rId9"/>
-    <p:sldLayoutId id="2147483736" r:id="rId10"/>
-    <p:sldLayoutId id="2147483737" r:id="rId11"/>
-    <p:sldLayoutId id="2147483738" r:id="rId12"/>
-    <p:sldLayoutId id="2147483739" r:id="rId13"/>
-    <p:sldLayoutId id="2147483740" r:id="rId14"/>
-    <p:sldLayoutId id="2147483741" r:id="rId15"/>
-    <p:sldLayoutId id="2147483742" r:id="rId16"/>
+    <p:sldLayoutId id="2147483756" r:id="rId1"/>
+    <p:sldLayoutId id="2147483757" r:id="rId2"/>
+    <p:sldLayoutId id="2147483758" r:id="rId3"/>
+    <p:sldLayoutId id="2147483759" r:id="rId4"/>
+    <p:sldLayoutId id="2147483760" r:id="rId5"/>
+    <p:sldLayoutId id="2147483761" r:id="rId6"/>
+    <p:sldLayoutId id="2147483762" r:id="rId7"/>
+    <p:sldLayoutId id="2147483763" r:id="rId8"/>
+    <p:sldLayoutId id="2147483764" r:id="rId9"/>
+    <p:sldLayoutId id="2147483765" r:id="rId10"/>
+    <p:sldLayoutId id="2147483766" r:id="rId11"/>
+    <p:sldLayoutId id="2147483767" r:id="rId12"/>
+    <p:sldLayoutId id="2147483768" r:id="rId13"/>
+    <p:sldLayoutId id="2147483769" r:id="rId14"/>
+    <p:sldLayoutId id="2147483770" r:id="rId15"/>
+    <p:sldLayoutId id="2147483771" r:id="rId16"/>
   </p:sldLayoutIdLst>
   <p:txStyles>
     <p:titleStyle>
@@ -5856,7 +5863,7 @@
           <a:p>
             <a:pPr algn="ctr"/>
             <a:r>
-              <a:rPr lang="en-US" sz="8800" dirty="0" smtClean="0">
+              <a:rPr lang="en-US" sz="8800" dirty="0">
                 <a:ln w="0"/>
                 <a:solidFill>
                   <a:schemeClr val="accent1"/>
@@ -5888,7 +5895,23 @@
                   </a:outerShdw>
                 </a:effectLst>
               </a:rPr>
-              <a:t>Assistance</a:t>
+              <a:t>Assistanc</a:t>
+            </a:r>
+            <a:r>
+              <a:rPr lang="en-US" sz="8800" dirty="0" smtClean="0">
+                <a:ln w="0"/>
+                <a:solidFill>
+                  <a:schemeClr val="accent1"/>
+                </a:solidFill>
+                <a:effectLst>
+                  <a:outerShdw blurRad="38100" dist="25400" dir="5400000" algn="ctr" rotWithShape="0">
+                    <a:srgbClr val="6E747A">
+                      <a:alpha val="43000"/>
+                    </a:srgbClr>
+                  </a:outerShdw>
+                </a:effectLst>
+              </a:rPr>
+              <a:t>e</a:t>
             </a:r>
             <a:endParaRPr lang="en-US" sz="8800" dirty="0">
               <a:ln w="0"/>
@@ -5915,7 +5938,7 @@
         <p:spPr>
           <a:xfrm>
             <a:off x="809898" y="4728755"/>
-            <a:ext cx="1838708" cy="369332"/>
+            <a:ext cx="1639744" cy="369332"/>
           </a:xfrm>
           <a:prstGeom prst="rect">
             <a:avLst/>
@@ -5929,7 +5952,7 @@
           <a:lstStyle/>
           <a:p>
             <a:r>
-              <a:rPr lang="en-US" dirty="0" smtClean="0"/>
+              <a:rPr lang="en-US" dirty="0"/>
               <a:t>Team Members</a:t>
             </a:r>
             <a:endParaRPr lang="en-IN" dirty="0"/>
@@ -5944,8 +5967,8 @@
         </p:nvSpPr>
         <p:spPr>
           <a:xfrm>
-            <a:off x="809898" y="5277395"/>
-            <a:ext cx="2899954" cy="1200329"/>
+            <a:off x="809897" y="5277395"/>
+            <a:ext cx="2899955" cy="1200329"/>
           </a:xfrm>
           <a:prstGeom prst="rect">
             <a:avLst/>
@@ -5959,47 +5982,47 @@
           <a:lstStyle/>
           <a:p>
             <a:r>
-              <a:rPr lang="en-US" dirty="0" smtClean="0"/>
+              <a:rPr lang="en-US" dirty="0"/>
               <a:t>Rahul Kumar Dubey</a:t>
             </a:r>
           </a:p>
           <a:p>
             <a:r>
-              <a:rPr lang="en-US" dirty="0" err="1" smtClean="0"/>
+              <a:rPr lang="en-US" dirty="0" err="1"/>
               <a:t>Jatinder</a:t>
             </a:r>
             <a:r>
-              <a:rPr lang="en-US" dirty="0" smtClean="0"/>
+              <a:rPr lang="en-US" dirty="0"/>
               <a:t> Kumar </a:t>
             </a:r>
             <a:r>
-              <a:rPr lang="en-US" dirty="0" err="1" smtClean="0"/>
+              <a:rPr lang="en-US" dirty="0" err="1"/>
               <a:t>Chaurasia</a:t>
             </a:r>
-            <a:endParaRPr lang="en-US" dirty="0" smtClean="0"/>
-          </a:p>
-          <a:p>
-            <a:r>
-              <a:rPr lang="en-US" dirty="0" err="1" smtClean="0"/>
+            <a:endParaRPr lang="en-US" dirty="0"/>
+          </a:p>
+          <a:p>
+            <a:r>
+              <a:rPr lang="en-US" dirty="0" err="1"/>
               <a:t>Aarti</a:t>
             </a:r>
             <a:r>
-              <a:rPr lang="en-US" dirty="0" smtClean="0"/>
+              <a:rPr lang="en-US" dirty="0"/>
               <a:t> </a:t>
             </a:r>
             <a:r>
-              <a:rPr lang="en-US" dirty="0" err="1" smtClean="0"/>
+              <a:rPr lang="en-US" dirty="0" err="1"/>
               <a:t>Verma</a:t>
             </a:r>
-            <a:endParaRPr lang="en-US" dirty="0" smtClean="0"/>
-          </a:p>
-          <a:p>
-            <a:r>
-              <a:rPr lang="en-US" dirty="0" smtClean="0"/>
+            <a:endParaRPr lang="en-US" dirty="0"/>
+          </a:p>
+          <a:p>
+            <a:r>
+              <a:rPr lang="en-US" dirty="0"/>
               <a:t>Sameer </a:t>
             </a:r>
             <a:r>
-              <a:rPr lang="en-US" dirty="0" err="1" smtClean="0"/>
+              <a:rPr lang="en-US" dirty="0" err="1"/>
               <a:t>Chandwaskar</a:t>
             </a:r>
             <a:endParaRPr lang="en-IN" dirty="0"/>
@@ -6028,8 +6051,8 @@
         </p:blipFill>
         <p:spPr>
           <a:xfrm>
-            <a:off x="1111262" y="1529181"/>
-            <a:ext cx="3098413" cy="2641270"/>
+            <a:off x="1111263" y="1529182"/>
+            <a:ext cx="3098413" cy="2641271"/>
           </a:xfrm>
           <a:prstGeom prst="rect">
             <a:avLst/>
@@ -6045,7 +6068,7 @@
         <p:spPr>
           <a:xfrm>
             <a:off x="9339943" y="5277395"/>
-            <a:ext cx="2018886" cy="369332"/>
+            <a:ext cx="1787156" cy="369332"/>
           </a:xfrm>
           <a:prstGeom prst="rect">
             <a:avLst/>
@@ -6059,7 +6082,7 @@
           <a:lstStyle/>
           <a:p>
             <a:r>
-              <a:rPr lang="en-US" dirty="0" smtClean="0"/>
+              <a:rPr lang="en-US" dirty="0"/>
               <a:t>Project Guidance</a:t>
             </a:r>
             <a:endParaRPr lang="en-IN" dirty="0"/>
@@ -6074,8 +6097,8 @@
         </p:nvSpPr>
         <p:spPr>
           <a:xfrm>
-            <a:off x="9290955" y="5877559"/>
-            <a:ext cx="2116862" cy="369332"/>
+            <a:off x="9290957" y="5877559"/>
+            <a:ext cx="1868653" cy="369332"/>
           </a:xfrm>
           <a:prstGeom prst="rect">
             <a:avLst/>
@@ -6089,15 +6112,15 @@
           <a:lstStyle/>
           <a:p>
             <a:r>
-              <a:rPr lang="en-US" dirty="0" err="1" smtClean="0"/>
+              <a:rPr lang="en-US" dirty="0" err="1"/>
               <a:t>Mr.Nilesh</a:t>
             </a:r>
             <a:r>
-              <a:rPr lang="en-US" dirty="0" smtClean="0"/>
+              <a:rPr lang="en-US" dirty="0"/>
               <a:t> </a:t>
             </a:r>
             <a:r>
-              <a:rPr lang="en-US" dirty="0" err="1" smtClean="0"/>
+              <a:rPr lang="en-US" dirty="0" err="1"/>
               <a:t>Gandhe</a:t>
             </a:r>
             <a:endParaRPr lang="en-IN" dirty="0"/>
@@ -6108,6 +6131,183 @@
     <p:extLst>
       <p:ext uri="{BB962C8B-B14F-4D97-AF65-F5344CB8AC3E}">
         <p14:creationId xmlns:p14="http://schemas.microsoft.com/office/powerpoint/2010/main" val="4198359075"/>
+      </p:ext>
+    </p:extLst>
+  </p:cSld>
+  <p:clrMapOvr>
+    <a:masterClrMapping/>
+  </p:clrMapOvr>
+  <p:timing>
+    <p:tnLst>
+      <p:par>
+        <p:cTn id="1" dur="indefinite" restart="never" nodeType="tmRoot"/>
+      </p:par>
+    </p:tnLst>
+  </p:timing>
+</p:sld>
+</file>
+
+<file path=ppt/slides/slide10.xml><?xml version="1.0" encoding="utf-8"?>
+<p:sld xmlns:a="http://schemas.openxmlformats.org/drawingml/2006/main" xmlns:r="http://schemas.openxmlformats.org/officeDocument/2006/relationships" xmlns:p="http://schemas.openxmlformats.org/presentationml/2006/main">
+  <p:cSld>
+    <p:spTree>
+      <p:nvGrpSpPr>
+        <p:cNvPr id="1" name=""/>
+        <p:cNvGrpSpPr/>
+        <p:nvPr/>
+      </p:nvGrpSpPr>
+      <p:grpSpPr>
+        <a:xfrm>
+          <a:off x="0" y="0"/>
+          <a:ext cx="0" cy="0"/>
+          <a:chOff x="0" y="0"/>
+          <a:chExt cx="0" cy="0"/>
+        </a:xfrm>
+      </p:grpSpPr>
+      <p:pic>
+        <p:nvPicPr>
+          <p:cNvPr id="5122" name="Picture 2" descr="Screenshot (6).png"/>
+          <p:cNvPicPr>
+            <a:picLocks noChangeAspect="1" noChangeArrowheads="1"/>
+          </p:cNvPicPr>
+          <p:nvPr/>
+        </p:nvPicPr>
+        <p:blipFill>
+          <a:blip r:embed="rId2">
+            <a:extLst>
+              <a:ext uri="{28A0092B-C50C-407E-A947-70E740481C1C}">
+                <a14:useLocalDpi xmlns:a14="http://schemas.microsoft.com/office/drawing/2010/main" val="0"/>
+              </a:ext>
+            </a:extLst>
+          </a:blip>
+          <a:srcRect/>
+          <a:stretch>
+            <a:fillRect/>
+          </a:stretch>
+        </p:blipFill>
+        <p:spPr bwMode="auto">
+          <a:xfrm>
+            <a:off x="0" y="0"/>
+            <a:ext cx="13011150" cy="7315200"/>
+          </a:xfrm>
+          <a:prstGeom prst="rect">
+            <a:avLst/>
+          </a:prstGeom>
+          <a:noFill/>
+          <a:extLst>
+            <a:ext uri="{909E8E84-426E-40DD-AFC4-6F175D3DCCD1}">
+              <a14:hiddenFill xmlns:a14="http://schemas.microsoft.com/office/drawing/2010/main">
+                <a:solidFill>
+                  <a:srgbClr val="FFFFFF"/>
+                </a:solidFill>
+              </a14:hiddenFill>
+            </a:ext>
+          </a:extLst>
+        </p:spPr>
+      </p:pic>
+    </p:spTree>
+    <p:extLst>
+      <p:ext uri="{BB962C8B-B14F-4D97-AF65-F5344CB8AC3E}">
+        <p14:creationId xmlns:p14="http://schemas.microsoft.com/office/powerpoint/2010/main" val="2623434371"/>
+      </p:ext>
+    </p:extLst>
+  </p:cSld>
+  <p:clrMapOvr>
+    <a:masterClrMapping/>
+  </p:clrMapOvr>
+  <p:timing>
+    <p:tnLst>
+      <p:par>
+        <p:cTn id="1" dur="indefinite" restart="never" nodeType="tmRoot"/>
+      </p:par>
+    </p:tnLst>
+  </p:timing>
+</p:sld>
+</file>
+
+<file path=ppt/slides/slide11.xml><?xml version="1.0" encoding="utf-8"?>
+<p:sld xmlns:a="http://schemas.openxmlformats.org/drawingml/2006/main" xmlns:r="http://schemas.openxmlformats.org/officeDocument/2006/relationships" xmlns:p="http://schemas.openxmlformats.org/presentationml/2006/main">
+  <p:cSld>
+    <p:spTree>
+      <p:nvGrpSpPr>
+        <p:cNvPr id="1" name=""/>
+        <p:cNvGrpSpPr/>
+        <p:nvPr/>
+      </p:nvGrpSpPr>
+      <p:grpSpPr>
+        <a:xfrm>
+          <a:off x="0" y="0"/>
+          <a:ext cx="0" cy="0"/>
+          <a:chOff x="0" y="0"/>
+          <a:chExt cx="0" cy="0"/>
+        </a:xfrm>
+      </p:grpSpPr>
+      <p:sp>
+        <p:nvSpPr>
+          <p:cNvPr id="4" name="Rectangle 3"/>
+          <p:cNvSpPr/>
+          <p:nvPr/>
+        </p:nvSpPr>
+        <p:spPr>
+          <a:xfrm>
+            <a:off x="4437020" y="2967335"/>
+            <a:ext cx="3317961" cy="923330"/>
+          </a:xfrm>
+          <a:prstGeom prst="rect">
+            <a:avLst/>
+          </a:prstGeom>
+          <a:noFill/>
+        </p:spPr>
+        <p:txBody>
+          <a:bodyPr wrap="none" lIns="91440" tIns="45720" rIns="91440" bIns="45720">
+            <a:spAutoFit/>
+          </a:bodyPr>
+          <a:lstStyle/>
+          <a:p>
+            <a:pPr algn="ctr"/>
+            <a:r>
+              <a:rPr lang="en-US" sz="5400" dirty="0">
+                <a:ln w="0"/>
+                <a:effectLst>
+                  <a:outerShdw blurRad="38100" dist="19050" dir="2700000" algn="tl" rotWithShape="0">
+                    <a:schemeClr val="dk1">
+                      <a:alpha val="40000"/>
+                    </a:schemeClr>
+                  </a:outerShdw>
+                </a:effectLst>
+              </a:rPr>
+              <a:t>Thank </a:t>
+            </a:r>
+            <a:r>
+              <a:rPr lang="en-US" sz="5400" dirty="0" smtClean="0">
+                <a:ln w="0"/>
+                <a:effectLst>
+                  <a:outerShdw blurRad="38100" dist="19050" dir="2700000" algn="tl" rotWithShape="0">
+                    <a:schemeClr val="dk1">
+                      <a:alpha val="40000"/>
+                    </a:schemeClr>
+                  </a:outerShdw>
+                </a:effectLst>
+              </a:rPr>
+              <a:t>You</a:t>
+            </a:r>
+            <a:endParaRPr lang="en-US" sz="5400" dirty="0">
+              <a:ln w="0"/>
+              <a:effectLst>
+                <a:outerShdw blurRad="38100" dist="19050" dir="2700000" algn="tl" rotWithShape="0">
+                  <a:schemeClr val="dk1">
+                    <a:alpha val="40000"/>
+                  </a:schemeClr>
+                </a:outerShdw>
+              </a:effectLst>
+            </a:endParaRPr>
+          </a:p>
+        </p:txBody>
+      </p:sp>
+    </p:spTree>
+    <p:extLst>
+      <p:ext uri="{BB962C8B-B14F-4D97-AF65-F5344CB8AC3E}">
+        <p14:creationId xmlns:p14="http://schemas.microsoft.com/office/powerpoint/2010/main" val="1078103258"/>
       </p:ext>
     </p:extLst>
   </p:cSld>
@@ -6149,8 +6349,8 @@
         </p:nvSpPr>
         <p:spPr>
           <a:xfrm>
-            <a:off x="3645158" y="261257"/>
-            <a:ext cx="4791696" cy="523220"/>
+            <a:off x="3920811" y="261257"/>
+            <a:ext cx="4240392" cy="523220"/>
           </a:xfrm>
           <a:prstGeom prst="rect">
             <a:avLst/>
@@ -6165,7 +6365,7 @@
           <a:p>
             <a:pPr algn="just"/>
             <a:r>
-              <a:rPr lang="en-US" sz="2800" dirty="0" smtClean="0"/>
+              <a:rPr lang="en-US" sz="2800" dirty="0"/>
               <a:t>What is On-Road Assistance</a:t>
             </a:r>
             <a:endParaRPr lang="en-IN" sz="2800" dirty="0"/>
@@ -6180,7 +6380,7 @@
         </p:nvSpPr>
         <p:spPr>
           <a:xfrm>
-            <a:off x="827314" y="989652"/>
+            <a:off x="827315" y="989653"/>
             <a:ext cx="6096000" cy="646331"/>
           </a:xfrm>
           <a:prstGeom prst="rect">
@@ -6201,7 +6401,7 @@
               <a:t>With new vehicular addition to the roads each day, the traffic density has been creeping significantly </a:t>
             </a:r>
             <a:r>
-              <a:rPr lang="en-GB" dirty="0" smtClean="0">
+              <a:rPr lang="en-GB" dirty="0">
                 <a:latin typeface="Arial" panose="020B0604020202020204" pitchFamily="34" charset="0"/>
               </a:rPr>
               <a:t>.</a:t>
@@ -6218,7 +6418,7 @@
         </p:nvSpPr>
         <p:spPr>
           <a:xfrm>
-            <a:off x="827314" y="1841158"/>
+            <a:off x="827315" y="1841158"/>
             <a:ext cx="6096000" cy="1477328"/>
           </a:xfrm>
           <a:prstGeom prst="rect">
@@ -6239,7 +6439,7 @@
               <a:t>This causes more dependence on roadside assistance </a:t>
             </a:r>
             <a:r>
-              <a:rPr lang="en-GB" dirty="0" smtClean="0">
+              <a:rPr lang="en-GB" dirty="0">
                 <a:latin typeface="Arial" panose="020B0604020202020204" pitchFamily="34" charset="0"/>
               </a:rPr>
               <a:t>in situation </a:t>
@@ -6251,7 +6451,7 @@
               <a:t>of vehicular breakdown, fuel insufficiency or accident. </a:t>
             </a:r>
             <a:r>
-              <a:rPr lang="en-GB" dirty="0" smtClean="0">
+              <a:rPr lang="en-GB" dirty="0">
                 <a:latin typeface="Arial" panose="020B0604020202020204" pitchFamily="34" charset="0"/>
               </a:rPr>
               <a:t>An app</a:t>
@@ -6274,7 +6474,7 @@
         </p:nvSpPr>
         <p:spPr>
           <a:xfrm>
-            <a:off x="4968240" y="4077512"/>
+            <a:off x="4968240" y="4077513"/>
             <a:ext cx="6096000" cy="2308324"/>
           </a:xfrm>
           <a:prstGeom prst="rect">
@@ -6343,8 +6543,8 @@
         </p:nvSpPr>
         <p:spPr>
           <a:xfrm>
-            <a:off x="5059040" y="261257"/>
-            <a:ext cx="1963936" cy="523220"/>
+            <a:off x="5187410" y="261257"/>
+            <a:ext cx="1707199" cy="523220"/>
           </a:xfrm>
           <a:prstGeom prst="rect">
             <a:avLst/>
@@ -6359,7 +6559,7 @@
           <a:p>
             <a:pPr algn="just"/>
             <a:r>
-              <a:rPr lang="en-US" sz="2800" dirty="0" smtClean="0"/>
+              <a:rPr lang="en-US" sz="2800" dirty="0"/>
               <a:t>Objectives</a:t>
             </a:r>
             <a:endParaRPr lang="en-IN" sz="2800" dirty="0"/>
@@ -6374,10 +6574,10 @@
         </p:nvGrpSpPr>
         <p:grpSpPr>
           <a:xfrm>
-            <a:off x="1293223" y="1203850"/>
-            <a:ext cx="9744328" cy="4355904"/>
+            <a:off x="1168844" y="1112411"/>
+            <a:ext cx="9744328" cy="3850286"/>
             <a:chOff x="1166949" y="929530"/>
-            <a:chExt cx="6096000" cy="4355904"/>
+            <a:chExt cx="6096000" cy="3850286"/>
           </a:xfrm>
         </p:grpSpPr>
         <p:sp>
@@ -6389,7 +6589,7 @@
           <p:spPr>
             <a:xfrm>
               <a:off x="1166949" y="929530"/>
-              <a:ext cx="6096000" cy="1200329"/>
+              <a:ext cx="6096000" cy="830997"/>
             </a:xfrm>
             <a:prstGeom prst="rect">
               <a:avLst/>
@@ -6401,14 +6601,14 @@
             </a:bodyPr>
             <a:lstStyle/>
             <a:p>
-              <a:pPr marL="285750" indent="-285750" algn="just">
+              <a:pPr marL="285744" indent="-285744" algn="just">
                 <a:buFont typeface="Arial" panose="020B0604020202020204" pitchFamily="34" charset="0"/>
                 <a:buChar char="•"/>
               </a:pPr>
               <a:endParaRPr lang="en-IN" sz="2400" dirty="0"/>
             </a:p>
             <a:p>
-              <a:pPr marL="285750" indent="-285750" algn="just">
+              <a:pPr marL="285744" indent="-285744" algn="just">
                 <a:buFont typeface="Arial" panose="020B0604020202020204" pitchFamily="34" charset="0"/>
                 <a:buChar char="•"/>
               </a:pPr>
@@ -6440,14 +6640,14 @@
             </a:bodyPr>
             <a:lstStyle/>
             <a:p>
-              <a:pPr marL="285750" indent="-285750" algn="just">
+              <a:pPr marL="285744" indent="-285744" algn="just">
                 <a:buFont typeface="Arial" panose="020B0604020202020204" pitchFamily="34" charset="0"/>
                 <a:buChar char="•"/>
               </a:pPr>
               <a:endParaRPr lang="en-IN" sz="2400" dirty="0"/>
             </a:p>
             <a:p>
-              <a:pPr marL="285750" indent="-285750" algn="just">
+              <a:pPr marL="285744" indent="-285744" algn="just">
                 <a:buFont typeface="Arial" panose="020B0604020202020204" pitchFamily="34" charset="0"/>
                 <a:buChar char="•"/>
               </a:pPr>
@@ -6460,52 +6660,13 @@
         </p:sp>
         <p:sp>
           <p:nvSpPr>
-            <p:cNvPr id="8" name="Rectangle 7"/>
-            <p:cNvSpPr/>
-            <p:nvPr/>
-          </p:nvSpPr>
-          <p:spPr>
-            <a:xfrm>
-              <a:off x="1166949" y="2789297"/>
-              <a:ext cx="6096000" cy="830997"/>
-            </a:xfrm>
-            <a:prstGeom prst="rect">
-              <a:avLst/>
-            </a:prstGeom>
-          </p:spPr>
-          <p:txBody>
-            <a:bodyPr>
-              <a:spAutoFit/>
-            </a:bodyPr>
-            <a:lstStyle/>
-            <a:p>
-              <a:pPr marL="285750" indent="-285750" algn="just">
-                <a:buFont typeface="Arial" panose="020B0604020202020204" pitchFamily="34" charset="0"/>
-                <a:buChar char="•"/>
-              </a:pPr>
-              <a:endParaRPr lang="en-IN" sz="2400" dirty="0"/>
-            </a:p>
-            <a:p>
-              <a:pPr marL="285750" indent="-285750" algn="just">
-                <a:buFont typeface="Arial" panose="020B0604020202020204" pitchFamily="34" charset="0"/>
-                <a:buChar char="•"/>
-              </a:pPr>
-              <a:r>
-                <a:rPr lang="en-GB" sz="2400" dirty="0"/>
-                <a:t>Location based searching of mechanics. </a:t>
-              </a:r>
-            </a:p>
-          </p:txBody>
-        </p:sp>
-        <p:sp>
-          <p:nvSpPr>
             <p:cNvPr id="9" name="Rectangle 8"/>
             <p:cNvSpPr/>
             <p:nvPr/>
           </p:nvSpPr>
           <p:spPr>
             <a:xfrm>
-              <a:off x="1166949" y="3334528"/>
+              <a:off x="1166949" y="2828910"/>
               <a:ext cx="6096000" cy="1015663"/>
             </a:xfrm>
             <a:prstGeom prst="rect">
@@ -6518,7 +6679,7 @@
             </a:bodyPr>
             <a:lstStyle/>
             <a:p>
-              <a:pPr marL="457200" indent="-457200" algn="just">
+              <a:pPr marL="457189" indent="-457189" algn="just">
                 <a:buFont typeface="Arial" panose="020B0604020202020204" pitchFamily="34" charset="0"/>
                 <a:buChar char="•"/>
               </a:pPr>
@@ -6527,7 +6688,7 @@
               </a:endParaRPr>
             </a:p>
             <a:p>
-              <a:pPr marL="285750" indent="-285750" algn="just">
+              <a:pPr marL="285744" indent="-285744" algn="just">
                 <a:buFont typeface="Arial" panose="020B0604020202020204" pitchFamily="34" charset="0"/>
                 <a:buChar char="•"/>
               </a:pPr>
@@ -6548,7 +6709,7 @@
           </p:nvSpPr>
           <p:spPr>
             <a:xfrm>
-              <a:off x="1166949" y="4454437"/>
+              <a:off x="1166949" y="3948819"/>
               <a:ext cx="6096000" cy="830997"/>
             </a:xfrm>
             <a:prstGeom prst="rect">
@@ -6561,21 +6722,22 @@
             </a:bodyPr>
             <a:lstStyle/>
             <a:p>
-              <a:pPr marL="285750" indent="-285750" algn="just">
+              <a:pPr marL="285744" indent="-285744" algn="just">
                 <a:buFont typeface="Arial" panose="020B0604020202020204" pitchFamily="34" charset="0"/>
                 <a:buChar char="•"/>
               </a:pPr>
               <a:endParaRPr lang="en-IN" sz="2400" dirty="0"/>
             </a:p>
             <a:p>
-              <a:pPr marL="285750" indent="-285750" algn="just">
+              <a:pPr marL="285744" indent="-285744" algn="just">
                 <a:buFont typeface="Arial" panose="020B0604020202020204" pitchFamily="34" charset="0"/>
                 <a:buChar char="•"/>
               </a:pPr>
               <a:r>
                 <a:rPr lang="en-IN" sz="2400" dirty="0"/>
-                <a:t>Real time navigation. </a:t>
+                <a:t>Feedback to mechanic. </a:t>
               </a:r>
+              <a:endParaRPr lang="en-IN" sz="2400" dirty="0"/>
             </a:p>
           </p:txBody>
         </p:sp>
@@ -6619,6 +6781,340 @@
       </p:grpSpPr>
       <p:sp>
         <p:nvSpPr>
+          <p:cNvPr id="4" name="TextBox 3"/>
+          <p:cNvSpPr txBox="1"/>
+          <p:nvPr/>
+        </p:nvSpPr>
+        <p:spPr>
+          <a:xfrm>
+            <a:off x="4551536" y="261257"/>
+            <a:ext cx="2978957" cy="523220"/>
+          </a:xfrm>
+          <a:prstGeom prst="rect">
+            <a:avLst/>
+          </a:prstGeom>
+          <a:noFill/>
+        </p:spPr>
+        <p:txBody>
+          <a:bodyPr wrap="none" rtlCol="0">
+            <a:spAutoFit/>
+          </a:bodyPr>
+          <a:lstStyle/>
+          <a:p>
+            <a:pPr algn="just"/>
+            <a:r>
+              <a:rPr lang="en-US" sz="2800" dirty="0"/>
+              <a:t>Technology &amp; Tools</a:t>
+            </a:r>
+            <a:endParaRPr lang="en-IN" sz="2800" dirty="0"/>
+          </a:p>
+        </p:txBody>
+      </p:sp>
+      <p:sp>
+        <p:nvSpPr>
+          <p:cNvPr id="5" name="TextBox 4"/>
+          <p:cNvSpPr txBox="1"/>
+          <p:nvPr/>
+        </p:nvSpPr>
+        <p:spPr>
+          <a:xfrm>
+            <a:off x="1007765" y="1372304"/>
+            <a:ext cx="1627882" cy="523220"/>
+          </a:xfrm>
+          <a:prstGeom prst="rect">
+            <a:avLst/>
+          </a:prstGeom>
+          <a:noFill/>
+        </p:spPr>
+        <p:txBody>
+          <a:bodyPr wrap="none" rtlCol="0">
+            <a:spAutoFit/>
+          </a:bodyPr>
+          <a:lstStyle/>
+          <a:p>
+            <a:pPr algn="just"/>
+            <a:r>
+              <a:rPr lang="en-IN" sz="2800" dirty="0"/>
+              <a:t>Front-End</a:t>
+            </a:r>
+            <a:endParaRPr lang="en-IN" sz="2800" dirty="0"/>
+          </a:p>
+        </p:txBody>
+      </p:sp>
+      <p:sp>
+        <p:nvSpPr>
+          <p:cNvPr id="6" name="TextBox 5"/>
+          <p:cNvSpPr txBox="1"/>
+          <p:nvPr/>
+        </p:nvSpPr>
+        <p:spPr>
+          <a:xfrm>
+            <a:off x="2985263" y="1449248"/>
+            <a:ext cx="3597203" cy="369332"/>
+          </a:xfrm>
+          <a:prstGeom prst="rect">
+            <a:avLst/>
+          </a:prstGeom>
+          <a:noFill/>
+        </p:spPr>
+        <p:txBody>
+          <a:bodyPr wrap="none" rtlCol="0">
+            <a:spAutoFit/>
+          </a:bodyPr>
+          <a:lstStyle/>
+          <a:p>
+            <a:pPr marL="285744" indent="-285744">
+              <a:buFont typeface="Arial" panose="020B0604020202020204" pitchFamily="34" charset="0"/>
+              <a:buChar char="•"/>
+            </a:pPr>
+            <a:r>
+              <a:rPr lang="en-US" dirty="0"/>
+              <a:t>HTML5,CSS3,Bootstrap,Javascript</a:t>
+            </a:r>
+            <a:endParaRPr lang="en-US" dirty="0"/>
+          </a:p>
+        </p:txBody>
+      </p:sp>
+      <p:sp>
+        <p:nvSpPr>
+          <p:cNvPr id="7" name="TextBox 6"/>
+          <p:cNvSpPr txBox="1"/>
+          <p:nvPr/>
+        </p:nvSpPr>
+        <p:spPr>
+          <a:xfrm>
+            <a:off x="991640" y="2233924"/>
+            <a:ext cx="1932645" cy="523220"/>
+          </a:xfrm>
+          <a:prstGeom prst="rect">
+            <a:avLst/>
+          </a:prstGeom>
+          <a:noFill/>
+        </p:spPr>
+        <p:txBody>
+          <a:bodyPr wrap="none" rtlCol="0">
+            <a:spAutoFit/>
+          </a:bodyPr>
+          <a:lstStyle/>
+          <a:p>
+            <a:pPr algn="just"/>
+            <a:r>
+              <a:rPr lang="en-IN" sz="2800" dirty="0"/>
+              <a:t>Middleware</a:t>
+            </a:r>
+            <a:endParaRPr lang="en-IN" sz="2800" dirty="0"/>
+          </a:p>
+        </p:txBody>
+      </p:sp>
+      <p:sp>
+        <p:nvSpPr>
+          <p:cNvPr id="8" name="TextBox 7"/>
+          <p:cNvSpPr txBox="1"/>
+          <p:nvPr/>
+        </p:nvSpPr>
+        <p:spPr>
+          <a:xfrm>
+            <a:off x="2985263" y="2359205"/>
+            <a:ext cx="1904304" cy="369332"/>
+          </a:xfrm>
+          <a:prstGeom prst="rect">
+            <a:avLst/>
+          </a:prstGeom>
+          <a:noFill/>
+        </p:spPr>
+        <p:txBody>
+          <a:bodyPr wrap="none" rtlCol="0">
+            <a:spAutoFit/>
+          </a:bodyPr>
+          <a:lstStyle/>
+          <a:p>
+            <a:pPr marL="285744" indent="-285744">
+              <a:buFont typeface="Arial" panose="020B0604020202020204" pitchFamily="34" charset="0"/>
+              <a:buChar char="•"/>
+            </a:pPr>
+            <a:r>
+              <a:rPr lang="en-US" dirty="0"/>
+              <a:t>Java,JSP,Servlet</a:t>
+            </a:r>
+            <a:endParaRPr lang="en-US" dirty="0"/>
+          </a:p>
+        </p:txBody>
+      </p:sp>
+      <p:sp>
+        <p:nvSpPr>
+          <p:cNvPr id="9" name="TextBox 8"/>
+          <p:cNvSpPr txBox="1"/>
+          <p:nvPr/>
+        </p:nvSpPr>
+        <p:spPr>
+          <a:xfrm>
+            <a:off x="1056114" y="3095544"/>
+            <a:ext cx="1531188" cy="523220"/>
+          </a:xfrm>
+          <a:prstGeom prst="rect">
+            <a:avLst/>
+          </a:prstGeom>
+          <a:noFill/>
+        </p:spPr>
+        <p:txBody>
+          <a:bodyPr wrap="none" rtlCol="0">
+            <a:spAutoFit/>
+          </a:bodyPr>
+          <a:lstStyle/>
+          <a:p>
+            <a:pPr algn="just"/>
+            <a:r>
+              <a:rPr lang="en-IN" sz="2800" dirty="0"/>
+              <a:t>Back-End</a:t>
+            </a:r>
+            <a:endParaRPr lang="en-IN" sz="2800" dirty="0"/>
+          </a:p>
+        </p:txBody>
+      </p:sp>
+      <p:sp>
+        <p:nvSpPr>
+          <p:cNvPr id="10" name="TextBox 9"/>
+          <p:cNvSpPr txBox="1"/>
+          <p:nvPr/>
+        </p:nvSpPr>
+        <p:spPr>
+          <a:xfrm>
+            <a:off x="2985263" y="3172488"/>
+            <a:ext cx="1077603" cy="369332"/>
+          </a:xfrm>
+          <a:prstGeom prst="rect">
+            <a:avLst/>
+          </a:prstGeom>
+          <a:noFill/>
+        </p:spPr>
+        <p:txBody>
+          <a:bodyPr wrap="none" rtlCol="0">
+            <a:spAutoFit/>
+          </a:bodyPr>
+          <a:lstStyle/>
+          <a:p>
+            <a:pPr marL="285744" indent="-285744">
+              <a:buFont typeface="Arial" panose="020B0604020202020204" pitchFamily="34" charset="0"/>
+              <a:buChar char="•"/>
+            </a:pPr>
+            <a:r>
+              <a:rPr lang="en-US" dirty="0"/>
+              <a:t>Oracle</a:t>
+            </a:r>
+            <a:endParaRPr lang="en-US" dirty="0"/>
+          </a:p>
+        </p:txBody>
+      </p:sp>
+      <p:sp>
+        <p:nvSpPr>
+          <p:cNvPr id="11" name="TextBox 10"/>
+          <p:cNvSpPr txBox="1"/>
+          <p:nvPr/>
+        </p:nvSpPr>
+        <p:spPr>
+          <a:xfrm>
+            <a:off x="993595" y="4342461"/>
+            <a:ext cx="4561240" cy="2031325"/>
+          </a:xfrm>
+          <a:prstGeom prst="rect">
+            <a:avLst/>
+          </a:prstGeom>
+          <a:noFill/>
+        </p:spPr>
+        <p:txBody>
+          <a:bodyPr wrap="square" rtlCol="0">
+            <a:spAutoFit/>
+          </a:bodyPr>
+          <a:lstStyle/>
+          <a:p>
+            <a:r>
+              <a:rPr lang="en-IN" b="1" dirty="0"/>
+              <a:t>Tools </a:t>
+            </a:r>
+            <a:r>
+              <a:rPr lang="en-IN" b="1" dirty="0"/>
+              <a:t>Used</a:t>
+            </a:r>
+          </a:p>
+          <a:p>
+            <a:endParaRPr lang="en-US" dirty="0"/>
+          </a:p>
+          <a:p>
+            <a:pPr lvl="0"/>
+            <a:r>
+              <a:rPr lang="en-IN" dirty="0"/>
+              <a:t>Eclipse oxygen</a:t>
+            </a:r>
+            <a:endParaRPr lang="en-US" dirty="0"/>
+          </a:p>
+          <a:p>
+            <a:pPr lvl="0"/>
+            <a:r>
+              <a:rPr lang="en-IN" dirty="0"/>
+              <a:t>Visual Studio Code</a:t>
+            </a:r>
+            <a:endParaRPr lang="en-US" dirty="0"/>
+          </a:p>
+          <a:p>
+            <a:pPr lvl="0"/>
+            <a:r>
+              <a:rPr lang="en-IN" dirty="0"/>
+              <a:t>SQL Developer 18.4</a:t>
+            </a:r>
+            <a:endParaRPr lang="en-US" dirty="0"/>
+          </a:p>
+          <a:p>
+            <a:pPr lvl="0"/>
+            <a:r>
+              <a:rPr lang="en-IN" dirty="0"/>
+              <a:t>Apache Tomcat 8.5</a:t>
+            </a:r>
+            <a:endParaRPr lang="en-US" dirty="0"/>
+          </a:p>
+          <a:p>
+            <a:endParaRPr lang="en-US" dirty="0"/>
+          </a:p>
+        </p:txBody>
+      </p:sp>
+    </p:spTree>
+    <p:extLst>
+      <p:ext uri="{BB962C8B-B14F-4D97-AF65-F5344CB8AC3E}">
+        <p14:creationId xmlns:p14="http://schemas.microsoft.com/office/powerpoint/2010/main" val="4000166627"/>
+      </p:ext>
+    </p:extLst>
+  </p:cSld>
+  <p:clrMapOvr>
+    <a:masterClrMapping/>
+  </p:clrMapOvr>
+  <p:timing>
+    <p:tnLst>
+      <p:par>
+        <p:cTn id="1" dur="indefinite" restart="never" nodeType="tmRoot"/>
+      </p:par>
+    </p:tnLst>
+  </p:timing>
+</p:sld>
+</file>
+
+<file path=ppt/slides/slide5.xml><?xml version="1.0" encoding="utf-8"?>
+<p:sld xmlns:a="http://schemas.openxmlformats.org/drawingml/2006/main" xmlns:r="http://schemas.openxmlformats.org/officeDocument/2006/relationships" xmlns:p="http://schemas.openxmlformats.org/presentationml/2006/main">
+  <p:cSld>
+    <p:spTree>
+      <p:nvGrpSpPr>
+        <p:cNvPr id="1" name=""/>
+        <p:cNvGrpSpPr/>
+        <p:nvPr/>
+      </p:nvGrpSpPr>
+      <p:grpSpPr>
+        <a:xfrm>
+          <a:off x="0" y="0"/>
+          <a:ext cx="0" cy="0"/>
+          <a:chOff x="0" y="0"/>
+          <a:chExt cx="0" cy="0"/>
+        </a:xfrm>
+      </p:grpSpPr>
+      <p:sp>
+        <p:nvSpPr>
           <p:cNvPr id="4" name="Oval 3"/>
           <p:cNvSpPr/>
           <p:nvPr/>
@@ -6626,7 +7122,7 @@
         <p:spPr>
           <a:xfrm>
             <a:off x="4894731" y="53789"/>
-            <a:ext cx="2245658" cy="2124635"/>
+            <a:ext cx="2245659" cy="2124635"/>
           </a:xfrm>
           <a:prstGeom prst="ellipse">
             <a:avLst/>
@@ -6654,7 +7150,7 @@
           <a:p>
             <a:pPr algn="ctr"/>
             <a:r>
-              <a:rPr lang="en-US" dirty="0" smtClean="0"/>
+              <a:rPr lang="en-US" dirty="0"/>
               <a:t>Signup Page: User registers either as mechanic or customer</a:t>
             </a:r>
             <a:endParaRPr lang="en-US" dirty="0"/>
@@ -6669,7 +7165,7 @@
         </p:nvSpPr>
         <p:spPr>
           <a:xfrm>
-            <a:off x="416858" y="495304"/>
+            <a:off x="416859" y="495304"/>
             <a:ext cx="2460812" cy="914400"/>
           </a:xfrm>
           <a:prstGeom prst="rect">
@@ -6698,7 +7194,7 @@
           <a:p>
             <a:pPr algn="ctr"/>
             <a:r>
-              <a:rPr lang="en-US" sz="1600" dirty="0" smtClean="0"/>
+              <a:rPr lang="en-US" sz="1600" dirty="0"/>
               <a:t>Login Page: Mechanic Login with Valid Credentials.</a:t>
             </a:r>
             <a:endParaRPr lang="en-US" sz="1600" dirty="0"/>
@@ -6713,7 +7209,7 @@
         </p:nvSpPr>
         <p:spPr>
           <a:xfrm>
-            <a:off x="9345706" y="495304"/>
+            <a:off x="9345707" y="495304"/>
             <a:ext cx="2460812" cy="914400"/>
           </a:xfrm>
           <a:prstGeom prst="rect">
@@ -6742,7 +7238,7 @@
           <a:p>
             <a:pPr algn="ctr"/>
             <a:r>
-              <a:rPr lang="en-US" sz="1600" dirty="0" smtClean="0"/>
+              <a:rPr lang="en-US" sz="1600" dirty="0"/>
               <a:t>Login Page: Customer Login with Valid Credentials.</a:t>
             </a:r>
             <a:endParaRPr lang="en-US" sz="1600" dirty="0"/>
@@ -6757,7 +7253,7 @@
         </p:nvSpPr>
         <p:spPr>
           <a:xfrm>
-            <a:off x="605117" y="1919570"/>
+            <a:off x="605118" y="1919571"/>
             <a:ext cx="2124636" cy="1734671"/>
           </a:xfrm>
           <a:prstGeom prst="rect">
@@ -6786,7 +7282,7 @@
           <a:p>
             <a:pPr algn="ctr"/>
             <a:r>
-              <a:rPr lang="en-US" dirty="0" smtClean="0"/>
+              <a:rPr lang="en-US" dirty="0"/>
               <a:t>Service Page : Mechanic offer service by selecting request from a customer.</a:t>
             </a:r>
             <a:endParaRPr lang="en-US" dirty="0"/>
@@ -6801,7 +7297,7 @@
         </p:nvSpPr>
         <p:spPr>
           <a:xfrm>
-            <a:off x="9446559" y="1919570"/>
+            <a:off x="9446559" y="1919571"/>
             <a:ext cx="2124636" cy="1734671"/>
           </a:xfrm>
           <a:prstGeom prst="rect">
@@ -6830,7 +7326,7 @@
           <a:p>
             <a:pPr algn="ctr"/>
             <a:r>
-              <a:rPr lang="en-US" dirty="0" smtClean="0"/>
+              <a:rPr lang="en-US" dirty="0"/>
               <a:t>Request Page : Customer sends request for help by sending details about themselves and location.</a:t>
             </a:r>
             <a:endParaRPr lang="en-US" dirty="0"/>
@@ -6845,7 +7341,7 @@
         </p:nvSpPr>
         <p:spPr>
           <a:xfrm>
-            <a:off x="430305" y="4522691"/>
+            <a:off x="430306" y="4522693"/>
             <a:ext cx="2447365" cy="1734671"/>
           </a:xfrm>
           <a:prstGeom prst="rect">
@@ -6874,7 +7370,7 @@
           <a:p>
             <a:pPr algn="ctr"/>
             <a:r>
-              <a:rPr lang="en-US" dirty="0" smtClean="0"/>
+              <a:rPr lang="en-US" dirty="0"/>
               <a:t>Real time Navigation: customer and mechanic uses real time navigation to identify the current location.</a:t>
             </a:r>
             <a:endParaRPr lang="en-US" dirty="0"/>
@@ -6889,7 +7385,7 @@
         </p:nvSpPr>
         <p:spPr>
           <a:xfrm>
-            <a:off x="9359153" y="4164107"/>
+            <a:off x="9359154" y="4164109"/>
             <a:ext cx="2447365" cy="1376087"/>
           </a:xfrm>
           <a:prstGeom prst="rect">
@@ -6918,7 +7414,7 @@
           <a:p>
             <a:pPr algn="ctr"/>
             <a:r>
-              <a:rPr lang="en-US" dirty="0" smtClean="0"/>
+              <a:rPr lang="en-US" dirty="0"/>
               <a:t>Search Mechanics : Customer selects  a mechanic based on mechanic ratings.</a:t>
             </a:r>
             <a:endParaRPr lang="en-US" dirty="0"/>
@@ -6933,7 +7429,7 @@
         </p:nvSpPr>
         <p:spPr>
           <a:xfrm>
-            <a:off x="4885759" y="5150221"/>
+            <a:off x="4885760" y="5150222"/>
             <a:ext cx="2447365" cy="1376087"/>
           </a:xfrm>
           <a:prstGeom prst="rect">
@@ -6962,14 +7458,14 @@
           <a:p>
             <a:pPr algn="ctr"/>
             <a:r>
-              <a:rPr lang="en-US" dirty="0" smtClean="0"/>
+              <a:rPr lang="en-US" dirty="0"/>
               <a:t>Rating : </a:t>
             </a:r>
           </a:p>
           <a:p>
             <a:pPr algn="ctr"/>
             <a:r>
-              <a:rPr lang="en-US" dirty="0" smtClean="0"/>
+              <a:rPr lang="en-US" dirty="0"/>
               <a:t>Customer rates mechanics.</a:t>
             </a:r>
             <a:endParaRPr lang="en-US" dirty="0"/>
@@ -6986,7 +7482,7 @@
         </p:nvCxnSpPr>
         <p:spPr>
           <a:xfrm flipH="1" flipV="1">
-            <a:off x="2877670" y="1116106"/>
+            <a:off x="2877671" y="1116108"/>
             <a:ext cx="2017061" cy="1"/>
           </a:xfrm>
           <a:prstGeom prst="straightConnector1">
@@ -7021,7 +7517,7 @@
         </p:nvCxnSpPr>
         <p:spPr>
           <a:xfrm flipV="1">
-            <a:off x="7140389" y="1116106"/>
+            <a:off x="7140390" y="1116108"/>
             <a:ext cx="2218764" cy="1"/>
           </a:xfrm>
           <a:prstGeom prst="straightConnector1">
@@ -7056,8 +7552,8 @@
         </p:nvCxnSpPr>
         <p:spPr>
           <a:xfrm>
-            <a:off x="10576112" y="1409704"/>
-            <a:ext cx="6723" cy="509866"/>
+            <a:off x="10576113" y="1409704"/>
+            <a:ext cx="6723" cy="509867"/>
           </a:xfrm>
           <a:prstGeom prst="straightConnector1">
             <a:avLst/>
@@ -7089,8 +7585,8 @@
         </p:nvCxnSpPr>
         <p:spPr>
           <a:xfrm>
-            <a:off x="1519518" y="1409704"/>
-            <a:ext cx="0" cy="509866"/>
+            <a:off x="1519519" y="1409704"/>
+            <a:ext cx="0" cy="509867"/>
           </a:xfrm>
           <a:prstGeom prst="straightConnector1">
             <a:avLst/>
@@ -7122,8 +7618,8 @@
         </p:nvCxnSpPr>
         <p:spPr>
           <a:xfrm>
-            <a:off x="1519518" y="3654241"/>
-            <a:ext cx="0" cy="868450"/>
+            <a:off x="1519519" y="3654241"/>
+            <a:ext cx="0" cy="868451"/>
           </a:xfrm>
           <a:prstGeom prst="straightConnector1">
             <a:avLst/>
@@ -7155,7 +7651,7 @@
         </p:nvCxnSpPr>
         <p:spPr>
           <a:xfrm>
-            <a:off x="2877670" y="6078071"/>
+            <a:off x="2877671" y="6078073"/>
             <a:ext cx="2017061" cy="13447"/>
           </a:xfrm>
           <a:prstGeom prst="straightConnector1">
@@ -7188,7 +7684,7 @@
         </p:nvCxnSpPr>
         <p:spPr>
           <a:xfrm flipH="1" flipV="1">
-            <a:off x="2884394" y="4852150"/>
+            <a:off x="2884395" y="4852152"/>
             <a:ext cx="6474760" cy="1"/>
           </a:xfrm>
           <a:prstGeom prst="straightConnector1">
@@ -7224,7 +7720,7 @@
         <p:spPr>
           <a:xfrm>
             <a:off x="10508877" y="3654241"/>
-            <a:ext cx="0" cy="509866"/>
+            <a:ext cx="0" cy="509867"/>
           </a:xfrm>
           <a:prstGeom prst="straightConnector1">
             <a:avLst/>
@@ -7256,8 +7752,8 @@
         </p:nvSpPr>
         <p:spPr>
           <a:xfrm>
-            <a:off x="3372630" y="677300"/>
-            <a:ext cx="1215397" cy="369332"/>
+            <a:off x="3372632" y="677300"/>
+            <a:ext cx="1099981" cy="369332"/>
           </a:xfrm>
           <a:prstGeom prst="rect">
             <a:avLst/>
@@ -7284,7 +7780,7 @@
           <a:lstStyle/>
           <a:p>
             <a:r>
-              <a:rPr lang="en-US" dirty="0" smtClean="0">
+              <a:rPr lang="en-US" dirty="0">
                 <a:solidFill>
                   <a:schemeClr val="bg1"/>
                 </a:solidFill>
@@ -7307,8 +7803,8 @@
         </p:nvSpPr>
         <p:spPr>
           <a:xfrm>
-            <a:off x="7631632" y="677300"/>
-            <a:ext cx="1226618" cy="369332"/>
+            <a:off x="7631633" y="677300"/>
+            <a:ext cx="1093569" cy="369332"/>
           </a:xfrm>
           <a:prstGeom prst="rect">
             <a:avLst/>
@@ -7335,7 +7831,7 @@
           <a:lstStyle/>
           <a:p>
             <a:r>
-              <a:rPr lang="en-US" dirty="0" smtClean="0">
+              <a:rPr lang="en-US" dirty="0">
                 <a:solidFill>
                   <a:schemeClr val="bg1"/>
                 </a:solidFill>
@@ -7358,8 +7854,8 @@
         </p:nvSpPr>
         <p:spPr>
           <a:xfrm>
-            <a:off x="4084874" y="2967335"/>
-            <a:ext cx="4022256" cy="923330"/>
+            <a:off x="4232481" y="2967336"/>
+            <a:ext cx="3727046" cy="923330"/>
           </a:xfrm>
           <a:prstGeom prst="rect">
             <a:avLst/>
@@ -7374,7 +7870,7 @@
           <a:p>
             <a:pPr algn="ctr"/>
             <a:r>
-              <a:rPr lang="en-US" sz="5400" b="1" u="sng" dirty="0" smtClean="0">
+              <a:rPr lang="en-US" sz="5400" b="1" u="sng" dirty="0">
                 <a:ln w="6600">
                   <a:solidFill>
                     <a:schemeClr val="accent2"/>
@@ -7431,10 +7927,322 @@
 </p:sld>
 </file>
 
+<file path=ppt/slides/slide6.xml><?xml version="1.0" encoding="utf-8"?>
+<p:sld xmlns:a="http://schemas.openxmlformats.org/drawingml/2006/main" xmlns:r="http://schemas.openxmlformats.org/officeDocument/2006/relationships" xmlns:p="http://schemas.openxmlformats.org/presentationml/2006/main">
+  <p:cSld>
+    <p:spTree>
+      <p:nvGrpSpPr>
+        <p:cNvPr id="1" name=""/>
+        <p:cNvGrpSpPr/>
+        <p:nvPr/>
+      </p:nvGrpSpPr>
+      <p:grpSpPr>
+        <a:xfrm>
+          <a:off x="0" y="0"/>
+          <a:ext cx="0" cy="0"/>
+          <a:chOff x="0" y="0"/>
+          <a:chExt cx="0" cy="0"/>
+        </a:xfrm>
+      </p:grpSpPr>
+      <p:pic>
+        <p:nvPicPr>
+          <p:cNvPr id="1026" name="Picture 2" descr="Screenshot (1).png"/>
+          <p:cNvPicPr>
+            <a:picLocks noChangeAspect="1" noChangeArrowheads="1"/>
+          </p:cNvPicPr>
+          <p:nvPr/>
+        </p:nvPicPr>
+        <p:blipFill>
+          <a:blip r:embed="rId2">
+            <a:extLst>
+              <a:ext uri="{28A0092B-C50C-407E-A947-70E740481C1C}">
+                <a14:useLocalDpi xmlns:a14="http://schemas.microsoft.com/office/drawing/2010/main" val="0"/>
+              </a:ext>
+            </a:extLst>
+          </a:blip>
+          <a:srcRect/>
+          <a:stretch>
+            <a:fillRect/>
+          </a:stretch>
+        </p:blipFill>
+        <p:spPr bwMode="auto">
+          <a:xfrm>
+            <a:off x="-484505" y="0"/>
+            <a:ext cx="13011150" cy="7315200"/>
+          </a:xfrm>
+          <a:prstGeom prst="rect">
+            <a:avLst/>
+          </a:prstGeom>
+          <a:noFill/>
+          <a:extLst>
+            <a:ext uri="{909E8E84-426E-40DD-AFC4-6F175D3DCCD1}">
+              <a14:hiddenFill xmlns:a14="http://schemas.microsoft.com/office/drawing/2010/main">
+                <a:solidFill>
+                  <a:srgbClr val="FFFFFF"/>
+                </a:solidFill>
+              </a14:hiddenFill>
+            </a:ext>
+          </a:extLst>
+        </p:spPr>
+      </p:pic>
+    </p:spTree>
+    <p:extLst>
+      <p:ext uri="{BB962C8B-B14F-4D97-AF65-F5344CB8AC3E}">
+        <p14:creationId xmlns:p14="http://schemas.microsoft.com/office/powerpoint/2010/main" val="3706188502"/>
+      </p:ext>
+    </p:extLst>
+  </p:cSld>
+  <p:clrMapOvr>
+    <a:masterClrMapping/>
+  </p:clrMapOvr>
+  <p:timing>
+    <p:tnLst>
+      <p:par>
+        <p:cTn id="1" dur="indefinite" restart="never" nodeType="tmRoot"/>
+      </p:par>
+    </p:tnLst>
+  </p:timing>
+</p:sld>
+</file>
+
+<file path=ppt/slides/slide7.xml><?xml version="1.0" encoding="utf-8"?>
+<p:sld xmlns:a="http://schemas.openxmlformats.org/drawingml/2006/main" xmlns:r="http://schemas.openxmlformats.org/officeDocument/2006/relationships" xmlns:p="http://schemas.openxmlformats.org/presentationml/2006/main">
+  <p:cSld>
+    <p:spTree>
+      <p:nvGrpSpPr>
+        <p:cNvPr id="1" name=""/>
+        <p:cNvGrpSpPr/>
+        <p:nvPr/>
+      </p:nvGrpSpPr>
+      <p:grpSpPr>
+        <a:xfrm>
+          <a:off x="0" y="0"/>
+          <a:ext cx="0" cy="0"/>
+          <a:chOff x="0" y="0"/>
+          <a:chExt cx="0" cy="0"/>
+        </a:xfrm>
+      </p:grpSpPr>
+      <p:pic>
+        <p:nvPicPr>
+          <p:cNvPr id="2050" name="Picture 2" descr="Screenshot (2).png"/>
+          <p:cNvPicPr>
+            <a:picLocks noChangeAspect="1" noChangeArrowheads="1"/>
+          </p:cNvPicPr>
+          <p:nvPr/>
+        </p:nvPicPr>
+        <p:blipFill>
+          <a:blip r:embed="rId2">
+            <a:extLst>
+              <a:ext uri="{28A0092B-C50C-407E-A947-70E740481C1C}">
+                <a14:useLocalDpi xmlns:a14="http://schemas.microsoft.com/office/drawing/2010/main" val="0"/>
+              </a:ext>
+            </a:extLst>
+          </a:blip>
+          <a:srcRect/>
+          <a:stretch>
+            <a:fillRect/>
+          </a:stretch>
+        </p:blipFill>
+        <p:spPr bwMode="auto">
+          <a:xfrm>
+            <a:off x="-523693" y="0"/>
+            <a:ext cx="13011150" cy="7315200"/>
+          </a:xfrm>
+          <a:prstGeom prst="rect">
+            <a:avLst/>
+          </a:prstGeom>
+          <a:noFill/>
+          <a:extLst>
+            <a:ext uri="{909E8E84-426E-40DD-AFC4-6F175D3DCCD1}">
+              <a14:hiddenFill xmlns:a14="http://schemas.microsoft.com/office/drawing/2010/main">
+                <a:solidFill>
+                  <a:srgbClr val="FFFFFF"/>
+                </a:solidFill>
+              </a14:hiddenFill>
+            </a:ext>
+          </a:extLst>
+        </p:spPr>
+      </p:pic>
+    </p:spTree>
+    <p:extLst>
+      <p:ext uri="{BB962C8B-B14F-4D97-AF65-F5344CB8AC3E}">
+        <p14:creationId xmlns:p14="http://schemas.microsoft.com/office/powerpoint/2010/main" val="2230676557"/>
+      </p:ext>
+    </p:extLst>
+  </p:cSld>
+  <p:clrMapOvr>
+    <a:masterClrMapping/>
+  </p:clrMapOvr>
+  <p:timing>
+    <p:tnLst>
+      <p:par>
+        <p:cTn id="1" dur="indefinite" restart="never" nodeType="tmRoot"/>
+      </p:par>
+    </p:tnLst>
+  </p:timing>
+</p:sld>
+</file>
+
+<file path=ppt/slides/slide8.xml><?xml version="1.0" encoding="utf-8"?>
+<p:sld xmlns:a="http://schemas.openxmlformats.org/drawingml/2006/main" xmlns:r="http://schemas.openxmlformats.org/officeDocument/2006/relationships" xmlns:p="http://schemas.openxmlformats.org/presentationml/2006/main">
+  <p:cSld>
+    <p:spTree>
+      <p:nvGrpSpPr>
+        <p:cNvPr id="1" name=""/>
+        <p:cNvGrpSpPr/>
+        <p:nvPr/>
+      </p:nvGrpSpPr>
+      <p:grpSpPr>
+        <a:xfrm>
+          <a:off x="0" y="0"/>
+          <a:ext cx="0" cy="0"/>
+          <a:chOff x="0" y="0"/>
+          <a:chExt cx="0" cy="0"/>
+        </a:xfrm>
+      </p:grpSpPr>
+      <p:pic>
+        <p:nvPicPr>
+          <p:cNvPr id="3074" name="Picture 2" descr="Screenshot (3).png"/>
+          <p:cNvPicPr>
+            <a:picLocks noChangeAspect="1" noChangeArrowheads="1"/>
+          </p:cNvPicPr>
+          <p:nvPr/>
+        </p:nvPicPr>
+        <p:blipFill>
+          <a:blip r:embed="rId2">
+            <a:extLst>
+              <a:ext uri="{28A0092B-C50C-407E-A947-70E740481C1C}">
+                <a14:useLocalDpi xmlns:a14="http://schemas.microsoft.com/office/drawing/2010/main" val="0"/>
+              </a:ext>
+            </a:extLst>
+          </a:blip>
+          <a:srcRect/>
+          <a:stretch>
+            <a:fillRect/>
+          </a:stretch>
+        </p:blipFill>
+        <p:spPr bwMode="auto">
+          <a:xfrm>
+            <a:off x="-301625" y="-52251"/>
+            <a:ext cx="13011151" cy="7315200"/>
+          </a:xfrm>
+          <a:prstGeom prst="rect">
+            <a:avLst/>
+          </a:prstGeom>
+          <a:noFill/>
+          <a:extLst>
+            <a:ext uri="{909E8E84-426E-40DD-AFC4-6F175D3DCCD1}">
+              <a14:hiddenFill xmlns:a14="http://schemas.microsoft.com/office/drawing/2010/main">
+                <a:solidFill>
+                  <a:srgbClr val="FFFFFF"/>
+                </a:solidFill>
+              </a14:hiddenFill>
+            </a:ext>
+          </a:extLst>
+        </p:spPr>
+      </p:pic>
+    </p:spTree>
+    <p:extLst>
+      <p:ext uri="{BB962C8B-B14F-4D97-AF65-F5344CB8AC3E}">
+        <p14:creationId xmlns:p14="http://schemas.microsoft.com/office/powerpoint/2010/main" val="219387815"/>
+      </p:ext>
+    </p:extLst>
+  </p:cSld>
+  <p:clrMapOvr>
+    <a:masterClrMapping/>
+  </p:clrMapOvr>
+  <p:timing>
+    <p:tnLst>
+      <p:par>
+        <p:cTn id="1" dur="indefinite" restart="never" nodeType="tmRoot"/>
+      </p:par>
+    </p:tnLst>
+  </p:timing>
+</p:sld>
+</file>
+
+<file path=ppt/slides/slide9.xml><?xml version="1.0" encoding="utf-8"?>
+<p:sld xmlns:a="http://schemas.openxmlformats.org/drawingml/2006/main" xmlns:r="http://schemas.openxmlformats.org/officeDocument/2006/relationships" xmlns:p="http://schemas.openxmlformats.org/presentationml/2006/main">
+  <p:cSld>
+    <p:spTree>
+      <p:nvGrpSpPr>
+        <p:cNvPr id="1" name=""/>
+        <p:cNvGrpSpPr/>
+        <p:nvPr/>
+      </p:nvGrpSpPr>
+      <p:grpSpPr>
+        <a:xfrm>
+          <a:off x="0" y="0"/>
+          <a:ext cx="0" cy="0"/>
+          <a:chOff x="0" y="0"/>
+          <a:chExt cx="0" cy="0"/>
+        </a:xfrm>
+      </p:grpSpPr>
+      <p:pic>
+        <p:nvPicPr>
+          <p:cNvPr id="4098" name="Picture 2" descr="Screenshot (4).png"/>
+          <p:cNvPicPr>
+            <a:picLocks noChangeAspect="1" noChangeArrowheads="1"/>
+          </p:cNvPicPr>
+          <p:nvPr/>
+        </p:nvPicPr>
+        <p:blipFill>
+          <a:blip r:embed="rId2">
+            <a:extLst>
+              <a:ext uri="{28A0092B-C50C-407E-A947-70E740481C1C}">
+                <a14:useLocalDpi xmlns:a14="http://schemas.microsoft.com/office/drawing/2010/main" val="0"/>
+              </a:ext>
+            </a:extLst>
+          </a:blip>
+          <a:srcRect/>
+          <a:stretch>
+            <a:fillRect/>
+          </a:stretch>
+        </p:blipFill>
+        <p:spPr bwMode="auto">
+          <a:xfrm>
+            <a:off x="-157934" y="0"/>
+            <a:ext cx="13011151" cy="7315200"/>
+          </a:xfrm>
+          <a:prstGeom prst="rect">
+            <a:avLst/>
+          </a:prstGeom>
+          <a:noFill/>
+          <a:extLst>
+            <a:ext uri="{909E8E84-426E-40DD-AFC4-6F175D3DCCD1}">
+              <a14:hiddenFill xmlns:a14="http://schemas.microsoft.com/office/drawing/2010/main">
+                <a:solidFill>
+                  <a:srgbClr val="FFFFFF"/>
+                </a:solidFill>
+              </a14:hiddenFill>
+            </a:ext>
+          </a:extLst>
+        </p:spPr>
+      </p:pic>
+    </p:spTree>
+    <p:extLst>
+      <p:ext uri="{BB962C8B-B14F-4D97-AF65-F5344CB8AC3E}">
+        <p14:creationId xmlns:p14="http://schemas.microsoft.com/office/powerpoint/2010/main" val="548698611"/>
+      </p:ext>
+    </p:extLst>
+  </p:cSld>
+  <p:clrMapOvr>
+    <a:masterClrMapping/>
+  </p:clrMapOvr>
+  <p:timing>
+    <p:tnLst>
+      <p:par>
+        <p:cTn id="1" dur="indefinite" restart="never" nodeType="tmRoot"/>
+      </p:par>
+    </p:tnLst>
+  </p:timing>
+</p:sld>
+</file>
+
 <file path=ppt/theme/theme1.xml><?xml version="1.0" encoding="utf-8"?>
 <a:theme xmlns:a="http://schemas.openxmlformats.org/drawingml/2006/main" name="Facet">
   <a:themeElements>
-    <a:clrScheme name="Facet">
+    <a:clrScheme name="Violet">
       <a:dk1>
         <a:sysClr val="windowText" lastClr="000000"/>
       </a:dk1>
@@ -7442,34 +8250,34 @@
         <a:sysClr val="window" lastClr="FFFFFF"/>
       </a:lt1>
       <a:dk2>
-        <a:srgbClr val="2C3C43"/>
+        <a:srgbClr val="373545"/>
       </a:dk2>
       <a:lt2>
-        <a:srgbClr val="EBEBEB"/>
+        <a:srgbClr val="DCD8DC"/>
       </a:lt2>
       <a:accent1>
-        <a:srgbClr val="90C226"/>
+        <a:srgbClr val="AD84C6"/>
       </a:accent1>
       <a:accent2>
-        <a:srgbClr val="54A021"/>
+        <a:srgbClr val="8784C7"/>
       </a:accent2>
       <a:accent3>
-        <a:srgbClr val="E6B91E"/>
+        <a:srgbClr val="5D739A"/>
       </a:accent3>
       <a:accent4>
-        <a:srgbClr val="E76618"/>
+        <a:srgbClr val="6997AF"/>
       </a:accent4>
       <a:accent5>
-        <a:srgbClr val="C42F1A"/>
+        <a:srgbClr val="84ACB6"/>
       </a:accent5>
       <a:accent6>
-        <a:srgbClr val="918655"/>
+        <a:srgbClr val="6F8183"/>
       </a:accent6>
       <a:hlink>
-        <a:srgbClr val="99CA3C"/>
+        <a:srgbClr val="69A020"/>
       </a:hlink>
       <a:folHlink>
-        <a:srgbClr val="B9D181"/>
+        <a:srgbClr val="8C8C8C"/>
       </a:folHlink>
     </a:clrScheme>
     <a:fontScheme name="Facet">
